--- a/Báo cáo/GraduationThesis.pptx
+++ b/Báo cáo/GraduationThesis.pptx
@@ -560,7 +560,7 @@
               <a:rPr lang="en-US" dirty="0">
                 <a:effectLst/>
               </a:rPr>
-              <a:t>Hello, I am Quang Vinh, thanks for coming to my thesis defense presentation today, which is titled: “Developing a Mushroom Identification Application. Advised by Dr. BVQB</a:t>
+              <a:t>Hello everyone, I am Quang Vinh, thanks for coming to my thesis defense presentation today, which is titled: “Developing a Mushroom Identification Application. Advised by Dr. BVQB</a:t>
             </a:r>
             <a:endParaRPr lang="en-US" dirty="0"/>
           </a:p>
@@ -2914,8 +2914,10 @@
           <a:lstStyle/>
           <a:p>
             <a:r>
-              <a:rPr lang="en-US" dirty="0"/>
-              <a:t>It is known that mushroom identification is a difficult task for most beginner due to how similar most mushroom species looks.</a:t>
+              <a:rPr lang="en-US" dirty="0">
+                <a:effectLst/>
+              </a:rPr>
+              <a:t>Mushroom identification is known to be a difficult task for beginners - due how similar most species look, which can lead to possibly errors EVEN with prior knowledge.</a:t>
             </a:r>
           </a:p>
           <a:p>
@@ -2924,16 +2926,7 @@
           <a:p>
             <a:r>
               <a:rPr lang="en-US" dirty="0"/>
-              <a:t>Which spawn errors despite prior knowledge </a:t>
-            </a:r>
-          </a:p>
-          <a:p>
-            <a:endParaRPr lang="en-US" dirty="0"/>
-          </a:p>
-          <a:p>
-            <a:r>
-              <a:rPr lang="en-US" dirty="0"/>
-              <a:t>And With the increase in interest for foraging, there has been demand a tool that is beginner friendly </a:t>
+              <a:t>And with the increase in interest for foraging hobby, there has been demand for accessible and beginner friendly tools</a:t>
             </a:r>
           </a:p>
           <a:p>
@@ -3082,7 +3075,7 @@
               <a:rPr lang="en-US" dirty="0">
                 <a:effectLst/>
               </a:rPr>
-              <a:t>And thus spawn this thesis that aims to develop a beginner-friendly Android application </a:t>
+              <a:t>And thus spawn this thesis which aims to develop a beginner-friendly Android application </a:t>
             </a:r>
           </a:p>
           <a:p>
@@ -3132,7 +3125,7 @@
               <a:rPr lang="en-US" dirty="0">
                 <a:effectLst/>
               </a:rPr>
-              <a:t>that supports safe mushroom identification, promotes safe foraging practices, and self-learning for the hobby.</a:t>
+              <a:t>that supports mushroom identification and also promotes safe foraging practices, and self-learning for the hobby.</a:t>
             </a:r>
           </a:p>
           <a:p>
@@ -3260,7 +3253,13 @@
             </a:br>
             <a:r>
               <a:rPr lang="en-US" dirty="0"/>
-              <a:t>Build an app that combine AI-based image identification that stored inferred result locally with a search feature and interactable map delivered with a fast client-server architecture and intuitive UI/UX</a:t>
+              <a:t>1. Build an app that combine AI-based image identification that stored inferred result locally </a:t>
+            </a:r>
+          </a:p>
+          <a:p>
+            <a:r>
+              <a:rPr lang="en-US" dirty="0"/>
+              <a:t>2. with a search feature and interactable map delivered with a fast client-server architecture and intuitive UI/UX</a:t>
             </a:r>
           </a:p>
           <a:p>
@@ -3294,7 +3293,7 @@
               <a:rPr lang="en-US" dirty="0">
                 <a:effectLst/>
               </a:rPr>
-              <a:t>1. The application is built with Flutter that  integration with the iNaturalist API.</a:t>
+              <a:t>1. The application is built with Flutter that  integrated with the iNaturalist API.</a:t>
             </a:r>
           </a:p>
           <a:p>
@@ -3302,7 +3301,7 @@
               <a:rPr lang="en-US" dirty="0">
                 <a:effectLst/>
               </a:rPr>
-              <a:t>2. While server-side inference used PyTorch on Lightning.ai,</a:t>
+              <a:t>2. While server-side inference used PyTorch on Lightning.ai server,</a:t>
             </a:r>
           </a:p>
           <a:p>
@@ -3310,7 +3309,7 @@
               <a:rPr lang="en-US" dirty="0">
                 <a:effectLst/>
               </a:rPr>
-              <a:t>3. Local SQLite and bunded JSON handle storage</a:t>
+              <a:t>3. With SQLite and bundled JSON handling local storage</a:t>
             </a:r>
             <a:endParaRPr lang="en-US" dirty="0"/>
           </a:p>
@@ -3612,19 +3611,19 @@
           <a:p>
             <a:r>
               <a:rPr lang="en-US" dirty="0"/>
-              <a:t>The model used is &lt;&gt; Google – Vit base patch 16 224 pretrained on ImageNet 21k:</a:t>
+              <a:t>The model used is &lt;&gt; Google – Vit-base-patch16, pretrained on ImageNet-21k:</a:t>
             </a:r>
           </a:p>
           <a:p>
             <a:r>
               <a:rPr lang="en-US" dirty="0"/>
-              <a:t>1. Good for identifying subtle details and complex textures</a:t>
+              <a:t>1. Which is good for identifying subtle details and complex textures</a:t>
             </a:r>
           </a:p>
           <a:p>
             <a:r>
               <a:rPr lang="en-US" dirty="0"/>
-              <a:t>2. And It deliver higher accuracy than the 3 CNN models used for the baseline on the custom dataset</a:t>
+              <a:t>2. And it delivers higher accuracy than the three CNN models used for the baseline on the custom dataset</a:t>
             </a:r>
           </a:p>
         </p:txBody>
@@ -3745,7 +3744,7 @@
             </a:pPr>
             <a:r>
               <a:rPr lang="en-US" dirty="0"/>
-              <a:t>The dataset is 80 classes with 200 samples each result in exactly 16,000 samples total</a:t>
+              <a:t>The dataset consists of 80 classes with 200 samples each resulting in exactly 16,000 samples total</a:t>
             </a:r>
           </a:p>
           <a:p>
@@ -3784,7 +3783,7 @@
                 <a:ea typeface="+mn-ea"/>
                 <a:cs typeface="+mn-cs"/>
               </a:rPr>
-              <a:t>improve generalization</a:t>
+              <a:t>improve generalization just before training</a:t>
             </a:r>
             <a:endParaRPr lang="en-US" dirty="0"/>
           </a:p>
@@ -3903,7 +3902,7 @@
           <a:p>
             <a:r>
               <a:rPr lang="en-US" dirty="0"/>
-              <a:t>These subsequence slides show the overview of the system architecture</a:t>
+              <a:t>These subsequence slides show the overview of the system architecture and uses cases</a:t>
             </a:r>
           </a:p>
         </p:txBody>
@@ -40193,13 +40192,13 @@
           </a:p>
           <a:p>
             <a:r>
-              <a:rPr lang="en-US" b="1" dirty="0"/>
+              <a:rPr lang="en-US" sz="3500" b="1" dirty="0"/>
               <a:t>DEVELOPING A MUSHROOM IDENTIFICATION </a:t>
             </a:r>
           </a:p>
           <a:p>
             <a:r>
-              <a:rPr lang="en-US" b="1" dirty="0"/>
+              <a:rPr lang="en-US" sz="3500" b="1" dirty="0"/>
               <a:t>APPLICATION</a:t>
             </a:r>
           </a:p>
@@ -41040,13 +41039,8 @@
           <a:p>
             <a:r>
               <a:rPr lang="en-US" sz="6000" dirty="0"/>
-              <a:t>2.6. Main </a:t>
+              <a:t>2.6. Mushroom Identification Workflows</a:t>
             </a:r>
-            <a:r>
-              <a:rPr lang="en-US" sz="6000"/>
-              <a:t>System Workflows</a:t>
-            </a:r>
-            <a:endParaRPr lang="en-US" sz="6000" dirty="0"/>
           </a:p>
         </p:txBody>
       </p:sp>
@@ -41224,7 +41218,7 @@
           <a:p>
             <a:r>
               <a:rPr lang="en-US" sz="6000" dirty="0"/>
-              <a:t>2.6. Main System Workflows</a:t>
+              <a:t>2.6. History Workflows</a:t>
             </a:r>
           </a:p>
         </p:txBody>
@@ -41403,7 +41397,7 @@
           <a:p>
             <a:r>
               <a:rPr lang="en-US" sz="6000" dirty="0"/>
-              <a:t>2.6. Main System Workflows</a:t>
+              <a:t>2.6. Search Workflows</a:t>
             </a:r>
           </a:p>
         </p:txBody>
@@ -41582,7 +41576,7 @@
           <a:p>
             <a:r>
               <a:rPr lang="en-US" sz="6000" dirty="0"/>
-              <a:t>2.6. Main System Workflows</a:t>
+              <a:t>2.6. Forage Map Workflows</a:t>
             </a:r>
           </a:p>
         </p:txBody>

--- a/Báo cáo/GraduationThesis.pptx
+++ b/Báo cáo/GraduationThesis.pptx
@@ -5,7 +5,7 @@
     <p:sldMasterId id="2147483648" r:id="rId1"/>
   </p:sldMasterIdLst>
   <p:notesMasterIdLst>
-    <p:notesMasterId r:id="rId33"/>
+    <p:notesMasterId r:id="rId31"/>
   </p:notesMasterIdLst>
   <p:sldIdLst>
     <p:sldId id="271" r:id="rId2"/>
@@ -29,16 +29,14 @@
     <p:sldId id="304" r:id="rId20"/>
     <p:sldId id="305" r:id="rId21"/>
     <p:sldId id="285" r:id="rId22"/>
-    <p:sldId id="279" r:id="rId23"/>
-    <p:sldId id="301" r:id="rId24"/>
-    <p:sldId id="275" r:id="rId25"/>
-    <p:sldId id="276" r:id="rId26"/>
-    <p:sldId id="277" r:id="rId27"/>
-    <p:sldId id="278" r:id="rId28"/>
-    <p:sldId id="273" r:id="rId29"/>
-    <p:sldId id="272" r:id="rId30"/>
-    <p:sldId id="270" r:id="rId31"/>
-    <p:sldId id="261" r:id="rId32"/>
+    <p:sldId id="275" r:id="rId23"/>
+    <p:sldId id="276" r:id="rId24"/>
+    <p:sldId id="277" r:id="rId25"/>
+    <p:sldId id="278" r:id="rId26"/>
+    <p:sldId id="273" r:id="rId27"/>
+    <p:sldId id="272" r:id="rId28"/>
+    <p:sldId id="270" r:id="rId29"/>
+    <p:sldId id="261" r:id="rId30"/>
   </p:sldIdLst>
   <p:sldSz cx="12192000" cy="6858000"/>
   <p:notesSz cx="6858000" cy="9144000"/>
@@ -1256,9 +1254,34 @@
           <a:bodyPr/>
           <a:lstStyle/>
           <a:p>
+            <a:pPr marL="0" marR="0" lvl="0" indent="0" algn="l" defTabSz="914400" rtl="0" eaLnBrk="1" fontAlgn="auto" latinLnBrk="0" hangingPunct="1">
+              <a:lnSpc>
+                <a:spcPct val="100000"/>
+              </a:lnSpc>
+              <a:spcBef>
+                <a:spcPts val="0"/>
+              </a:spcBef>
+              <a:spcAft>
+                <a:spcPts val="0"/>
+              </a:spcAft>
+              <a:buClrTx/>
+              <a:buSzTx/>
+              <a:buFontTx/>
+              <a:buNone/>
+              <a:tabLst/>
+              <a:defRPr/>
+            </a:pPr>
             <a:r>
               <a:rPr lang="en-US" dirty="0"/>
-              <a:t>Compute the precision, recall and F1 score for each of 80 classes</a:t>
+              <a:t>The Model is evaluated on precision, recall and F1 score for each </a:t>
+            </a:r>
+            <a:r>
+              <a:rPr lang="en-US"/>
+              <a:t>of the80 </a:t>
+            </a:r>
+            <a:r>
+              <a:rPr lang="en-US" dirty="0"/>
+              <a:t>classes</a:t>
             </a:r>
           </a:p>
         </p:txBody>
@@ -1345,7 +1368,7 @@
           <a:p>
             <a:r>
               <a:rPr lang="en-US" dirty="0"/>
-              <a:t>Then from those result calculate the average of those metrics</a:t>
+              <a:t>then the average is calculated across all classes to ensure equal class contribution</a:t>
             </a:r>
           </a:p>
         </p:txBody>
@@ -1432,7 +1455,7 @@
           <a:p>
             <a:r>
               <a:rPr lang="en-US" dirty="0"/>
-              <a:t>So did the AUC </a:t>
+              <a:t>The AUC follows the same macro-averaging approach across all classes</a:t>
             </a:r>
           </a:p>
         </p:txBody>
@@ -1519,7 +1542,7 @@
           <a:p>
             <a:r>
               <a:rPr lang="en-US" dirty="0"/>
-              <a:t>Result of the implementation the Vision transformer model achieved consistently higher scores than all baseline model</a:t>
+              <a:t>Result of the implementation the Vision transformer model achieved consistently higher scores than all baseline models used</a:t>
             </a:r>
           </a:p>
         </p:txBody>
@@ -1604,38 +1627,10 @@
           <a:bodyPr/>
           <a:lstStyle/>
           <a:p>
-            <a:pPr marL="0" marR="0" lvl="0" indent="0" algn="l" defTabSz="914400" rtl="0" eaLnBrk="1" fontAlgn="auto" latinLnBrk="0" hangingPunct="1">
-              <a:lnSpc>
-                <a:spcPct val="100000"/>
-              </a:lnSpc>
-              <a:spcBef>
-                <a:spcPts val="0"/>
-              </a:spcBef>
-              <a:spcAft>
-                <a:spcPts val="0"/>
-              </a:spcAft>
-              <a:buClrTx/>
-              <a:buSzTx/>
-              <a:buFontTx/>
-              <a:buNone/>
-              <a:tabLst/>
-              <a:defRPr/>
-            </a:pPr>
             <a:r>
-              <a:rPr lang="en-US" sz="1200" i="1" kern="1200" dirty="0">
-                <a:solidFill>
-                  <a:schemeClr val="tx1"/>
-                </a:solidFill>
-                <a:effectLst/>
-                <a:latin typeface="+mn-lt"/>
-                <a:ea typeface="+mn-ea"/>
-                <a:cs typeface="+mn-cs"/>
-              </a:rPr>
-              <a:t>Marco-Averaged F1 Score Curves of ViT (top-left), ResNet-50 (top-right), EfficientNetB4 (bottom-left) and MobileNetV3 (bottom-right)</a:t>
+              <a:rPr lang="en-US" dirty="0"/>
+              <a:t>The following slides are result of the UI implementation for the Mushroom identification feature</a:t>
             </a:r>
-          </a:p>
-          <a:p>
-            <a:endParaRPr lang="en-US" dirty="0"/>
           </a:p>
         </p:txBody>
       </p:sp>
@@ -1665,7 +1660,7 @@
     </p:spTree>
     <p:extLst>
       <p:ext uri="{BB962C8B-B14F-4D97-AF65-F5344CB8AC3E}">
-        <p14:creationId xmlns:p14="http://schemas.microsoft.com/office/powerpoint/2010/main" val="837232069"/>
+        <p14:creationId xmlns:p14="http://schemas.microsoft.com/office/powerpoint/2010/main" val="663648047"/>
       </p:ext>
     </p:extLst>
   </p:cSld>
@@ -1842,38 +1837,10 @@
           <a:bodyPr/>
           <a:lstStyle/>
           <a:p>
-            <a:pPr marL="0" marR="0" lvl="0" indent="0" algn="l" defTabSz="914400" rtl="0" eaLnBrk="1" fontAlgn="auto" latinLnBrk="0" hangingPunct="1">
-              <a:lnSpc>
-                <a:spcPct val="100000"/>
-              </a:lnSpc>
-              <a:spcBef>
-                <a:spcPts val="0"/>
-              </a:spcBef>
-              <a:spcAft>
-                <a:spcPts val="0"/>
-              </a:spcAft>
-              <a:buClrTx/>
-              <a:buSzTx/>
-              <a:buFontTx/>
-              <a:buNone/>
-              <a:tabLst/>
-              <a:defRPr/>
-            </a:pPr>
             <a:r>
-              <a:rPr lang="en-US" sz="1200" i="1" kern="1200" dirty="0">
-                <a:solidFill>
-                  <a:schemeClr val="tx1"/>
-                </a:solidFill>
-                <a:effectLst/>
-                <a:latin typeface="+mn-lt"/>
-                <a:ea typeface="+mn-ea"/>
-                <a:cs typeface="+mn-cs"/>
-              </a:rPr>
-              <a:t>Marco-Averaged ROC Curves of ViT (top-left), ResNet-50 (top-right), EfficientNetB4 (bottom-left) and MobileNetV3 (bottom-right)</a:t>
+              <a:rPr lang="en-US" dirty="0"/>
+              <a:t>History feature</a:t>
             </a:r>
-          </a:p>
-          <a:p>
-            <a:endParaRPr lang="en-US" dirty="0"/>
           </a:p>
         </p:txBody>
       </p:sp>
@@ -1903,7 +1870,7 @@
     </p:spTree>
     <p:extLst>
       <p:ext uri="{BB962C8B-B14F-4D97-AF65-F5344CB8AC3E}">
-        <p14:creationId xmlns:p14="http://schemas.microsoft.com/office/powerpoint/2010/main" val="1378547325"/>
+        <p14:creationId xmlns:p14="http://schemas.microsoft.com/office/powerpoint/2010/main" val="2430927582"/>
       </p:ext>
     </p:extLst>
   </p:cSld>
@@ -1959,7 +1926,7 @@
           <a:p>
             <a:r>
               <a:rPr lang="en-US" dirty="0"/>
-              <a:t>The following are the UI implementation for the Mushroom identification feature</a:t>
+              <a:t>Search feature</a:t>
             </a:r>
           </a:p>
         </p:txBody>
@@ -1990,7 +1957,7 @@
     </p:spTree>
     <p:extLst>
       <p:ext uri="{BB962C8B-B14F-4D97-AF65-F5344CB8AC3E}">
-        <p14:creationId xmlns:p14="http://schemas.microsoft.com/office/powerpoint/2010/main" val="663648047"/>
+        <p14:creationId xmlns:p14="http://schemas.microsoft.com/office/powerpoint/2010/main" val="3207475728"/>
       </p:ext>
     </p:extLst>
   </p:cSld>
@@ -2046,7 +2013,7 @@
           <a:p>
             <a:r>
               <a:rPr lang="en-US" dirty="0"/>
-              <a:t>History feature</a:t>
+              <a:t>And finally the forage map feature</a:t>
             </a:r>
           </a:p>
         </p:txBody>
@@ -2077,7 +2044,7 @@
     </p:spTree>
     <p:extLst>
       <p:ext uri="{BB962C8B-B14F-4D97-AF65-F5344CB8AC3E}">
-        <p14:creationId xmlns:p14="http://schemas.microsoft.com/office/powerpoint/2010/main" val="2430927582"/>
+        <p14:creationId xmlns:p14="http://schemas.microsoft.com/office/powerpoint/2010/main" val="3416150422"/>
       </p:ext>
     </p:extLst>
   </p:cSld>
@@ -2088,6 +2055,534 @@
 </file>
 
 <file path=ppt/notesSlides/notesSlide23.xml><?xml version="1.0" encoding="utf-8"?>
+<p:notes xmlns:a="http://schemas.openxmlformats.org/drawingml/2006/main" xmlns:r="http://schemas.openxmlformats.org/officeDocument/2006/relationships" xmlns:p="http://schemas.openxmlformats.org/presentationml/2006/main">
+  <p:cSld>
+    <p:spTree>
+      <p:nvGrpSpPr>
+        <p:cNvPr id="1" name=""/>
+        <p:cNvGrpSpPr/>
+        <p:nvPr/>
+      </p:nvGrpSpPr>
+      <p:grpSpPr>
+        <a:xfrm>
+          <a:off x="0" y="0"/>
+          <a:ext cx="0" cy="0"/>
+          <a:chOff x="0" y="0"/>
+          <a:chExt cx="0" cy="0"/>
+        </a:xfrm>
+      </p:grpSpPr>
+      <p:sp>
+        <p:nvSpPr>
+          <p:cNvPr id="2" name="Slide Image Placeholder 1"/>
+          <p:cNvSpPr>
+            <a:spLocks noGrp="1" noRot="1" noChangeAspect="1"/>
+          </p:cNvSpPr>
+          <p:nvPr>
+            <p:ph type="sldImg"/>
+          </p:nvPr>
+        </p:nvSpPr>
+        <p:spPr/>
+        <p:txBody>
+          <a:bodyPr/>
+          <a:lstStyle/>
+          <a:p>
+            <a:endParaRPr lang="en-US"/>
+          </a:p>
+        </p:txBody>
+      </p:sp>
+      <p:sp>
+        <p:nvSpPr>
+          <p:cNvPr id="3" name="Notes Placeholder 2"/>
+          <p:cNvSpPr>
+            <a:spLocks noGrp="1"/>
+          </p:cNvSpPr>
+          <p:nvPr>
+            <p:ph type="body" idx="1"/>
+          </p:nvPr>
+        </p:nvSpPr>
+        <p:spPr/>
+        <p:txBody>
+          <a:bodyPr/>
+          <a:lstStyle/>
+          <a:p>
+            <a:pPr marL="0" marR="0" lvl="0" indent="0" algn="l" defTabSz="914400" rtl="0" eaLnBrk="1" fontAlgn="auto" latinLnBrk="0" hangingPunct="1">
+              <a:lnSpc>
+                <a:spcPct val="100000"/>
+              </a:lnSpc>
+              <a:spcBef>
+                <a:spcPts val="0"/>
+              </a:spcBef>
+              <a:spcAft>
+                <a:spcPts val="0"/>
+              </a:spcAft>
+              <a:buClrTx/>
+              <a:buSzTx/>
+              <a:buFontTx/>
+              <a:buNone/>
+              <a:tabLst/>
+              <a:defRPr/>
+            </a:pPr>
+            <a:r>
+              <a:rPr lang="en-US" dirty="0"/>
+              <a:t>ACHIVED:</a:t>
+            </a:r>
+          </a:p>
+          <a:p>
+            <a:pPr marL="0" marR="0" lvl="0" indent="0" algn="l" defTabSz="914400" rtl="0" eaLnBrk="1" fontAlgn="auto" latinLnBrk="0" hangingPunct="1">
+              <a:lnSpc>
+                <a:spcPct val="100000"/>
+              </a:lnSpc>
+              <a:spcBef>
+                <a:spcPts val="0"/>
+              </a:spcBef>
+              <a:spcAft>
+                <a:spcPts val="0"/>
+              </a:spcAft>
+              <a:buClrTx/>
+              <a:buSzTx/>
+              <a:buFontTx/>
+              <a:buNone/>
+              <a:tabLst/>
+              <a:defRPr/>
+            </a:pPr>
+            <a:r>
+              <a:rPr lang="en-US" dirty="0"/>
+              <a:t>In conclusion the thesis </a:t>
+            </a:r>
+            <a:r>
+              <a:rPr lang="en-US" dirty="0">
+                <a:effectLst/>
+              </a:rPr>
+              <a:t>successfully delivered a beginner-friendly Android application that features:</a:t>
+            </a:r>
+            <a:br>
+              <a:rPr lang="en-US" dirty="0">
+                <a:effectLst/>
+              </a:rPr>
+            </a:br>
+            <a:r>
+              <a:rPr lang="en-US" dirty="0">
+                <a:effectLst/>
+              </a:rPr>
+              <a:t>1. real-time image recognition with local result storage, </a:t>
+            </a:r>
+          </a:p>
+          <a:p>
+            <a:pPr marL="0" marR="0" lvl="0" indent="0" algn="l" defTabSz="914400" rtl="0" eaLnBrk="1" fontAlgn="auto" latinLnBrk="0" hangingPunct="1">
+              <a:lnSpc>
+                <a:spcPct val="100000"/>
+              </a:lnSpc>
+              <a:spcBef>
+                <a:spcPts val="0"/>
+              </a:spcBef>
+              <a:spcAft>
+                <a:spcPts val="0"/>
+              </a:spcAft>
+              <a:buClrTx/>
+              <a:buSzTx/>
+              <a:buFontTx/>
+              <a:buNone/>
+              <a:tabLst/>
+              <a:defRPr/>
+            </a:pPr>
+            <a:r>
+              <a:rPr lang="en-US" dirty="0">
+                <a:effectLst/>
+              </a:rPr>
+              <a:t>2. keyword-searchable mushroom feature</a:t>
+            </a:r>
+          </a:p>
+          <a:p>
+            <a:pPr marL="0" marR="0" lvl="0" indent="0" algn="l" defTabSz="914400" rtl="0" eaLnBrk="1" fontAlgn="auto" latinLnBrk="0" hangingPunct="1">
+              <a:lnSpc>
+                <a:spcPct val="100000"/>
+              </a:lnSpc>
+              <a:spcBef>
+                <a:spcPts val="0"/>
+              </a:spcBef>
+              <a:spcAft>
+                <a:spcPts val="0"/>
+              </a:spcAft>
+              <a:buClrTx/>
+              <a:buSzTx/>
+              <a:buFontTx/>
+              <a:buNone/>
+              <a:tabLst/>
+              <a:defRPr/>
+            </a:pPr>
+            <a:r>
+              <a:rPr lang="en-US" dirty="0">
+                <a:effectLst/>
+              </a:rPr>
+              <a:t>3. and an interactive map integrated with iNaturalist.</a:t>
+            </a:r>
+          </a:p>
+          <a:p>
+            <a:endParaRPr lang="en-US" dirty="0"/>
+          </a:p>
+          <a:p>
+            <a:pPr marL="0" marR="0" lvl="0" indent="0" algn="l" defTabSz="914400" rtl="0" eaLnBrk="1" fontAlgn="auto" latinLnBrk="0" hangingPunct="1">
+              <a:lnSpc>
+                <a:spcPct val="100000"/>
+              </a:lnSpc>
+              <a:spcBef>
+                <a:spcPts val="0"/>
+              </a:spcBef>
+              <a:spcAft>
+                <a:spcPts val="0"/>
+              </a:spcAft>
+              <a:buClrTx/>
+              <a:buSzTx/>
+              <a:buFontTx/>
+              <a:buNone/>
+              <a:tabLst/>
+              <a:defRPr/>
+            </a:pPr>
+            <a:r>
+              <a:rPr lang="en-US" dirty="0"/>
+              <a:t>LIMITATIONS:</a:t>
+            </a:r>
+            <a:br>
+              <a:rPr lang="en-US" dirty="0"/>
+            </a:br>
+            <a:r>
+              <a:rPr lang="en-US" dirty="0"/>
+              <a:t>As for the </a:t>
+            </a:r>
+            <a:r>
+              <a:rPr lang="en-US" dirty="0">
+                <a:effectLst/>
+              </a:rPr>
+              <a:t>limitations which include:</a:t>
+            </a:r>
+          </a:p>
+          <a:p>
+            <a:pPr marL="228600" marR="0" lvl="0" indent="-228600" algn="l" defTabSz="914400" rtl="0" eaLnBrk="1" fontAlgn="auto" latinLnBrk="0" hangingPunct="1">
+              <a:lnSpc>
+                <a:spcPct val="100000"/>
+              </a:lnSpc>
+              <a:spcBef>
+                <a:spcPts val="0"/>
+              </a:spcBef>
+              <a:spcAft>
+                <a:spcPts val="0"/>
+              </a:spcAft>
+              <a:buClrTx/>
+              <a:buSzTx/>
+              <a:buFontTx/>
+              <a:buAutoNum type="arabicPeriod"/>
+              <a:tabLst/>
+              <a:defRPr/>
+            </a:pPr>
+            <a:r>
+              <a:rPr lang="en-US" dirty="0">
+                <a:effectLst/>
+              </a:rPr>
+              <a:t>a relatively constrained dataset, </a:t>
+            </a:r>
+          </a:p>
+          <a:p>
+            <a:pPr marL="228600" marR="0" lvl="0" indent="-228600" algn="l" defTabSz="914400" rtl="0" eaLnBrk="1" fontAlgn="auto" latinLnBrk="0" hangingPunct="1">
+              <a:lnSpc>
+                <a:spcPct val="100000"/>
+              </a:lnSpc>
+              <a:spcBef>
+                <a:spcPts val="0"/>
+              </a:spcBef>
+              <a:spcAft>
+                <a:spcPts val="0"/>
+              </a:spcAft>
+              <a:buClrTx/>
+              <a:buSzTx/>
+              <a:buFontTx/>
+              <a:buAutoNum type="arabicPeriod"/>
+              <a:tabLst/>
+              <a:defRPr/>
+            </a:pPr>
+            <a:r>
+              <a:rPr lang="en-US" dirty="0">
+                <a:effectLst/>
+              </a:rPr>
+              <a:t>incomplete mitigation of overfitting, </a:t>
+            </a:r>
+          </a:p>
+          <a:p>
+            <a:pPr marL="228600" marR="0" lvl="0" indent="-228600" algn="l" defTabSz="914400" rtl="0" eaLnBrk="1" fontAlgn="auto" latinLnBrk="0" hangingPunct="1">
+              <a:lnSpc>
+                <a:spcPct val="100000"/>
+              </a:lnSpc>
+              <a:spcBef>
+                <a:spcPts val="0"/>
+              </a:spcBef>
+              <a:spcAft>
+                <a:spcPts val="0"/>
+              </a:spcAft>
+              <a:buClrTx/>
+              <a:buSzTx/>
+              <a:buFontTx/>
+              <a:buAutoNum type="arabicPeriod"/>
+              <a:tabLst/>
+              <a:defRPr/>
+            </a:pPr>
+            <a:r>
+              <a:rPr lang="en-US" dirty="0">
+                <a:effectLst/>
+              </a:rPr>
+              <a:t>low accuracy on certain classes,</a:t>
+            </a:r>
+          </a:p>
+          <a:p>
+            <a:pPr marL="228600" marR="0" lvl="0" indent="-228600" algn="l" defTabSz="914400" rtl="0" eaLnBrk="1" fontAlgn="auto" latinLnBrk="0" hangingPunct="1">
+              <a:lnSpc>
+                <a:spcPct val="100000"/>
+              </a:lnSpc>
+              <a:spcBef>
+                <a:spcPts val="0"/>
+              </a:spcBef>
+              <a:spcAft>
+                <a:spcPts val="0"/>
+              </a:spcAft>
+              <a:buClrTx/>
+              <a:buSzTx/>
+              <a:buFontTx/>
+              <a:buAutoNum type="arabicPeriod"/>
+              <a:tabLst/>
+              <a:defRPr/>
+            </a:pPr>
+            <a:r>
+              <a:rPr lang="en-US" dirty="0">
+                <a:effectLst/>
+              </a:rPr>
+              <a:t>Finally, some features remaining underdeveloped.</a:t>
+            </a:r>
+          </a:p>
+          <a:p>
+            <a:endParaRPr lang="vi-VN" dirty="0"/>
+          </a:p>
+        </p:txBody>
+      </p:sp>
+      <p:sp>
+        <p:nvSpPr>
+          <p:cNvPr id="4" name="Slide Number Placeholder 3"/>
+          <p:cNvSpPr>
+            <a:spLocks noGrp="1"/>
+          </p:cNvSpPr>
+          <p:nvPr>
+            <p:ph type="sldNum" sz="quarter" idx="5"/>
+          </p:nvPr>
+        </p:nvSpPr>
+        <p:spPr/>
+        <p:txBody>
+          <a:bodyPr/>
+          <a:lstStyle/>
+          <a:p>
+            <a:fld id="{A67E2EB4-AAAC-4D92-8F4B-6C8B3AB9BD3F}" type="slidenum">
+              <a:rPr lang="vi-VN" smtClean="0"/>
+              <a:t>27</a:t>
+            </a:fld>
+            <a:endParaRPr lang="vi-VN"/>
+          </a:p>
+        </p:txBody>
+      </p:sp>
+    </p:spTree>
+    <p:extLst>
+      <p:ext uri="{BB962C8B-B14F-4D97-AF65-F5344CB8AC3E}">
+        <p14:creationId xmlns:p14="http://schemas.microsoft.com/office/powerpoint/2010/main" val="2167281020"/>
+      </p:ext>
+    </p:extLst>
+  </p:cSld>
+  <p:clrMapOvr>
+    <a:masterClrMapping/>
+  </p:clrMapOvr>
+</p:notes>
+</file>
+
+<file path=ppt/notesSlides/notesSlide24.xml><?xml version="1.0" encoding="utf-8"?>
+<p:notes xmlns:a="http://schemas.openxmlformats.org/drawingml/2006/main" xmlns:r="http://schemas.openxmlformats.org/officeDocument/2006/relationships" xmlns:p="http://schemas.openxmlformats.org/presentationml/2006/main">
+  <p:cSld>
+    <p:spTree>
+      <p:nvGrpSpPr>
+        <p:cNvPr id="1" name=""/>
+        <p:cNvGrpSpPr/>
+        <p:nvPr/>
+      </p:nvGrpSpPr>
+      <p:grpSpPr>
+        <a:xfrm>
+          <a:off x="0" y="0"/>
+          <a:ext cx="0" cy="0"/>
+          <a:chOff x="0" y="0"/>
+          <a:chExt cx="0" cy="0"/>
+        </a:xfrm>
+      </p:grpSpPr>
+      <p:sp>
+        <p:nvSpPr>
+          <p:cNvPr id="2" name="Slide Image Placeholder 1"/>
+          <p:cNvSpPr>
+            <a:spLocks noGrp="1" noRot="1" noChangeAspect="1"/>
+          </p:cNvSpPr>
+          <p:nvPr>
+            <p:ph type="sldImg"/>
+          </p:nvPr>
+        </p:nvSpPr>
+        <p:spPr/>
+        <p:txBody>
+          <a:bodyPr/>
+          <a:lstStyle/>
+          <a:p>
+            <a:endParaRPr lang="en-US"/>
+          </a:p>
+        </p:txBody>
+      </p:sp>
+      <p:sp>
+        <p:nvSpPr>
+          <p:cNvPr id="3" name="Notes Placeholder 2"/>
+          <p:cNvSpPr>
+            <a:spLocks noGrp="1"/>
+          </p:cNvSpPr>
+          <p:nvPr>
+            <p:ph type="body" idx="1"/>
+          </p:nvPr>
+        </p:nvSpPr>
+        <p:spPr/>
+        <p:txBody>
+          <a:bodyPr/>
+          <a:lstStyle/>
+          <a:p>
+            <a:r>
+              <a:rPr lang="en-US" dirty="0">
+                <a:effectLst/>
+              </a:rPr>
+              <a:t>For future improvements, I plan to:</a:t>
+            </a:r>
+          </a:p>
+          <a:p>
+            <a:endParaRPr lang="en-US" dirty="0">
+              <a:effectLst/>
+            </a:endParaRPr>
+          </a:p>
+          <a:p>
+            <a:pPr marL="0" indent="0">
+              <a:buFont typeface="Arial" panose="020B0604020202020204" pitchFamily="34" charset="0"/>
+              <a:buNone/>
+            </a:pPr>
+            <a:r>
+              <a:rPr lang="en-US" sz="1200" noProof="0" dirty="0"/>
+              <a:t>1. Expand recognition to more wild edibles.</a:t>
+            </a:r>
+          </a:p>
+          <a:p>
+            <a:pPr marL="0" indent="0">
+              <a:buFont typeface="Arial" panose="020B0604020202020204" pitchFamily="34" charset="0"/>
+              <a:buNone/>
+            </a:pPr>
+            <a:endParaRPr lang="en-US" sz="1200" dirty="0"/>
+          </a:p>
+          <a:p>
+            <a:pPr marL="0" indent="0">
+              <a:buFont typeface="Arial" panose="020B0604020202020204" pitchFamily="34" charset="0"/>
+              <a:buNone/>
+            </a:pPr>
+            <a:r>
+              <a:rPr lang="en-US" sz="1200" dirty="0"/>
+              <a:t>2. Use larger ViT variants for better performance.</a:t>
+            </a:r>
+          </a:p>
+          <a:p>
+            <a:pPr marL="0" indent="0">
+              <a:buFont typeface="Arial" panose="020B0604020202020204" pitchFamily="34" charset="0"/>
+              <a:buNone/>
+            </a:pPr>
+            <a:endParaRPr lang="en-US" sz="1200" dirty="0"/>
+          </a:p>
+          <a:p>
+            <a:pPr marL="0" indent="0">
+              <a:buFont typeface="Arial" panose="020B0604020202020204" pitchFamily="34" charset="0"/>
+              <a:buNone/>
+            </a:pPr>
+            <a:r>
+              <a:rPr lang="en-US" sz="1200" dirty="0"/>
+              <a:t>3. Improve the dataset and augmentation strategy to reduce overfitting.</a:t>
+            </a:r>
+          </a:p>
+          <a:p>
+            <a:pPr marL="0" indent="0">
+              <a:buFont typeface="Arial" panose="020B0604020202020204" pitchFamily="34" charset="0"/>
+              <a:buNone/>
+            </a:pPr>
+            <a:endParaRPr lang="en-US" sz="1200" dirty="0"/>
+          </a:p>
+          <a:p>
+            <a:pPr marL="0" indent="0">
+              <a:buFont typeface="Arial" panose="020B0604020202020204" pitchFamily="34" charset="0"/>
+              <a:buNone/>
+            </a:pPr>
+            <a:r>
+              <a:rPr lang="en-US" sz="1200" dirty="0"/>
+              <a:t>4. Upgrade keyword search to a chatbot.</a:t>
+            </a:r>
+          </a:p>
+          <a:p>
+            <a:pPr marL="0" indent="0">
+              <a:buFont typeface="Arial" panose="020B0604020202020204" pitchFamily="34" charset="0"/>
+              <a:buNone/>
+            </a:pPr>
+            <a:endParaRPr lang="en-US" sz="1200" dirty="0"/>
+          </a:p>
+          <a:p>
+            <a:pPr marL="0" indent="0">
+              <a:buFont typeface="Arial" panose="020B0604020202020204" pitchFamily="34" charset="0"/>
+              <a:buNone/>
+            </a:pPr>
+            <a:r>
+              <a:rPr lang="en-US" sz="1200" dirty="0"/>
+              <a:t>5. Add user-submitted observation to iNaturalist feature to the forage map.</a:t>
+            </a:r>
+          </a:p>
+          <a:p>
+            <a:pPr marL="0" indent="0">
+              <a:buNone/>
+            </a:pPr>
+            <a:endParaRPr lang="en-US" dirty="0"/>
+          </a:p>
+        </p:txBody>
+      </p:sp>
+      <p:sp>
+        <p:nvSpPr>
+          <p:cNvPr id="4" name="Slide Number Placeholder 3"/>
+          <p:cNvSpPr>
+            <a:spLocks noGrp="1"/>
+          </p:cNvSpPr>
+          <p:nvPr>
+            <p:ph type="sldNum" sz="quarter" idx="5"/>
+          </p:nvPr>
+        </p:nvSpPr>
+        <p:spPr/>
+        <p:txBody>
+          <a:bodyPr/>
+          <a:lstStyle/>
+          <a:p>
+            <a:fld id="{A67E2EB4-AAAC-4D92-8F4B-6C8B3AB9BD3F}" type="slidenum">
+              <a:rPr lang="vi-VN" smtClean="0"/>
+              <a:t>28</a:t>
+            </a:fld>
+            <a:endParaRPr lang="vi-VN"/>
+          </a:p>
+        </p:txBody>
+      </p:sp>
+    </p:spTree>
+    <p:extLst>
+      <p:ext uri="{BB962C8B-B14F-4D97-AF65-F5344CB8AC3E}">
+        <p14:creationId xmlns:p14="http://schemas.microsoft.com/office/powerpoint/2010/main" val="2855441045"/>
+      </p:ext>
+    </p:extLst>
+  </p:cSld>
+  <p:clrMapOvr>
+    <a:masterClrMapping/>
+  </p:clrMapOvr>
+</p:notes>
+</file>
+
+<file path=ppt/notesSlides/notesSlide25.xml><?xml version="1.0" encoding="utf-8"?>
 <p:notes xmlns:a="http://schemas.openxmlformats.org/drawingml/2006/main" xmlns:r="http://schemas.openxmlformats.org/officeDocument/2006/relationships" xmlns:p="http://schemas.openxmlformats.org/presentationml/2006/main">
   <p:cSld>
     <p:spTree>
@@ -2132,8 +2627,19 @@
           <a:lstStyle/>
           <a:p>
             <a:r>
+              <a:rPr lang="en-US" dirty="0">
+                <a:effectLst/>
+              </a:rPr>
+              <a:t>This concludes my presentation.</a:t>
+            </a:r>
+          </a:p>
+          <a:p>
+            <a:endParaRPr lang="en-US" dirty="0"/>
+          </a:p>
+          <a:p>
+            <a:r>
               <a:rPr lang="en-US" dirty="0"/>
-              <a:t>Search feature</a:t>
+              <a:t>Thank you for listening</a:t>
             </a:r>
           </a:p>
         </p:txBody>
@@ -2155,677 +2661,7 @@
           <a:p>
             <a:fld id="{A67E2EB4-AAAC-4D92-8F4B-6C8B3AB9BD3F}" type="slidenum">
               <a:rPr lang="vi-VN" smtClean="0"/>
-              <a:t>26</a:t>
-            </a:fld>
-            <a:endParaRPr lang="vi-VN"/>
-          </a:p>
-        </p:txBody>
-      </p:sp>
-    </p:spTree>
-    <p:extLst>
-      <p:ext uri="{BB962C8B-B14F-4D97-AF65-F5344CB8AC3E}">
-        <p14:creationId xmlns:p14="http://schemas.microsoft.com/office/powerpoint/2010/main" val="3207475728"/>
-      </p:ext>
-    </p:extLst>
-  </p:cSld>
-  <p:clrMapOvr>
-    <a:masterClrMapping/>
-  </p:clrMapOvr>
-</p:notes>
-</file>
-
-<file path=ppt/notesSlides/notesSlide24.xml><?xml version="1.0" encoding="utf-8"?>
-<p:notes xmlns:a="http://schemas.openxmlformats.org/drawingml/2006/main" xmlns:r="http://schemas.openxmlformats.org/officeDocument/2006/relationships" xmlns:p="http://schemas.openxmlformats.org/presentationml/2006/main">
-  <p:cSld>
-    <p:spTree>
-      <p:nvGrpSpPr>
-        <p:cNvPr id="1" name=""/>
-        <p:cNvGrpSpPr/>
-        <p:nvPr/>
-      </p:nvGrpSpPr>
-      <p:grpSpPr>
-        <a:xfrm>
-          <a:off x="0" y="0"/>
-          <a:ext cx="0" cy="0"/>
-          <a:chOff x="0" y="0"/>
-          <a:chExt cx="0" cy="0"/>
-        </a:xfrm>
-      </p:grpSpPr>
-      <p:sp>
-        <p:nvSpPr>
-          <p:cNvPr id="2" name="Slide Image Placeholder 1"/>
-          <p:cNvSpPr>
-            <a:spLocks noGrp="1" noRot="1" noChangeAspect="1"/>
-          </p:cNvSpPr>
-          <p:nvPr>
-            <p:ph type="sldImg"/>
-          </p:nvPr>
-        </p:nvSpPr>
-        <p:spPr/>
-      </p:sp>
-      <p:sp>
-        <p:nvSpPr>
-          <p:cNvPr id="3" name="Notes Placeholder 2"/>
-          <p:cNvSpPr>
-            <a:spLocks noGrp="1"/>
-          </p:cNvSpPr>
-          <p:nvPr>
-            <p:ph type="body" idx="1"/>
-          </p:nvPr>
-        </p:nvSpPr>
-        <p:spPr/>
-        <p:txBody>
-          <a:bodyPr/>
-          <a:lstStyle/>
-          <a:p>
-            <a:r>
-              <a:rPr lang="en-US" dirty="0"/>
-              <a:t>And finally the forage map feature</a:t>
-            </a:r>
-          </a:p>
-        </p:txBody>
-      </p:sp>
-      <p:sp>
-        <p:nvSpPr>
-          <p:cNvPr id="4" name="Slide Number Placeholder 3"/>
-          <p:cNvSpPr>
-            <a:spLocks noGrp="1"/>
-          </p:cNvSpPr>
-          <p:nvPr>
-            <p:ph type="sldNum" sz="quarter" idx="5"/>
-          </p:nvPr>
-        </p:nvSpPr>
-        <p:spPr/>
-        <p:txBody>
-          <a:bodyPr/>
-          <a:lstStyle/>
-          <a:p>
-            <a:fld id="{A67E2EB4-AAAC-4D92-8F4B-6C8B3AB9BD3F}" type="slidenum">
-              <a:rPr lang="vi-VN" smtClean="0"/>
-              <a:t>27</a:t>
-            </a:fld>
-            <a:endParaRPr lang="vi-VN"/>
-          </a:p>
-        </p:txBody>
-      </p:sp>
-    </p:spTree>
-    <p:extLst>
-      <p:ext uri="{BB962C8B-B14F-4D97-AF65-F5344CB8AC3E}">
-        <p14:creationId xmlns:p14="http://schemas.microsoft.com/office/powerpoint/2010/main" val="3416150422"/>
-      </p:ext>
-    </p:extLst>
-  </p:cSld>
-  <p:clrMapOvr>
-    <a:masterClrMapping/>
-  </p:clrMapOvr>
-</p:notes>
-</file>
-
-<file path=ppt/notesSlides/notesSlide25.xml><?xml version="1.0" encoding="utf-8"?>
-<p:notes xmlns:a="http://schemas.openxmlformats.org/drawingml/2006/main" xmlns:r="http://schemas.openxmlformats.org/officeDocument/2006/relationships" xmlns:p="http://schemas.openxmlformats.org/presentationml/2006/main">
-  <p:cSld>
-    <p:spTree>
-      <p:nvGrpSpPr>
-        <p:cNvPr id="1" name=""/>
-        <p:cNvGrpSpPr/>
-        <p:nvPr/>
-      </p:nvGrpSpPr>
-      <p:grpSpPr>
-        <a:xfrm>
-          <a:off x="0" y="0"/>
-          <a:ext cx="0" cy="0"/>
-          <a:chOff x="0" y="0"/>
-          <a:chExt cx="0" cy="0"/>
-        </a:xfrm>
-      </p:grpSpPr>
-      <p:sp>
-        <p:nvSpPr>
-          <p:cNvPr id="2" name="Slide Image Placeholder 1"/>
-          <p:cNvSpPr>
-            <a:spLocks noGrp="1" noRot="1" noChangeAspect="1"/>
-          </p:cNvSpPr>
-          <p:nvPr>
-            <p:ph type="sldImg"/>
-          </p:nvPr>
-        </p:nvSpPr>
-        <p:spPr/>
-        <p:txBody>
-          <a:bodyPr/>
-          <a:lstStyle/>
-          <a:p>
-            <a:endParaRPr lang="en-US"/>
-          </a:p>
-        </p:txBody>
-      </p:sp>
-      <p:sp>
-        <p:nvSpPr>
-          <p:cNvPr id="3" name="Notes Placeholder 2"/>
-          <p:cNvSpPr>
-            <a:spLocks noGrp="1"/>
-          </p:cNvSpPr>
-          <p:nvPr>
-            <p:ph type="body" idx="1"/>
-          </p:nvPr>
-        </p:nvSpPr>
-        <p:spPr/>
-        <p:txBody>
-          <a:bodyPr/>
-          <a:lstStyle/>
-          <a:p>
-            <a:pPr marL="0" marR="0" lvl="0" indent="0" algn="l" defTabSz="914400" rtl="0" eaLnBrk="1" fontAlgn="auto" latinLnBrk="0" hangingPunct="1">
-              <a:lnSpc>
-                <a:spcPct val="100000"/>
-              </a:lnSpc>
-              <a:spcBef>
-                <a:spcPts val="0"/>
-              </a:spcBef>
-              <a:spcAft>
-                <a:spcPts val="0"/>
-              </a:spcAft>
-              <a:buClrTx/>
-              <a:buSzTx/>
-              <a:buFontTx/>
-              <a:buNone/>
-              <a:tabLst/>
-              <a:defRPr/>
-            </a:pPr>
-            <a:r>
-              <a:rPr lang="en-US" dirty="0"/>
-              <a:t>ACHIVED:</a:t>
-            </a:r>
-          </a:p>
-          <a:p>
-            <a:pPr marL="0" marR="0" lvl="0" indent="0" algn="l" defTabSz="914400" rtl="0" eaLnBrk="1" fontAlgn="auto" latinLnBrk="0" hangingPunct="1">
-              <a:lnSpc>
-                <a:spcPct val="100000"/>
-              </a:lnSpc>
-              <a:spcBef>
-                <a:spcPts val="0"/>
-              </a:spcBef>
-              <a:spcAft>
-                <a:spcPts val="0"/>
-              </a:spcAft>
-              <a:buClrTx/>
-              <a:buSzTx/>
-              <a:buFontTx/>
-              <a:buNone/>
-              <a:tabLst/>
-              <a:defRPr/>
-            </a:pPr>
-            <a:r>
-              <a:rPr lang="en-US" dirty="0"/>
-              <a:t>In conclusion the app </a:t>
-            </a:r>
-            <a:r>
-              <a:rPr lang="en-US" dirty="0">
-                <a:effectLst/>
-              </a:rPr>
-              <a:t>successfully delivered a beginner-friendly Android application that feature:</a:t>
-            </a:r>
-            <a:br>
-              <a:rPr lang="en-US" dirty="0">
-                <a:effectLst/>
-              </a:rPr>
-            </a:br>
-            <a:r>
-              <a:rPr lang="en-US" dirty="0">
-                <a:effectLst/>
-              </a:rPr>
-              <a:t>1. real-time image recognition with local result storage, </a:t>
-            </a:r>
-          </a:p>
-          <a:p>
-            <a:pPr marL="0" marR="0" lvl="0" indent="0" algn="l" defTabSz="914400" rtl="0" eaLnBrk="1" fontAlgn="auto" latinLnBrk="0" hangingPunct="1">
-              <a:lnSpc>
-                <a:spcPct val="100000"/>
-              </a:lnSpc>
-              <a:spcBef>
-                <a:spcPts val="0"/>
-              </a:spcBef>
-              <a:spcAft>
-                <a:spcPts val="0"/>
-              </a:spcAft>
-              <a:buClrTx/>
-              <a:buSzTx/>
-              <a:buFontTx/>
-              <a:buNone/>
-              <a:tabLst/>
-              <a:defRPr/>
-            </a:pPr>
-            <a:r>
-              <a:rPr lang="en-US" dirty="0">
-                <a:effectLst/>
-              </a:rPr>
-              <a:t>2. keyword-searchable mushroom database</a:t>
-            </a:r>
-          </a:p>
-          <a:p>
-            <a:pPr marL="0" marR="0" lvl="0" indent="0" algn="l" defTabSz="914400" rtl="0" eaLnBrk="1" fontAlgn="auto" latinLnBrk="0" hangingPunct="1">
-              <a:lnSpc>
-                <a:spcPct val="100000"/>
-              </a:lnSpc>
-              <a:spcBef>
-                <a:spcPts val="0"/>
-              </a:spcBef>
-              <a:spcAft>
-                <a:spcPts val="0"/>
-              </a:spcAft>
-              <a:buClrTx/>
-              <a:buSzTx/>
-              <a:buFontTx/>
-              <a:buNone/>
-              <a:tabLst/>
-              <a:defRPr/>
-            </a:pPr>
-            <a:r>
-              <a:rPr lang="en-US" dirty="0">
-                <a:effectLst/>
-              </a:rPr>
-              <a:t>3. and an interactive map integrated with iNaturalist.</a:t>
-            </a:r>
-          </a:p>
-          <a:p>
-            <a:endParaRPr lang="en-US" dirty="0"/>
-          </a:p>
-          <a:p>
-            <a:pPr marL="0" marR="0" lvl="0" indent="0" algn="l" defTabSz="914400" rtl="0" eaLnBrk="1" fontAlgn="auto" latinLnBrk="0" hangingPunct="1">
-              <a:lnSpc>
-                <a:spcPct val="100000"/>
-              </a:lnSpc>
-              <a:spcBef>
-                <a:spcPts val="0"/>
-              </a:spcBef>
-              <a:spcAft>
-                <a:spcPts val="0"/>
-              </a:spcAft>
-              <a:buClrTx/>
-              <a:buSzTx/>
-              <a:buFontTx/>
-              <a:buNone/>
-              <a:tabLst/>
-              <a:defRPr/>
-            </a:pPr>
-            <a:r>
-              <a:rPr lang="en-US" dirty="0"/>
-              <a:t>LIMITATIONS:</a:t>
-            </a:r>
-            <a:br>
-              <a:rPr lang="en-US" dirty="0"/>
-            </a:br>
-            <a:r>
-              <a:rPr lang="en-US" dirty="0">
-                <a:effectLst/>
-              </a:rPr>
-              <a:t>Current limitations include:</a:t>
-            </a:r>
-          </a:p>
-          <a:p>
-            <a:pPr marL="228600" marR="0" lvl="0" indent="-228600" algn="l" defTabSz="914400" rtl="0" eaLnBrk="1" fontAlgn="auto" latinLnBrk="0" hangingPunct="1">
-              <a:lnSpc>
-                <a:spcPct val="100000"/>
-              </a:lnSpc>
-              <a:spcBef>
-                <a:spcPts val="0"/>
-              </a:spcBef>
-              <a:spcAft>
-                <a:spcPts val="0"/>
-              </a:spcAft>
-              <a:buClrTx/>
-              <a:buSzTx/>
-              <a:buFontTx/>
-              <a:buAutoNum type="arabicPeriod"/>
-              <a:tabLst/>
-              <a:defRPr/>
-            </a:pPr>
-            <a:r>
-              <a:rPr lang="en-US" dirty="0">
-                <a:effectLst/>
-              </a:rPr>
-              <a:t>a relatively constrained dataset, </a:t>
-            </a:r>
-          </a:p>
-          <a:p>
-            <a:pPr marL="228600" marR="0" lvl="0" indent="-228600" algn="l" defTabSz="914400" rtl="0" eaLnBrk="1" fontAlgn="auto" latinLnBrk="0" hangingPunct="1">
-              <a:lnSpc>
-                <a:spcPct val="100000"/>
-              </a:lnSpc>
-              <a:spcBef>
-                <a:spcPts val="0"/>
-              </a:spcBef>
-              <a:spcAft>
-                <a:spcPts val="0"/>
-              </a:spcAft>
-              <a:buClrTx/>
-              <a:buSzTx/>
-              <a:buFontTx/>
-              <a:buAutoNum type="arabicPeriod"/>
-              <a:tabLst/>
-              <a:defRPr/>
-            </a:pPr>
-            <a:r>
-              <a:rPr lang="en-US" dirty="0">
-                <a:effectLst/>
-              </a:rPr>
-              <a:t>incomplete mitigation of overfitting, </a:t>
-            </a:r>
-          </a:p>
-          <a:p>
-            <a:pPr marL="228600" marR="0" lvl="0" indent="-228600" algn="l" defTabSz="914400" rtl="0" eaLnBrk="1" fontAlgn="auto" latinLnBrk="0" hangingPunct="1">
-              <a:lnSpc>
-                <a:spcPct val="100000"/>
-              </a:lnSpc>
-              <a:spcBef>
-                <a:spcPts val="0"/>
-              </a:spcBef>
-              <a:spcAft>
-                <a:spcPts val="0"/>
-              </a:spcAft>
-              <a:buClrTx/>
-              <a:buSzTx/>
-              <a:buFontTx/>
-              <a:buAutoNum type="arabicPeriod"/>
-              <a:tabLst/>
-              <a:defRPr/>
-            </a:pPr>
-            <a:r>
-              <a:rPr lang="en-US" dirty="0">
-                <a:effectLst/>
-              </a:rPr>
-              <a:t>suboptimal accuracy on certain classes,</a:t>
-            </a:r>
-          </a:p>
-          <a:p>
-            <a:pPr marL="228600" marR="0" lvl="0" indent="-228600" algn="l" defTabSz="914400" rtl="0" eaLnBrk="1" fontAlgn="auto" latinLnBrk="0" hangingPunct="1">
-              <a:lnSpc>
-                <a:spcPct val="100000"/>
-              </a:lnSpc>
-              <a:spcBef>
-                <a:spcPts val="0"/>
-              </a:spcBef>
-              <a:spcAft>
-                <a:spcPts val="0"/>
-              </a:spcAft>
-              <a:buClrTx/>
-              <a:buSzTx/>
-              <a:buFontTx/>
-              <a:buAutoNum type="arabicPeriod"/>
-              <a:tabLst/>
-              <a:defRPr/>
-            </a:pPr>
-            <a:r>
-              <a:rPr lang="en-US" dirty="0">
-                <a:effectLst/>
-              </a:rPr>
-              <a:t>and some features—particularly advanced search and map functionality—remaining underdeveloped.</a:t>
-            </a:r>
-          </a:p>
-          <a:p>
-            <a:endParaRPr lang="vi-VN" dirty="0"/>
-          </a:p>
-        </p:txBody>
-      </p:sp>
-      <p:sp>
-        <p:nvSpPr>
-          <p:cNvPr id="4" name="Slide Number Placeholder 3"/>
-          <p:cNvSpPr>
-            <a:spLocks noGrp="1"/>
-          </p:cNvSpPr>
-          <p:nvPr>
-            <p:ph type="sldNum" sz="quarter" idx="5"/>
-          </p:nvPr>
-        </p:nvSpPr>
-        <p:spPr/>
-        <p:txBody>
-          <a:bodyPr/>
-          <a:lstStyle/>
-          <a:p>
-            <a:fld id="{A67E2EB4-AAAC-4D92-8F4B-6C8B3AB9BD3F}" type="slidenum">
-              <a:rPr lang="vi-VN" smtClean="0"/>
               <a:t>29</a:t>
-            </a:fld>
-            <a:endParaRPr lang="vi-VN"/>
-          </a:p>
-        </p:txBody>
-      </p:sp>
-    </p:spTree>
-    <p:extLst>
-      <p:ext uri="{BB962C8B-B14F-4D97-AF65-F5344CB8AC3E}">
-        <p14:creationId xmlns:p14="http://schemas.microsoft.com/office/powerpoint/2010/main" val="2167281020"/>
-      </p:ext>
-    </p:extLst>
-  </p:cSld>
-  <p:clrMapOvr>
-    <a:masterClrMapping/>
-  </p:clrMapOvr>
-</p:notes>
-</file>
-
-<file path=ppt/notesSlides/notesSlide26.xml><?xml version="1.0" encoding="utf-8"?>
-<p:notes xmlns:a="http://schemas.openxmlformats.org/drawingml/2006/main" xmlns:r="http://schemas.openxmlformats.org/officeDocument/2006/relationships" xmlns:p="http://schemas.openxmlformats.org/presentationml/2006/main">
-  <p:cSld>
-    <p:spTree>
-      <p:nvGrpSpPr>
-        <p:cNvPr id="1" name=""/>
-        <p:cNvGrpSpPr/>
-        <p:nvPr/>
-      </p:nvGrpSpPr>
-      <p:grpSpPr>
-        <a:xfrm>
-          <a:off x="0" y="0"/>
-          <a:ext cx="0" cy="0"/>
-          <a:chOff x="0" y="0"/>
-          <a:chExt cx="0" cy="0"/>
-        </a:xfrm>
-      </p:grpSpPr>
-      <p:sp>
-        <p:nvSpPr>
-          <p:cNvPr id="2" name="Slide Image Placeholder 1"/>
-          <p:cNvSpPr>
-            <a:spLocks noGrp="1" noRot="1" noChangeAspect="1"/>
-          </p:cNvSpPr>
-          <p:nvPr>
-            <p:ph type="sldImg"/>
-          </p:nvPr>
-        </p:nvSpPr>
-        <p:spPr/>
-        <p:txBody>
-          <a:bodyPr/>
-          <a:lstStyle/>
-          <a:p>
-            <a:endParaRPr lang="en-US"/>
-          </a:p>
-        </p:txBody>
-      </p:sp>
-      <p:sp>
-        <p:nvSpPr>
-          <p:cNvPr id="3" name="Notes Placeholder 2"/>
-          <p:cNvSpPr>
-            <a:spLocks noGrp="1"/>
-          </p:cNvSpPr>
-          <p:nvPr>
-            <p:ph type="body" idx="1"/>
-          </p:nvPr>
-        </p:nvSpPr>
-        <p:spPr/>
-        <p:txBody>
-          <a:bodyPr/>
-          <a:lstStyle/>
-          <a:p>
-            <a:r>
-              <a:rPr lang="en-US" dirty="0">
-                <a:effectLst/>
-              </a:rPr>
-              <a:t>Future improvements may involve:</a:t>
-            </a:r>
-          </a:p>
-          <a:p>
-            <a:pPr marL="228600" indent="-228600">
-              <a:buAutoNum type="arabicPeriod"/>
-            </a:pPr>
-            <a:r>
-              <a:rPr lang="en-US" dirty="0">
-                <a:effectLst/>
-              </a:rPr>
-              <a:t>expanding recognition to additional wild edibles using multi-task or specialized models, </a:t>
-            </a:r>
-          </a:p>
-          <a:p>
-            <a:pPr marL="228600" indent="-228600">
-              <a:buAutoNum type="arabicPeriod"/>
-            </a:pPr>
-            <a:r>
-              <a:rPr lang="en-US" dirty="0">
-                <a:effectLst/>
-              </a:rPr>
-              <a:t>adopting larger ViT variants, enhancing the dataset and augmentation strategies, </a:t>
-            </a:r>
-          </a:p>
-          <a:p>
-            <a:pPr marL="228600" indent="-228600">
-              <a:buAutoNum type="arabicPeriod"/>
-            </a:pPr>
-            <a:r>
-              <a:rPr lang="en-US" dirty="0">
-                <a:effectLst/>
-              </a:rPr>
-              <a:t>upgrading the search function to a natural-language chatbot powered by a small LLM, </a:t>
-            </a:r>
-          </a:p>
-          <a:p>
-            <a:pPr marL="228600" indent="-228600">
-              <a:buAutoNum type="arabicPeriod"/>
-            </a:pPr>
-            <a:r>
-              <a:rPr lang="en-US" dirty="0">
-                <a:effectLst/>
-              </a:rPr>
-              <a:t>and further enriching the forage map with user-contributed observations.</a:t>
-            </a:r>
-          </a:p>
-          <a:p>
-            <a:pPr marL="228600" indent="-228600">
-              <a:buAutoNum type="arabicPeriod"/>
-            </a:pPr>
-            <a:endParaRPr lang="en-US" dirty="0"/>
-          </a:p>
-        </p:txBody>
-      </p:sp>
-      <p:sp>
-        <p:nvSpPr>
-          <p:cNvPr id="4" name="Slide Number Placeholder 3"/>
-          <p:cNvSpPr>
-            <a:spLocks noGrp="1"/>
-          </p:cNvSpPr>
-          <p:nvPr>
-            <p:ph type="sldNum" sz="quarter" idx="5"/>
-          </p:nvPr>
-        </p:nvSpPr>
-        <p:spPr/>
-        <p:txBody>
-          <a:bodyPr/>
-          <a:lstStyle/>
-          <a:p>
-            <a:fld id="{A67E2EB4-AAAC-4D92-8F4B-6C8B3AB9BD3F}" type="slidenum">
-              <a:rPr lang="vi-VN" smtClean="0"/>
-              <a:t>30</a:t>
-            </a:fld>
-            <a:endParaRPr lang="vi-VN"/>
-          </a:p>
-        </p:txBody>
-      </p:sp>
-    </p:spTree>
-    <p:extLst>
-      <p:ext uri="{BB962C8B-B14F-4D97-AF65-F5344CB8AC3E}">
-        <p14:creationId xmlns:p14="http://schemas.microsoft.com/office/powerpoint/2010/main" val="2855441045"/>
-      </p:ext>
-    </p:extLst>
-  </p:cSld>
-  <p:clrMapOvr>
-    <a:masterClrMapping/>
-  </p:clrMapOvr>
-</p:notes>
-</file>
-
-<file path=ppt/notesSlides/notesSlide27.xml><?xml version="1.0" encoding="utf-8"?>
-<p:notes xmlns:a="http://schemas.openxmlformats.org/drawingml/2006/main" xmlns:r="http://schemas.openxmlformats.org/officeDocument/2006/relationships" xmlns:p="http://schemas.openxmlformats.org/presentationml/2006/main">
-  <p:cSld>
-    <p:spTree>
-      <p:nvGrpSpPr>
-        <p:cNvPr id="1" name=""/>
-        <p:cNvGrpSpPr/>
-        <p:nvPr/>
-      </p:nvGrpSpPr>
-      <p:grpSpPr>
-        <a:xfrm>
-          <a:off x="0" y="0"/>
-          <a:ext cx="0" cy="0"/>
-          <a:chOff x="0" y="0"/>
-          <a:chExt cx="0" cy="0"/>
-        </a:xfrm>
-      </p:grpSpPr>
-      <p:sp>
-        <p:nvSpPr>
-          <p:cNvPr id="2" name="Slide Image Placeholder 1"/>
-          <p:cNvSpPr>
-            <a:spLocks noGrp="1" noRot="1" noChangeAspect="1"/>
-          </p:cNvSpPr>
-          <p:nvPr>
-            <p:ph type="sldImg"/>
-          </p:nvPr>
-        </p:nvSpPr>
-        <p:spPr/>
-      </p:sp>
-      <p:sp>
-        <p:nvSpPr>
-          <p:cNvPr id="3" name="Notes Placeholder 2"/>
-          <p:cNvSpPr>
-            <a:spLocks noGrp="1"/>
-          </p:cNvSpPr>
-          <p:nvPr>
-            <p:ph type="body" idx="1"/>
-          </p:nvPr>
-        </p:nvSpPr>
-        <p:spPr/>
-        <p:txBody>
-          <a:bodyPr/>
-          <a:lstStyle/>
-          <a:p>
-            <a:r>
-              <a:rPr lang="en-US" dirty="0">
-                <a:effectLst/>
-              </a:rPr>
-              <a:t>This concludes my presentation.</a:t>
-            </a:r>
-          </a:p>
-          <a:p>
-            <a:endParaRPr lang="en-US" dirty="0"/>
-          </a:p>
-          <a:p>
-            <a:r>
-              <a:rPr lang="en-US" dirty="0"/>
-              <a:t>Thank you for listening</a:t>
-            </a:r>
-          </a:p>
-        </p:txBody>
-      </p:sp>
-      <p:sp>
-        <p:nvSpPr>
-          <p:cNvPr id="4" name="Slide Number Placeholder 3"/>
-          <p:cNvSpPr>
-            <a:spLocks noGrp="1"/>
-          </p:cNvSpPr>
-          <p:nvPr>
-            <p:ph type="sldNum" sz="quarter" idx="5"/>
-          </p:nvPr>
-        </p:nvSpPr>
-        <p:spPr/>
-        <p:txBody>
-          <a:bodyPr/>
-          <a:lstStyle/>
-          <a:p>
-            <a:fld id="{A67E2EB4-AAAC-4D92-8F4B-6C8B3AB9BD3F}" type="slidenum">
-              <a:rPr lang="vi-VN" smtClean="0"/>
-              <a:t>31</a:t>
             </a:fld>
             <a:endParaRPr lang="vi-VN"/>
           </a:p>
@@ -2938,7 +2774,7 @@
           <a:p>
             <a:r>
               <a:rPr lang="en-US" dirty="0"/>
-              <a:t>without having deal with an expensive subscription model or the ever-annoying freemium models</a:t>
+              <a:t>without an expensive subscription model or the restrictive freemium models</a:t>
             </a:r>
           </a:p>
         </p:txBody>
@@ -3259,7 +3095,7 @@
           <a:p>
             <a:r>
               <a:rPr lang="en-US" dirty="0"/>
-              <a:t>2. with a search feature and interactable map delivered with a fast client-server architecture and intuitive UI/UX</a:t>
+              <a:t>2. with a search feature and interactable map DELIVERED with a fast client-server architecture and intuitive UI/UX</a:t>
             </a:r>
           </a:p>
           <a:p>
@@ -3293,7 +3129,7 @@
               <a:rPr lang="en-US" dirty="0">
                 <a:effectLst/>
               </a:rPr>
-              <a:t>1. The application is built with Flutter that  integrated with the iNaturalist API.</a:t>
+              <a:t>1. The application is built with Flutter and  integrated with the iNaturalist API.</a:t>
             </a:r>
           </a:p>
           <a:p>
@@ -3301,7 +3137,7 @@
               <a:rPr lang="en-US" dirty="0">
                 <a:effectLst/>
               </a:rPr>
-              <a:t>2. While server-side inference used PyTorch on Lightning.ai server,</a:t>
+              <a:t>2. With server inference via PyTorch and Lightning.ai</a:t>
             </a:r>
           </a:p>
           <a:p>
@@ -3309,7 +3145,7 @@
               <a:rPr lang="en-US" dirty="0">
                 <a:effectLst/>
               </a:rPr>
-              <a:t>3. With SQLite and bundled JSON handling local storage</a:t>
+              <a:t>3. And local storage handled by SQLite and bundled JSON</a:t>
             </a:r>
             <a:endParaRPr lang="en-US" dirty="0"/>
           </a:p>
@@ -3487,13 +3323,13 @@
           <a:p>
             <a:r>
               <a:rPr lang="en-US" dirty="0"/>
-              <a:t>4. PyTorch and Kaggle for training and testing the model</a:t>
+              <a:t>4. PyTorch and Kaggle for training and testing the AI model</a:t>
             </a:r>
           </a:p>
           <a:p>
             <a:r>
               <a:rPr lang="en-US" dirty="0"/>
-              <a:t>5. FastAPI and LitServe on Lightning.ai for deploying the model</a:t>
+              <a:t>5. And FastAPI with LitServe on Lightning.ai for deploying the AI model</a:t>
             </a:r>
           </a:p>
         </p:txBody>
@@ -3611,19 +3447,34 @@
           <a:p>
             <a:r>
               <a:rPr lang="en-US" dirty="0"/>
-              <a:t>The model used is &lt;&gt; Google – Vit-base-patch16, pretrained on ImageNet-21k:</a:t>
+              <a:t>The model used is Google – Vit-base-patch16, pretrained on ImageNet-21k dataset:</a:t>
             </a:r>
           </a:p>
           <a:p>
+            <a:pPr marL="228600" indent="-228600">
+              <a:buAutoNum type="arabicPeriod"/>
+            </a:pPr>
             <a:r>
               <a:rPr lang="en-US" dirty="0"/>
-              <a:t>1. Which is good for identifying subtle details and complex textures</a:t>
+              <a:t>Chosen for being lightweight</a:t>
             </a:r>
           </a:p>
           <a:p>
+            <a:pPr marL="228600" indent="-228600">
+              <a:buAutoNum type="arabicPeriod"/>
+            </a:pPr>
             <a:r>
               <a:rPr lang="en-US" dirty="0"/>
-              <a:t>2. And it delivers higher accuracy than the three CNN models used for the baseline on the custom dataset</a:t>
+              <a:t>While offer good performance on identifying subtle details and complex textures</a:t>
+            </a:r>
+          </a:p>
+          <a:p>
+            <a:pPr marL="228600" indent="-228600">
+              <a:buAutoNum type="arabicPeriod"/>
+            </a:pPr>
+            <a:r>
+              <a:rPr lang="en-US" dirty="0"/>
+              <a:t>And delivers better results compare to the 3 CNN models used as the baseline on the custom dataset</a:t>
             </a:r>
           </a:p>
         </p:txBody>
@@ -3771,7 +3622,7 @@
             </a:pPr>
             <a:r>
               <a:rPr lang="en-US" dirty="0"/>
-              <a:t>The train set is augmented with the usual suspect of flips, rotate, blur, noise, etc. to </a:t>
+              <a:t>Augmentation is applied to the train set just before training to </a:t>
             </a:r>
             <a:r>
               <a:rPr lang="en-US" sz="1200" kern="1200" dirty="0">
@@ -3783,7 +3634,7 @@
                 <a:ea typeface="+mn-ea"/>
                 <a:cs typeface="+mn-cs"/>
               </a:rPr>
-              <a:t>improve generalization just before training</a:t>
+              <a:t>improve generalization</a:t>
             </a:r>
             <a:endParaRPr lang="en-US" dirty="0"/>
           </a:p>
@@ -3902,7 +3753,7 @@
           <a:p>
             <a:r>
               <a:rPr lang="en-US" dirty="0"/>
-              <a:t>These subsequence slides show the overview of the system architecture and uses cases</a:t>
+              <a:t>These subsequence slides show the overview of the system architecture, uses case and the workflow of the main features</a:t>
             </a:r>
           </a:p>
         </p:txBody>
@@ -41819,7 +41670,7 @@
           <a:p>
             <a:r>
               <a:rPr lang="en-US" sz="6000" dirty="0"/>
-              <a:t>3.1. AI Model Implementation</a:t>
+              <a:t>3.1. Model Evaluation Metrics</a:t>
             </a:r>
           </a:p>
         </p:txBody>
@@ -42352,21 +42203,7 @@
                           <a:latin typeface="Cambria Math" panose="02040503050406030204" pitchFamily="18" charset="0"/>
                           <a:ea typeface="Cambria Math" panose="02040503050406030204" pitchFamily="18" charset="0"/>
                         </a:rPr>
-                        <m:t>=</m:t>
-                      </m:r>
-                      <m:r>
-                        <a:rPr lang="en-US" i="1">
-                          <a:latin typeface="Cambria Math" panose="02040503050406030204" pitchFamily="18" charset="0"/>
-                          <a:ea typeface="Cambria Math" panose="02040503050406030204" pitchFamily="18" charset="0"/>
-                        </a:rPr>
-                        <m:t>2</m:t>
-                      </m:r>
-                      <m:r>
-                        <a:rPr lang="en-US" i="1">
-                          <a:latin typeface="Cambria Math" panose="02040503050406030204" pitchFamily="18" charset="0"/>
-                          <a:ea typeface="Cambria Math" panose="02040503050406030204" pitchFamily="18" charset="0"/>
-                        </a:rPr>
-                        <m:t>×</m:t>
+                        <m:t>=2×</m:t>
                       </m:r>
                       <m:f>
                         <m:fPr>
@@ -42995,7 +42832,7 @@
           <a:p>
             <a:r>
               <a:rPr lang="en-US" sz="6000" dirty="0"/>
-              <a:t>3.1. AI Model Implementation</a:t>
+              <a:t>3.1. Model Evaluation Metrics</a:t>
             </a:r>
           </a:p>
         </p:txBody>
@@ -43151,14 +42988,7 @@
                               <a:latin typeface="Cambria Math" panose="02040503050406030204" pitchFamily="18" charset="0"/>
                               <a:ea typeface="Cambria Math" panose="02040503050406030204" pitchFamily="18" charset="0"/>
                             </a:rPr>
-                            <m:t>=</m:t>
-                          </m:r>
-                          <m:r>
-                            <a:rPr lang="en-US" i="1">
-                              <a:latin typeface="Cambria Math" panose="02040503050406030204" pitchFamily="18" charset="0"/>
-                              <a:ea typeface="Cambria Math" panose="02040503050406030204" pitchFamily="18" charset="0"/>
-                            </a:rPr>
-                            <m:t>1</m:t>
+                            <m:t>=1</m:t>
                           </m:r>
                         </m:sub>
                         <m:sup>
@@ -43317,14 +43147,7 @@
                               <a:latin typeface="Cambria Math" panose="02040503050406030204" pitchFamily="18" charset="0"/>
                               <a:ea typeface="Cambria Math" panose="02040503050406030204" pitchFamily="18" charset="0"/>
                             </a:rPr>
-                            <m:t>=</m:t>
-                          </m:r>
-                          <m:r>
-                            <a:rPr lang="en-US" i="1">
-                              <a:latin typeface="Cambria Math" panose="02040503050406030204" pitchFamily="18" charset="0"/>
-                              <a:ea typeface="Cambria Math" panose="02040503050406030204" pitchFamily="18" charset="0"/>
-                            </a:rPr>
-                            <m:t>1</m:t>
+                            <m:t>=1</m:t>
                           </m:r>
                         </m:sub>
                         <m:sup>
@@ -43493,14 +43316,7 @@
                               <a:latin typeface="Cambria Math" panose="02040503050406030204" pitchFamily="18" charset="0"/>
                               <a:ea typeface="Cambria Math" panose="02040503050406030204" pitchFamily="18" charset="0"/>
                             </a:rPr>
-                            <m:t>=</m:t>
-                          </m:r>
-                          <m:r>
-                            <a:rPr lang="en-US" i="1">
-                              <a:latin typeface="Cambria Math" panose="02040503050406030204" pitchFamily="18" charset="0"/>
-                              <a:ea typeface="Cambria Math" panose="02040503050406030204" pitchFamily="18" charset="0"/>
-                            </a:rPr>
-                            <m:t>1</m:t>
+                            <m:t>=1</m:t>
                           </m:r>
                         </m:sub>
                         <m:sup>
@@ -44236,7 +44052,7 @@
           <a:p>
             <a:r>
               <a:rPr lang="en-US" sz="6000" dirty="0"/>
-              <a:t>3.1. AI Model Implementation</a:t>
+              <a:t>3.1. Model Evaluation Metrics</a:t>
             </a:r>
           </a:p>
         </p:txBody>
@@ -44882,7 +44698,7 @@
           <a:p>
             <a:r>
               <a:rPr lang="en-US" sz="6000" dirty="0"/>
-              <a:t>3.1. AI Model Implementation</a:t>
+              <a:t>3.2. Model Results</a:t>
             </a:r>
           </a:p>
         </p:txBody>
@@ -45696,364 +45512,6 @@
         <p:cNvPr id="1" name="">
           <a:extLst>
             <a:ext uri="{FF2B5EF4-FFF2-40B4-BE49-F238E27FC236}">
-              <a16:creationId xmlns:a16="http://schemas.microsoft.com/office/drawing/2014/main" id="{E0C9BC7D-BE0F-1758-A158-4EB0898F9232}"/>
-            </a:ext>
-          </a:extLst>
-        </p:cNvPr>
-        <p:cNvGrpSpPr/>
-        <p:nvPr/>
-      </p:nvGrpSpPr>
-      <p:grpSpPr>
-        <a:xfrm>
-          <a:off x="0" y="0"/>
-          <a:ext cx="0" cy="0"/>
-          <a:chOff x="0" y="0"/>
-          <a:chExt cx="0" cy="0"/>
-        </a:xfrm>
-      </p:grpSpPr>
-      <p:sp>
-        <p:nvSpPr>
-          <p:cNvPr id="2" name="Title 1">
-            <a:extLst>
-              <a:ext uri="{FF2B5EF4-FFF2-40B4-BE49-F238E27FC236}">
-                <a16:creationId xmlns:a16="http://schemas.microsoft.com/office/drawing/2014/main" id="{795F2EBE-CECA-E5D4-562B-5D855B0FD627}"/>
-              </a:ext>
-            </a:extLst>
-          </p:cNvPr>
-          <p:cNvSpPr>
-            <a:spLocks noGrp="1"/>
-          </p:cNvSpPr>
-          <p:nvPr>
-            <p:ph type="title"/>
-          </p:nvPr>
-        </p:nvSpPr>
-        <p:spPr/>
-        <p:txBody>
-          <a:bodyPr>
-            <a:normAutofit/>
-          </a:bodyPr>
-          <a:lstStyle/>
-          <a:p>
-            <a:r>
-              <a:rPr lang="en-US" sz="6000" dirty="0"/>
-              <a:t>3.1. AI Model Implementation</a:t>
-            </a:r>
-          </a:p>
-        </p:txBody>
-      </p:sp>
-      <p:pic>
-        <p:nvPicPr>
-          <p:cNvPr id="5" name="Picture 4">
-            <a:extLst>
-              <a:ext uri="{FF2B5EF4-FFF2-40B4-BE49-F238E27FC236}">
-                <a16:creationId xmlns:a16="http://schemas.microsoft.com/office/drawing/2014/main" id="{B8F0451C-8AF5-3A88-62C8-35FF905F7A8E}"/>
-              </a:ext>
-            </a:extLst>
-          </p:cNvPr>
-          <p:cNvPicPr>
-            <a:picLocks noChangeAspect="1"/>
-          </p:cNvPicPr>
-          <p:nvPr/>
-        </p:nvPicPr>
-        <p:blipFill>
-          <a:blip r:embed="rId3"/>
-          <a:stretch>
-            <a:fillRect/>
-          </a:stretch>
-        </p:blipFill>
-        <p:spPr>
-          <a:xfrm>
-            <a:off x="2914842" y="1335903"/>
-            <a:ext cx="6362315" cy="4899932"/>
-          </a:xfrm>
-          <a:prstGeom prst="rect">
-            <a:avLst/>
-          </a:prstGeom>
-        </p:spPr>
-      </p:pic>
-    </p:spTree>
-    <p:extLst>
-      <p:ext uri="{BB962C8B-B14F-4D97-AF65-F5344CB8AC3E}">
-        <p14:creationId xmlns:p14="http://schemas.microsoft.com/office/powerpoint/2010/main" val="3649824172"/>
-      </p:ext>
-    </p:extLst>
-  </p:cSld>
-  <p:clrMapOvr>
-    <a:masterClrMapping/>
-  </p:clrMapOvr>
-  <p:timing>
-    <p:tnLst>
-      <p:par>
-        <p:cTn id="1" dur="indefinite" restart="never" nodeType="tmRoot">
-          <p:childTnLst>
-            <p:seq concurrent="1" nextAc="seek">
-              <p:cTn id="2" dur="indefinite" nodeType="mainSeq">
-                <p:childTnLst>
-                  <p:par>
-                    <p:cTn id="3" fill="hold">
-                      <p:stCondLst>
-                        <p:cond delay="indefinite"/>
-                      </p:stCondLst>
-                      <p:childTnLst>
-                        <p:par>
-                          <p:cTn id="4" fill="hold">
-                            <p:stCondLst>
-                              <p:cond delay="0"/>
-                            </p:stCondLst>
-                            <p:childTnLst>
-                              <p:par>
-                                <p:cTn id="5" presetID="10" presetClass="entr" presetSubtype="0" fill="hold" nodeType="clickEffect">
-                                  <p:stCondLst>
-                                    <p:cond delay="0"/>
-                                  </p:stCondLst>
-                                  <p:childTnLst>
-                                    <p:set>
-                                      <p:cBhvr>
-                                        <p:cTn id="6" dur="1" fill="hold">
-                                          <p:stCondLst>
-                                            <p:cond delay="0"/>
-                                          </p:stCondLst>
-                                        </p:cTn>
-                                        <p:tgtEl>
-                                          <p:spTgt spid="5"/>
-                                        </p:tgtEl>
-                                        <p:attrNameLst>
-                                          <p:attrName>style.visibility</p:attrName>
-                                        </p:attrNameLst>
-                                      </p:cBhvr>
-                                      <p:to>
-                                        <p:strVal val="visible"/>
-                                      </p:to>
-                                    </p:set>
-                                    <p:animEffect transition="in" filter="fade">
-                                      <p:cBhvr>
-                                        <p:cTn id="7" dur="250"/>
-                                        <p:tgtEl>
-                                          <p:spTgt spid="5"/>
-                                        </p:tgtEl>
-                                      </p:cBhvr>
-                                    </p:animEffect>
-                                  </p:childTnLst>
-                                </p:cTn>
-                              </p:par>
-                            </p:childTnLst>
-                          </p:cTn>
-                        </p:par>
-                      </p:childTnLst>
-                    </p:cTn>
-                  </p:par>
-                </p:childTnLst>
-              </p:cTn>
-              <p:prevCondLst>
-                <p:cond evt="onPrev" delay="0">
-                  <p:tgtEl>
-                    <p:sldTgt/>
-                  </p:tgtEl>
-                </p:cond>
-              </p:prevCondLst>
-              <p:nextCondLst>
-                <p:cond evt="onNext" delay="0">
-                  <p:tgtEl>
-                    <p:sldTgt/>
-                  </p:tgtEl>
-                </p:cond>
-              </p:nextCondLst>
-            </p:seq>
-          </p:childTnLst>
-        </p:cTn>
-      </p:par>
-    </p:tnLst>
-  </p:timing>
-</p:sld>
-</file>
-
-<file path=ppt/slides/slide23.xml><?xml version="1.0" encoding="utf-8"?>
-<p:sld xmlns:a="http://schemas.openxmlformats.org/drawingml/2006/main" xmlns:r="http://schemas.openxmlformats.org/officeDocument/2006/relationships" xmlns:p="http://schemas.openxmlformats.org/presentationml/2006/main">
-  <p:cSld>
-    <p:spTree>
-      <p:nvGrpSpPr>
-        <p:cNvPr id="1" name="">
-          <a:extLst>
-            <a:ext uri="{FF2B5EF4-FFF2-40B4-BE49-F238E27FC236}">
-              <a16:creationId xmlns:a16="http://schemas.microsoft.com/office/drawing/2014/main" id="{819593C3-B0A6-8CAD-CDF0-1B72227242AA}"/>
-            </a:ext>
-          </a:extLst>
-        </p:cNvPr>
-        <p:cNvGrpSpPr/>
-        <p:nvPr/>
-      </p:nvGrpSpPr>
-      <p:grpSpPr>
-        <a:xfrm>
-          <a:off x="0" y="0"/>
-          <a:ext cx="0" cy="0"/>
-          <a:chOff x="0" y="0"/>
-          <a:chExt cx="0" cy="0"/>
-        </a:xfrm>
-      </p:grpSpPr>
-      <p:sp>
-        <p:nvSpPr>
-          <p:cNvPr id="2" name="Title 1">
-            <a:extLst>
-              <a:ext uri="{FF2B5EF4-FFF2-40B4-BE49-F238E27FC236}">
-                <a16:creationId xmlns:a16="http://schemas.microsoft.com/office/drawing/2014/main" id="{721FFEAF-7CF2-C4FF-8113-EEFCF525266C}"/>
-              </a:ext>
-            </a:extLst>
-          </p:cNvPr>
-          <p:cNvSpPr>
-            <a:spLocks noGrp="1"/>
-          </p:cNvSpPr>
-          <p:nvPr>
-            <p:ph type="title"/>
-          </p:nvPr>
-        </p:nvSpPr>
-        <p:spPr/>
-        <p:txBody>
-          <a:bodyPr>
-            <a:normAutofit/>
-          </a:bodyPr>
-          <a:lstStyle/>
-          <a:p>
-            <a:r>
-              <a:rPr lang="en-US" sz="6000" dirty="0"/>
-              <a:t>3.1. AI Model Implementation</a:t>
-            </a:r>
-          </a:p>
-        </p:txBody>
-      </p:sp>
-      <p:pic>
-        <p:nvPicPr>
-          <p:cNvPr id="6" name="Picture 5">
-            <a:extLst>
-              <a:ext uri="{FF2B5EF4-FFF2-40B4-BE49-F238E27FC236}">
-                <a16:creationId xmlns:a16="http://schemas.microsoft.com/office/drawing/2014/main" id="{6A6287B1-B112-7A50-0521-992762F7EC61}"/>
-              </a:ext>
-            </a:extLst>
-          </p:cNvPr>
-          <p:cNvPicPr>
-            <a:picLocks noChangeAspect="1"/>
-          </p:cNvPicPr>
-          <p:nvPr/>
-        </p:nvPicPr>
-        <p:blipFill>
-          <a:blip r:embed="rId3"/>
-          <a:stretch>
-            <a:fillRect/>
-          </a:stretch>
-        </p:blipFill>
-        <p:spPr>
-          <a:xfrm>
-            <a:off x="2962568" y="1477568"/>
-            <a:ext cx="6266863" cy="4699297"/>
-          </a:xfrm>
-          <a:prstGeom prst="rect">
-            <a:avLst/>
-          </a:prstGeom>
-        </p:spPr>
-      </p:pic>
-    </p:spTree>
-    <p:extLst>
-      <p:ext uri="{BB962C8B-B14F-4D97-AF65-F5344CB8AC3E}">
-        <p14:creationId xmlns:p14="http://schemas.microsoft.com/office/powerpoint/2010/main" val="3988449871"/>
-      </p:ext>
-    </p:extLst>
-  </p:cSld>
-  <p:clrMapOvr>
-    <a:masterClrMapping/>
-  </p:clrMapOvr>
-  <p:timing>
-    <p:tnLst>
-      <p:par>
-        <p:cTn id="1" dur="indefinite" restart="never" nodeType="tmRoot">
-          <p:childTnLst>
-            <p:seq concurrent="1" nextAc="seek">
-              <p:cTn id="2" dur="indefinite" nodeType="mainSeq">
-                <p:childTnLst>
-                  <p:par>
-                    <p:cTn id="3" fill="hold">
-                      <p:stCondLst>
-                        <p:cond delay="indefinite"/>
-                      </p:stCondLst>
-                      <p:childTnLst>
-                        <p:par>
-                          <p:cTn id="4" fill="hold">
-                            <p:stCondLst>
-                              <p:cond delay="0"/>
-                            </p:stCondLst>
-                            <p:childTnLst>
-                              <p:par>
-                                <p:cTn id="5" presetID="10" presetClass="entr" presetSubtype="0" fill="hold" nodeType="clickEffect">
-                                  <p:stCondLst>
-                                    <p:cond delay="0"/>
-                                  </p:stCondLst>
-                                  <p:childTnLst>
-                                    <p:set>
-                                      <p:cBhvr>
-                                        <p:cTn id="6" dur="1" fill="hold">
-                                          <p:stCondLst>
-                                            <p:cond delay="0"/>
-                                          </p:stCondLst>
-                                        </p:cTn>
-                                        <p:tgtEl>
-                                          <p:spTgt spid="6"/>
-                                        </p:tgtEl>
-                                        <p:attrNameLst>
-                                          <p:attrName>style.visibility</p:attrName>
-                                        </p:attrNameLst>
-                                      </p:cBhvr>
-                                      <p:to>
-                                        <p:strVal val="visible"/>
-                                      </p:to>
-                                    </p:set>
-                                    <p:animEffect transition="in" filter="fade">
-                                      <p:cBhvr>
-                                        <p:cTn id="7" dur="250"/>
-                                        <p:tgtEl>
-                                          <p:spTgt spid="6"/>
-                                        </p:tgtEl>
-                                      </p:cBhvr>
-                                    </p:animEffect>
-                                  </p:childTnLst>
-                                </p:cTn>
-                              </p:par>
-                            </p:childTnLst>
-                          </p:cTn>
-                        </p:par>
-                      </p:childTnLst>
-                    </p:cTn>
-                  </p:par>
-                </p:childTnLst>
-              </p:cTn>
-              <p:prevCondLst>
-                <p:cond evt="onPrev" delay="0">
-                  <p:tgtEl>
-                    <p:sldTgt/>
-                  </p:tgtEl>
-                </p:cond>
-              </p:prevCondLst>
-              <p:nextCondLst>
-                <p:cond evt="onNext" delay="0">
-                  <p:tgtEl>
-                    <p:sldTgt/>
-                  </p:tgtEl>
-                </p:cond>
-              </p:nextCondLst>
-            </p:seq>
-          </p:childTnLst>
-        </p:cTn>
-      </p:par>
-    </p:tnLst>
-  </p:timing>
-</p:sld>
-</file>
-
-<file path=ppt/slides/slide24.xml><?xml version="1.0" encoding="utf-8"?>
-<p:sld xmlns:a="http://schemas.openxmlformats.org/drawingml/2006/main" xmlns:r="http://schemas.openxmlformats.org/officeDocument/2006/relationships" xmlns:p="http://schemas.openxmlformats.org/presentationml/2006/main">
-  <p:cSld>
-    <p:spTree>
-      <p:nvGrpSpPr>
-        <p:cNvPr id="1" name="">
-          <a:extLst>
-            <a:ext uri="{FF2B5EF4-FFF2-40B4-BE49-F238E27FC236}">
               <a16:creationId xmlns:a16="http://schemas.microsoft.com/office/drawing/2014/main" id="{DC0A3830-8E7C-D348-499E-411624CFAD31}"/>
             </a:ext>
           </a:extLst>
@@ -46088,13 +45546,13 @@
         <p:spPr/>
         <p:txBody>
           <a:bodyPr>
-            <a:normAutofit/>
+            <a:normAutofit fontScale="90000"/>
           </a:bodyPr>
           <a:lstStyle/>
           <a:p>
             <a:r>
               <a:rPr lang="en-US" sz="6000" dirty="0"/>
-              <a:t>3.2. UI Implementation</a:t>
+              <a:t>3.3. Mushroom Identification UI Implementation</a:t>
             </a:r>
           </a:p>
         </p:txBody>
@@ -46420,7 +45878,7 @@
 </p:sld>
 </file>
 
-<file path=ppt/slides/slide25.xml><?xml version="1.0" encoding="utf-8"?>
+<file path=ppt/slides/slide23.xml><?xml version="1.0" encoding="utf-8"?>
 <p:sld xmlns:a="http://schemas.openxmlformats.org/drawingml/2006/main" xmlns:r="http://schemas.openxmlformats.org/officeDocument/2006/relationships" xmlns:p="http://schemas.openxmlformats.org/presentationml/2006/main">
   <p:cSld>
     <p:spTree>
@@ -46468,7 +45926,7 @@
           <a:p>
             <a:r>
               <a:rPr lang="en-US" sz="6000" dirty="0"/>
-              <a:t>3.2. UI Implementation</a:t>
+              <a:t>3.3. History UI Implementation</a:t>
             </a:r>
           </a:p>
         </p:txBody>
@@ -46729,7 +46187,7 @@
 </p:sld>
 </file>
 
-<file path=ppt/slides/slide26.xml><?xml version="1.0" encoding="utf-8"?>
+<file path=ppt/slides/slide24.xml><?xml version="1.0" encoding="utf-8"?>
 <p:sld xmlns:a="http://schemas.openxmlformats.org/drawingml/2006/main" xmlns:r="http://schemas.openxmlformats.org/officeDocument/2006/relationships" xmlns:p="http://schemas.openxmlformats.org/presentationml/2006/main">
   <p:cSld>
     <p:spTree>
@@ -46777,7 +46235,7 @@
           <a:p>
             <a:r>
               <a:rPr lang="en-US" sz="6000" dirty="0"/>
-              <a:t>3.2. UI Implementation</a:t>
+              <a:t>3.3. Search UI Implementation</a:t>
             </a:r>
           </a:p>
         </p:txBody>
@@ -47038,7 +46496,7 @@
 </p:sld>
 </file>
 
-<file path=ppt/slides/slide27.xml><?xml version="1.0" encoding="utf-8"?>
+<file path=ppt/slides/slide25.xml><?xml version="1.0" encoding="utf-8"?>
 <p:sld xmlns:a="http://schemas.openxmlformats.org/drawingml/2006/main" xmlns:r="http://schemas.openxmlformats.org/officeDocument/2006/relationships" xmlns:p="http://schemas.openxmlformats.org/presentationml/2006/main">
   <p:cSld>
     <p:spTree>
@@ -47086,7 +46544,7 @@
           <a:p>
             <a:r>
               <a:rPr lang="en-US" sz="6000" dirty="0"/>
-              <a:t>3.2. UI Implementation</a:t>
+              <a:t>3.3. Forage Map UI Implementation</a:t>
             </a:r>
           </a:p>
         </p:txBody>
@@ -47347,7 +46805,7 @@
 </p:sld>
 </file>
 
-<file path=ppt/slides/slide28.xml><?xml version="1.0" encoding="utf-8"?>
+<file path=ppt/slides/slide26.xml><?xml version="1.0" encoding="utf-8"?>
 <p:sld xmlns:a="http://schemas.openxmlformats.org/drawingml/2006/main" xmlns:r="http://schemas.openxmlformats.org/officeDocument/2006/relationships" xmlns:p="http://schemas.openxmlformats.org/presentationml/2006/main">
   <p:cSld>
     <p:spTree>
@@ -47411,7 +46869,7 @@
 </p:sld>
 </file>
 
-<file path=ppt/slides/slide29.xml><?xml version="1.0" encoding="utf-8"?>
+<file path=ppt/slides/slide27.xml><?xml version="1.0" encoding="utf-8"?>
 <p:sld xmlns:a="http://schemas.openxmlformats.org/drawingml/2006/main" xmlns:r="http://schemas.openxmlformats.org/officeDocument/2006/relationships" xmlns:p="http://schemas.openxmlformats.org/presentationml/2006/main">
   <p:cSld>
     <p:spTree>
@@ -48057,71 +47515,7 @@
 </p:sld>
 </file>
 
-<file path=ppt/slides/slide3.xml><?xml version="1.0" encoding="utf-8"?>
-<p:sld xmlns:a="http://schemas.openxmlformats.org/drawingml/2006/main" xmlns:r="http://schemas.openxmlformats.org/officeDocument/2006/relationships" xmlns:p="http://schemas.openxmlformats.org/presentationml/2006/main">
-  <p:cSld>
-    <p:spTree>
-      <p:nvGrpSpPr>
-        <p:cNvPr id="1" name="">
-          <a:extLst>
-            <a:ext uri="{FF2B5EF4-FFF2-40B4-BE49-F238E27FC236}">
-              <a16:creationId xmlns:a16="http://schemas.microsoft.com/office/drawing/2014/main" id="{14F5A774-A6E2-A310-DB6A-36A07427AFC8}"/>
-            </a:ext>
-          </a:extLst>
-        </p:cNvPr>
-        <p:cNvGrpSpPr/>
-        <p:nvPr/>
-      </p:nvGrpSpPr>
-      <p:grpSpPr>
-        <a:xfrm>
-          <a:off x="0" y="0"/>
-          <a:ext cx="0" cy="0"/>
-          <a:chOff x="0" y="0"/>
-          <a:chExt cx="0" cy="0"/>
-        </a:xfrm>
-      </p:grpSpPr>
-      <p:sp>
-        <p:nvSpPr>
-          <p:cNvPr id="2" name="Title 1">
-            <a:extLst>
-              <a:ext uri="{FF2B5EF4-FFF2-40B4-BE49-F238E27FC236}">
-                <a16:creationId xmlns:a16="http://schemas.microsoft.com/office/drawing/2014/main" id="{62F4211D-7A43-8E5D-ED9E-DFC6F208879B}"/>
-              </a:ext>
-            </a:extLst>
-          </p:cNvPr>
-          <p:cNvSpPr>
-            <a:spLocks noGrp="1"/>
-          </p:cNvSpPr>
-          <p:nvPr>
-            <p:ph type="ctrTitle"/>
-          </p:nvPr>
-        </p:nvSpPr>
-        <p:spPr/>
-        <p:txBody>
-          <a:bodyPr/>
-          <a:lstStyle/>
-          <a:p>
-            <a:r>
-              <a:rPr lang="en-US" sz="6000" dirty="0"/>
-              <a:t>Part 1: Introduction</a:t>
-            </a:r>
-          </a:p>
-        </p:txBody>
-      </p:sp>
-    </p:spTree>
-    <p:extLst>
-      <p:ext uri="{BB962C8B-B14F-4D97-AF65-F5344CB8AC3E}">
-        <p14:creationId xmlns:p14="http://schemas.microsoft.com/office/powerpoint/2010/main" val="4232657731"/>
-      </p:ext>
-    </p:extLst>
-  </p:cSld>
-  <p:clrMapOvr>
-    <a:masterClrMapping/>
-  </p:clrMapOvr>
-</p:sld>
-</file>
-
-<file path=ppt/slides/slide30.xml><?xml version="1.0" encoding="utf-8"?>
+<file path=ppt/slides/slide28.xml><?xml version="1.0" encoding="utf-8"?>
 <p:sld xmlns:a="http://schemas.openxmlformats.org/drawingml/2006/main" xmlns:r="http://schemas.openxmlformats.org/officeDocument/2006/relationships" xmlns:p="http://schemas.openxmlformats.org/presentationml/2006/main">
   <p:cSld>
     <p:spTree>
@@ -48203,7 +47597,7 @@
             </a:pPr>
             <a:r>
               <a:rPr lang="en-US" sz="2200" noProof="0" dirty="0"/>
-              <a:t>Expand recognition to more wild edibles using multi-task or speciated models.</a:t>
+              <a:t>Expand recognition to more wild edibles.</a:t>
             </a:r>
           </a:p>
           <a:p>
@@ -48213,7 +47607,7 @@
             </a:pPr>
             <a:r>
               <a:rPr lang="en-US" sz="2200" dirty="0"/>
-              <a:t>Use larger ViT variants for higher reliability.</a:t>
+              <a:t>Use larger ViT variants for better performance.</a:t>
             </a:r>
           </a:p>
           <a:p>
@@ -48223,7 +47617,7 @@
             </a:pPr>
             <a:r>
               <a:rPr lang="en-US" sz="2200" dirty="0"/>
-              <a:t>Increase and improve the dataset and augmentation to reduce overfitting.</a:t>
+              <a:t>Improve the dataset and augmentation strategy to reduce overfitting.</a:t>
             </a:r>
           </a:p>
           <a:p>
@@ -48233,7 +47627,7 @@
             </a:pPr>
             <a:r>
               <a:rPr lang="en-US" sz="2200" dirty="0"/>
-              <a:t>Upgrade keyword search to a natural-language chatbot with a small LLM.</a:t>
+              <a:t>Upgrade keyword search to a chatbot.</a:t>
             </a:r>
           </a:p>
           <a:p>
@@ -48243,7 +47637,7 @@
             </a:pPr>
             <a:r>
               <a:rPr lang="en-US" sz="2200" dirty="0"/>
-              <a:t>Add iNaturalist user-contributed observations to enrich the forage map.</a:t>
+              <a:t>Add user-submitted observation to iNaturalist feature to the forage map.</a:t>
             </a:r>
           </a:p>
         </p:txBody>
@@ -48524,7 +47918,7 @@
 </p:sld>
 </file>
 
-<file path=ppt/slides/slide31.xml><?xml version="1.0" encoding="utf-8"?>
+<file path=ppt/slides/slide29.xml><?xml version="1.0" encoding="utf-8"?>
 <p:sld xmlns:a="http://schemas.openxmlformats.org/drawingml/2006/main" xmlns:r="http://schemas.openxmlformats.org/officeDocument/2006/relationships" xmlns:p="http://schemas.openxmlformats.org/presentationml/2006/main">
   <p:cSld>
     <p:spTree>
@@ -48603,6 +47997,70 @@
     <p:extLst>
       <p:ext uri="{BB962C8B-B14F-4D97-AF65-F5344CB8AC3E}">
         <p14:creationId xmlns:p14="http://schemas.microsoft.com/office/powerpoint/2010/main" val="131648227"/>
+      </p:ext>
+    </p:extLst>
+  </p:cSld>
+  <p:clrMapOvr>
+    <a:masterClrMapping/>
+  </p:clrMapOvr>
+</p:sld>
+</file>
+
+<file path=ppt/slides/slide3.xml><?xml version="1.0" encoding="utf-8"?>
+<p:sld xmlns:a="http://schemas.openxmlformats.org/drawingml/2006/main" xmlns:r="http://schemas.openxmlformats.org/officeDocument/2006/relationships" xmlns:p="http://schemas.openxmlformats.org/presentationml/2006/main">
+  <p:cSld>
+    <p:spTree>
+      <p:nvGrpSpPr>
+        <p:cNvPr id="1" name="">
+          <a:extLst>
+            <a:ext uri="{FF2B5EF4-FFF2-40B4-BE49-F238E27FC236}">
+              <a16:creationId xmlns:a16="http://schemas.microsoft.com/office/drawing/2014/main" id="{14F5A774-A6E2-A310-DB6A-36A07427AFC8}"/>
+            </a:ext>
+          </a:extLst>
+        </p:cNvPr>
+        <p:cNvGrpSpPr/>
+        <p:nvPr/>
+      </p:nvGrpSpPr>
+      <p:grpSpPr>
+        <a:xfrm>
+          <a:off x="0" y="0"/>
+          <a:ext cx="0" cy="0"/>
+          <a:chOff x="0" y="0"/>
+          <a:chExt cx="0" cy="0"/>
+        </a:xfrm>
+      </p:grpSpPr>
+      <p:sp>
+        <p:nvSpPr>
+          <p:cNvPr id="2" name="Title 1">
+            <a:extLst>
+              <a:ext uri="{FF2B5EF4-FFF2-40B4-BE49-F238E27FC236}">
+                <a16:creationId xmlns:a16="http://schemas.microsoft.com/office/drawing/2014/main" id="{62F4211D-7A43-8E5D-ED9E-DFC6F208879B}"/>
+              </a:ext>
+            </a:extLst>
+          </p:cNvPr>
+          <p:cNvSpPr>
+            <a:spLocks noGrp="1"/>
+          </p:cNvSpPr>
+          <p:nvPr>
+            <p:ph type="ctrTitle"/>
+          </p:nvPr>
+        </p:nvSpPr>
+        <p:spPr/>
+        <p:txBody>
+          <a:bodyPr/>
+          <a:lstStyle/>
+          <a:p>
+            <a:r>
+              <a:rPr lang="en-US" sz="6000" dirty="0"/>
+              <a:t>Part 1: Introduction</a:t>
+            </a:r>
+          </a:p>
+        </p:txBody>
+      </p:sp>
+    </p:spTree>
+    <p:extLst>
+      <p:ext uri="{BB962C8B-B14F-4D97-AF65-F5344CB8AC3E}">
+        <p14:creationId xmlns:p14="http://schemas.microsoft.com/office/powerpoint/2010/main" val="4232657731"/>
       </p:ext>
     </p:extLst>
   </p:cSld>
@@ -50390,6 +49848,16 @@
             </a:pPr>
             <a:r>
               <a:rPr lang="en-US" dirty="0"/>
+              <a:t>Lightweight</a:t>
+            </a:r>
+          </a:p>
+          <a:p>
+            <a:pPr marL="800100" lvl="1" indent="-342900">
+              <a:buFont typeface="Courier New" panose="02070309020205020404" pitchFamily="49" charset="0"/>
+              <a:buChar char="o"/>
+            </a:pPr>
+            <a:r>
+              <a:rPr lang="en-US" dirty="0"/>
               <a:t>Good for subtle details and complex textures</a:t>
             </a:r>
           </a:p>
@@ -50563,6 +50031,49 @@
                                           <p:spTgt spid="3">
                                             <p:txEl>
                                               <p:pRg st="2" end="2"/>
+                                            </p:txEl>
+                                          </p:spTgt>
+                                        </p:tgtEl>
+                                      </p:cBhvr>
+                                    </p:animEffect>
+                                  </p:childTnLst>
+                                </p:cTn>
+                              </p:par>
+                              <p:par>
+                                <p:cTn id="14" presetID="10" presetClass="entr" presetSubtype="0" fill="hold" nodeType="withEffect">
+                                  <p:stCondLst>
+                                    <p:cond delay="0"/>
+                                  </p:stCondLst>
+                                  <p:childTnLst>
+                                    <p:set>
+                                      <p:cBhvr>
+                                        <p:cTn id="15" dur="1" fill="hold">
+                                          <p:stCondLst>
+                                            <p:cond delay="0"/>
+                                          </p:stCondLst>
+                                        </p:cTn>
+                                        <p:tgtEl>
+                                          <p:spTgt spid="3">
+                                            <p:txEl>
+                                              <p:pRg st="3" end="3"/>
+                                            </p:txEl>
+                                          </p:spTgt>
+                                        </p:tgtEl>
+                                        <p:attrNameLst>
+                                          <p:attrName>style.visibility</p:attrName>
+                                        </p:attrNameLst>
+                                      </p:cBhvr>
+                                      <p:to>
+                                        <p:strVal val="visible"/>
+                                      </p:to>
+                                    </p:set>
+                                    <p:animEffect transition="in" filter="fade">
+                                      <p:cBhvr>
+                                        <p:cTn id="16" dur="250"/>
+                                        <p:tgtEl>
+                                          <p:spTgt spid="3">
+                                            <p:txEl>
+                                              <p:pRg st="3" end="3"/>
                                             </p:txEl>
                                           </p:spTgt>
                                         </p:tgtEl>

--- a/Báo cáo/GraduationThesis.pptx
+++ b/Báo cáo/GraduationThesis.pptx
@@ -1273,15 +1273,7 @@
             </a:pPr>
             <a:r>
               <a:rPr lang="en-US" dirty="0"/>
-              <a:t>The Model is evaluated on precision, recall and F1 score for each </a:t>
-            </a:r>
-            <a:r>
-              <a:rPr lang="en-US"/>
-              <a:t>of the80 </a:t>
-            </a:r>
-            <a:r>
-              <a:rPr lang="en-US" dirty="0"/>
-              <a:t>classes</a:t>
+              <a:t>The Model is evaluated on precision, recall and F1 score for each of the 80 classes</a:t>
             </a:r>
           </a:p>
         </p:txBody>
@@ -1455,7 +1447,7 @@
           <a:p>
             <a:r>
               <a:rPr lang="en-US" dirty="0"/>
-              <a:t>The AUC follows the same macro-averaging approach across all classes</a:t>
+              <a:t>The AUC value also follows the same macro-averaging approach across all classes</a:t>
             </a:r>
           </a:p>
         </p:txBody>
@@ -1542,7 +1534,7 @@
           <a:p>
             <a:r>
               <a:rPr lang="en-US" dirty="0"/>
-              <a:t>Result of the implementation the Vision transformer model achieved consistently higher scores than all baseline models used</a:t>
+              <a:t>Result of the implementation the ViT model achieved consistently higher scores than all baseline models on the custom dataset</a:t>
             </a:r>
           </a:p>
         </p:txBody>
@@ -2214,7 +2206,7 @@
               <a:rPr lang="en-US" dirty="0">
                 <a:effectLst/>
               </a:rPr>
-              <a:t>3. and an interactive map integrated with iNaturalist.</a:t>
+              <a:t>3. and an interactive map integrated with iNaturalist API.</a:t>
             </a:r>
           </a:p>
           <a:p>
@@ -2353,7 +2345,7 @@
               <a:rPr lang="en-US" dirty="0">
                 <a:effectLst/>
               </a:rPr>
-              <a:t>Finally, some features remaining underdeveloped.</a:t>
+              <a:t>Finally, some features remain underdeveloped.</a:t>
             </a:r>
           </a:p>
           <a:p>
@@ -2467,14 +2459,8 @@
             </a:pPr>
             <a:r>
               <a:rPr lang="en-US" sz="1200" noProof="0" dirty="0"/>
-              <a:t>1. Expand recognition to more wild edibles.</a:t>
+              <a:t>1. Expand recognition feature other wild edibles.</a:t>
             </a:r>
-          </a:p>
-          <a:p>
-            <a:pPr marL="0" indent="0">
-              <a:buFont typeface="Arial" panose="020B0604020202020204" pitchFamily="34" charset="0"/>
-              <a:buNone/>
-            </a:pPr>
             <a:endParaRPr lang="en-US" sz="1200" dirty="0"/>
           </a:p>
           <a:p>
@@ -2492,7 +2478,10 @@
               <a:buFont typeface="Arial" panose="020B0604020202020204" pitchFamily="34" charset="0"/>
               <a:buNone/>
             </a:pPr>
-            <a:endParaRPr lang="en-US" sz="1200" dirty="0"/>
+            <a:r>
+              <a:rPr lang="en-US" sz="1200" dirty="0"/>
+              <a:t>3. Improve the dataset and augmentation strategy to reduce overfitting.</a:t>
+            </a:r>
           </a:p>
           <a:p>
             <a:pPr marL="0" indent="0">
@@ -2501,15 +2490,8 @@
             </a:pPr>
             <a:r>
               <a:rPr lang="en-US" sz="1200" dirty="0"/>
-              <a:t>3. Improve the dataset and augmentation strategy to reduce overfitting.</a:t>
+              <a:t>4. Upgrade keyword search feature to a chatbot.</a:t>
             </a:r>
-          </a:p>
-          <a:p>
-            <a:pPr marL="0" indent="0">
-              <a:buFont typeface="Arial" panose="020B0604020202020204" pitchFamily="34" charset="0"/>
-              <a:buNone/>
-            </a:pPr>
-            <a:endParaRPr lang="en-US" sz="1200" dirty="0"/>
           </a:p>
           <a:p>
             <a:pPr marL="0" indent="0">
@@ -2518,24 +2500,7 @@
             </a:pPr>
             <a:r>
               <a:rPr lang="en-US" sz="1200" dirty="0"/>
-              <a:t>4. Upgrade keyword search to a chatbot.</a:t>
-            </a:r>
-          </a:p>
-          <a:p>
-            <a:pPr marL="0" indent="0">
-              <a:buFont typeface="Arial" panose="020B0604020202020204" pitchFamily="34" charset="0"/>
-              <a:buNone/>
-            </a:pPr>
-            <a:endParaRPr lang="en-US" sz="1200" dirty="0"/>
-          </a:p>
-          <a:p>
-            <a:pPr marL="0" indent="0">
-              <a:buFont typeface="Arial" panose="020B0604020202020204" pitchFamily="34" charset="0"/>
-              <a:buNone/>
-            </a:pPr>
-            <a:r>
-              <a:rPr lang="en-US" sz="1200" dirty="0"/>
-              <a:t>5. Add user-submitted observation to iNaturalist feature to the forage map.</a:t>
+              <a:t>5. Add a user-submitted observation to iNaturalist feature to the forage map.</a:t>
             </a:r>
           </a:p>
           <a:p>
@@ -2774,7 +2739,7 @@
           <a:p>
             <a:r>
               <a:rPr lang="en-US" dirty="0"/>
-              <a:t>without an expensive subscription model or the restrictive freemium models</a:t>
+              <a:t>without an expensive subscription or the restrictive freemium models</a:t>
             </a:r>
           </a:p>
         </p:txBody>
@@ -3604,7 +3569,7 @@
             </a:pPr>
             <a:r>
               <a:rPr lang="en-US" dirty="0"/>
-              <a:t>Sourced mostly from iNaturalist with the rest coming from Kaggle, WildFoodUK site and various other personal blogs.</a:t>
+              <a:t>Sourced mostly from iNaturalist with the rest coming from Kaggle public dataset, WildFoodUK site and various other personal blogs.</a:t>
             </a:r>
           </a:p>
           <a:p>
@@ -42203,7 +42168,21 @@
                           <a:latin typeface="Cambria Math" panose="02040503050406030204" pitchFamily="18" charset="0"/>
                           <a:ea typeface="Cambria Math" panose="02040503050406030204" pitchFamily="18" charset="0"/>
                         </a:rPr>
-                        <m:t>=2×</m:t>
+                        <m:t>=</m:t>
+                      </m:r>
+                      <m:r>
+                        <a:rPr lang="en-US" i="1">
+                          <a:latin typeface="Cambria Math" panose="02040503050406030204" pitchFamily="18" charset="0"/>
+                          <a:ea typeface="Cambria Math" panose="02040503050406030204" pitchFamily="18" charset="0"/>
+                        </a:rPr>
+                        <m:t>2</m:t>
+                      </m:r>
+                      <m:r>
+                        <a:rPr lang="en-US" i="1">
+                          <a:latin typeface="Cambria Math" panose="02040503050406030204" pitchFamily="18" charset="0"/>
+                          <a:ea typeface="Cambria Math" panose="02040503050406030204" pitchFamily="18" charset="0"/>
+                        </a:rPr>
+                        <m:t>×</m:t>
                       </m:r>
                       <m:f>
                         <m:fPr>
@@ -42988,7 +42967,14 @@
                               <a:latin typeface="Cambria Math" panose="02040503050406030204" pitchFamily="18" charset="0"/>
                               <a:ea typeface="Cambria Math" panose="02040503050406030204" pitchFamily="18" charset="0"/>
                             </a:rPr>
-                            <m:t>=1</m:t>
+                            <m:t>=</m:t>
+                          </m:r>
+                          <m:r>
+                            <a:rPr lang="en-US" i="1">
+                              <a:latin typeface="Cambria Math" panose="02040503050406030204" pitchFamily="18" charset="0"/>
+                              <a:ea typeface="Cambria Math" panose="02040503050406030204" pitchFamily="18" charset="0"/>
+                            </a:rPr>
+                            <m:t>1</m:t>
                           </m:r>
                         </m:sub>
                         <m:sup>
@@ -43147,7 +43133,14 @@
                               <a:latin typeface="Cambria Math" panose="02040503050406030204" pitchFamily="18" charset="0"/>
                               <a:ea typeface="Cambria Math" panose="02040503050406030204" pitchFamily="18" charset="0"/>
                             </a:rPr>
-                            <m:t>=1</m:t>
+                            <m:t>=</m:t>
+                          </m:r>
+                          <m:r>
+                            <a:rPr lang="en-US" i="1">
+                              <a:latin typeface="Cambria Math" panose="02040503050406030204" pitchFamily="18" charset="0"/>
+                              <a:ea typeface="Cambria Math" panose="02040503050406030204" pitchFamily="18" charset="0"/>
+                            </a:rPr>
+                            <m:t>1</m:t>
                           </m:r>
                         </m:sub>
                         <m:sup>
@@ -43316,7 +43309,14 @@
                               <a:latin typeface="Cambria Math" panose="02040503050406030204" pitchFamily="18" charset="0"/>
                               <a:ea typeface="Cambria Math" panose="02040503050406030204" pitchFamily="18" charset="0"/>
                             </a:rPr>
-                            <m:t>=1</m:t>
+                            <m:t>=</m:t>
+                          </m:r>
+                          <m:r>
+                            <a:rPr lang="en-US" i="1">
+                              <a:latin typeface="Cambria Math" panose="02040503050406030204" pitchFamily="18" charset="0"/>
+                              <a:ea typeface="Cambria Math" panose="02040503050406030204" pitchFamily="18" charset="0"/>
+                            </a:rPr>
+                            <m:t>1</m:t>
                           </m:r>
                         </m:sub>
                         <m:sup>
@@ -47597,7 +47597,7 @@
             </a:pPr>
             <a:r>
               <a:rPr lang="en-US" sz="2200" noProof="0" dirty="0"/>
-              <a:t>Expand recognition to more wild edibles.</a:t>
+              <a:t>Expand recognition to other wild forageable.</a:t>
             </a:r>
           </a:p>
           <a:p>

--- a/Báo cáo/GraduationThesis.pptx
+++ b/Báo cáo/GraduationThesis.pptx
@@ -225,7 +225,7 @@
           <a:p>
             <a:fld id="{36BB93D1-677A-4727-ACB1-B4ED1776CBF7}" type="datetimeFigureOut">
               <a:rPr lang="vi-VN" smtClean="0"/>
-              <a:t>17/12/2025</a:t>
+              <a:t>18/12/2025</a:t>
             </a:fld>
             <a:endParaRPr lang="vi-VN"/>
           </a:p>
@@ -558,7 +558,7 @@
               <a:rPr lang="en-US" dirty="0">
                 <a:effectLst/>
               </a:rPr>
-              <a:t>Hello everyone, I am Quang Vinh, thanks for coming to my thesis defense presentation today, which is titled: “Developing a Mushroom Identification Application. Advised by Dr. BVQB</a:t>
+              <a:t>Hello everyone, I am Quang Vinh, thanks for coming to my thesis defense presentation today, titled: “Developing a Mushroom Identification Application. Advised by Dr. BVQB</a:t>
             </a:r>
             <a:endParaRPr lang="en-US" dirty="0"/>
           </a:p>
@@ -671,7 +671,7 @@
           <a:p>
             <a:r>
               <a:rPr lang="en-US" dirty="0"/>
-              <a:t>Use case</a:t>
+              <a:t>Overview of the Use case</a:t>
             </a:r>
           </a:p>
         </p:txBody>
@@ -789,7 +789,7 @@
           <a:p>
             <a:r>
               <a:rPr lang="en-US" dirty="0"/>
-              <a:t>Image identification feature workflow</a:t>
+              <a:t>Mushroom identification feature workflow</a:t>
             </a:r>
           </a:p>
         </p:txBody>
@@ -1273,7 +1273,7 @@
             </a:pPr>
             <a:r>
               <a:rPr lang="en-US" dirty="0"/>
-              <a:t>The Model is evaluated on precision, recall and F1 score for each of the 80 classes</a:t>
+              <a:t>The Model is evaluated on the metric of precision, recall and F1 score for each of the 80 classes</a:t>
             </a:r>
           </a:p>
         </p:txBody>
@@ -1534,7 +1534,7 @@
           <a:p>
             <a:r>
               <a:rPr lang="en-US" dirty="0"/>
-              <a:t>Result of the implementation the ViT model achieved consistently higher scores than all baseline models on the custom dataset</a:t>
+              <a:t>The result of the implementation has the ViT model achieved consistently higher scores, than all baseline models on the custom dataset</a:t>
             </a:r>
           </a:p>
         </p:txBody>
@@ -1621,7 +1621,7 @@
           <a:p>
             <a:r>
               <a:rPr lang="en-US" dirty="0"/>
-              <a:t>The following slides are result of the UI implementation for the Mushroom identification feature</a:t>
+              <a:t>The following slides are result of the UI implementation for the Mushroom identification feature,</a:t>
             </a:r>
           </a:p>
         </p:txBody>
@@ -1717,7 +1717,7 @@
               <a:rPr lang="en-US" dirty="0">
                 <a:effectLst/>
               </a:rPr>
-              <a:t>The presentation is organized into four parts:</a:t>
+              <a:t>The presentation is consists of 4 parts:</a:t>
             </a:r>
           </a:p>
           <a:p>
@@ -1741,7 +1741,7 @@
           <a:p>
             <a:r>
               <a:rPr lang="en-US" dirty="0"/>
-              <a:t>4. And the Conclusion</a:t>
+              <a:t>4. And finally the Conclusion</a:t>
             </a:r>
           </a:p>
           <a:p>
@@ -2139,7 +2139,7 @@
             </a:pPr>
             <a:r>
               <a:rPr lang="en-US" dirty="0"/>
-              <a:t>In conclusion the thesis </a:t>
+              <a:t>In the end, the thesis </a:t>
             </a:r>
             <a:r>
               <a:rPr lang="en-US" dirty="0">
@@ -2156,7 +2156,7 @@
               <a:rPr lang="en-US" dirty="0">
                 <a:effectLst/>
               </a:rPr>
-              <a:t>1. real-time image recognition with local result storage, </a:t>
+              <a:t>1. Real-time image recognition with local result storage, </a:t>
             </a:r>
           </a:p>
           <a:p>
@@ -2181,7 +2181,7 @@
               <a:rPr lang="en-US" dirty="0">
                 <a:effectLst/>
               </a:rPr>
-              <a:t>2. keyword-searchable mushroom feature</a:t>
+              <a:t>2. A Keyword-searchable mushroom feature</a:t>
             </a:r>
           </a:p>
           <a:p>
@@ -2206,7 +2206,7 @@
               <a:rPr lang="en-US" dirty="0">
                 <a:effectLst/>
               </a:rPr>
-              <a:t>3. and an interactive map integrated with iNaturalist API.</a:t>
+              <a:t>3. And an interactive map integrated with iNaturalist API.</a:t>
             </a:r>
           </a:p>
           <a:p>
@@ -2270,7 +2270,7 @@
               <a:rPr lang="en-US" dirty="0">
                 <a:effectLst/>
               </a:rPr>
-              <a:t>a relatively constrained dataset, </a:t>
+              <a:t>A relatively constrained dataset, </a:t>
             </a:r>
           </a:p>
           <a:p>
@@ -2295,7 +2295,7 @@
               <a:rPr lang="en-US" dirty="0">
                 <a:effectLst/>
               </a:rPr>
-              <a:t>incomplete mitigation of overfitting, </a:t>
+              <a:t>Low accuracy on certain classes,</a:t>
             </a:r>
           </a:p>
           <a:p>
@@ -2320,32 +2320,7 @@
               <a:rPr lang="en-US" dirty="0">
                 <a:effectLst/>
               </a:rPr>
-              <a:t>low accuracy on certain classes,</a:t>
-            </a:r>
-          </a:p>
-          <a:p>
-            <a:pPr marL="228600" marR="0" lvl="0" indent="-228600" algn="l" defTabSz="914400" rtl="0" eaLnBrk="1" fontAlgn="auto" latinLnBrk="0" hangingPunct="1">
-              <a:lnSpc>
-                <a:spcPct val="100000"/>
-              </a:lnSpc>
-              <a:spcBef>
-                <a:spcPts val="0"/>
-              </a:spcBef>
-              <a:spcAft>
-                <a:spcPts val="0"/>
-              </a:spcAft>
-              <a:buClrTx/>
-              <a:buSzTx/>
-              <a:buFontTx/>
-              <a:buAutoNum type="arabicPeriod"/>
-              <a:tabLst/>
-              <a:defRPr/>
-            </a:pPr>
-            <a:r>
-              <a:rPr lang="en-US" dirty="0">
-                <a:effectLst/>
-              </a:rPr>
-              <a:t>Finally, some features remain underdeveloped.</a:t>
+              <a:t>And some features remain underdeveloped.</a:t>
             </a:r>
           </a:p>
           <a:p>
@@ -2718,7 +2693,7 @@
               <a:rPr lang="en-US" dirty="0">
                 <a:effectLst/>
               </a:rPr>
-              <a:t>Mushroom identification is known to be a difficult task for beginners - due how similar most species look, which can lead to possibly errors EVEN with prior knowledge.</a:t>
+              <a:t>Mushroom identification is known to be a difficult task for beginners - due how similar most species look, which can lead to possibly lethal errors EVEN with prior knowledge.</a:t>
             </a:r>
           </a:p>
           <a:p>
@@ -2727,7 +2702,7 @@
           <a:p>
             <a:r>
               <a:rPr lang="en-US" dirty="0"/>
-              <a:t>And with the increase in interest for foraging hobby, there has been demand for accessible and beginner friendly tools</a:t>
+              <a:t>And with the increase in interest for foraging hobby, there has been demand for an accessible and beginner-friendly tool</a:t>
             </a:r>
           </a:p>
           <a:p>
@@ -2739,7 +2714,7 @@
           <a:p>
             <a:r>
               <a:rPr lang="en-US" dirty="0"/>
-              <a:t>without an expensive subscription or the restrictive freemium models</a:t>
+              <a:t>That does not have the users dealing with an expensive subscription  or a restrictive freemium model</a:t>
             </a:r>
           </a:p>
         </p:txBody>
@@ -3047,20 +3022,20 @@
           <a:p>
             <a:r>
               <a:rPr lang="en-US" dirty="0"/>
-              <a:t>Objectives:</a:t>
+              <a:t>The Objectives of the thesis is to :</a:t>
             </a:r>
             <a:br>
               <a:rPr lang="en-US" dirty="0"/>
             </a:br>
             <a:r>
               <a:rPr lang="en-US" dirty="0"/>
-              <a:t>1. Build an app that combine AI-based image identification that stored inferred result locally </a:t>
+              <a:t>1. Build an app that combine AI-based image identification that stored results locally </a:t>
             </a:r>
           </a:p>
           <a:p>
             <a:r>
               <a:rPr lang="en-US" dirty="0"/>
-              <a:t>2. with a search feature and interactable map DELIVERED with a fast client-server architecture and intuitive UI/UX</a:t>
+              <a:t>2. with a search feature and interactable forage map DELIVERED with a fast client-server architecture and intuitive UI/UX</a:t>
             </a:r>
           </a:p>
           <a:p>
@@ -3102,7 +3077,7 @@
               <a:rPr lang="en-US" dirty="0">
                 <a:effectLst/>
               </a:rPr>
-              <a:t>2. With server inference via PyTorch and Lightning.ai</a:t>
+              <a:t>2. With server inference task done via PyTorch on Lightning.ai server</a:t>
             </a:r>
           </a:p>
           <a:p>
@@ -3110,7 +3085,7 @@
               <a:rPr lang="en-US" dirty="0">
                 <a:effectLst/>
               </a:rPr>
-              <a:t>3. And local storage handled by SQLite and bundled JSON</a:t>
+              <a:t>3. And local storage is handled by SQLite and bundled JSON</a:t>
             </a:r>
             <a:endParaRPr lang="en-US" dirty="0"/>
           </a:p>
@@ -3266,7 +3241,7 @@
           <a:p>
             <a:r>
               <a:rPr lang="en-US" dirty="0"/>
-              <a:t>3. OpenStreetMap (via </a:t>
+              <a:t>3. OpenStreetMap Data (via </a:t>
             </a:r>
             <a:r>
               <a:rPr lang="af-ZA" sz="1200" kern="1200" dirty="0">
@@ -3294,7 +3269,7 @@
           <a:p>
             <a:r>
               <a:rPr lang="en-US" dirty="0"/>
-              <a:t>5. And FastAPI with LitServe on Lightning.ai for deploying the AI model</a:t>
+              <a:t>5. And FastAPI with LitServe on Lightning.ai for deploying the model</a:t>
             </a:r>
           </a:p>
         </p:txBody>
@@ -3433,15 +3408,6 @@
               <a:t>While offer good performance on identifying subtle details and complex textures</a:t>
             </a:r>
           </a:p>
-          <a:p>
-            <a:pPr marL="228600" indent="-228600">
-              <a:buAutoNum type="arabicPeriod"/>
-            </a:pPr>
-            <a:r>
-              <a:rPr lang="en-US" dirty="0"/>
-              <a:t>And delivers better results compare to the 3 CNN models used as the baseline on the custom dataset</a:t>
-            </a:r>
-          </a:p>
         </p:txBody>
       </p:sp>
       <p:sp>
@@ -3578,7 +3544,7 @@
             </a:pPr>
             <a:r>
               <a:rPr lang="en-US" dirty="0"/>
-              <a:t>The Dataset is split with the ratio 8:1:1 for the training, validation and test set respectively</a:t>
+              <a:t>The Dataset is split with the ratio 8:1:1 for the train, validate and test set respectively</a:t>
             </a:r>
           </a:p>
           <a:p>
@@ -3587,7 +3553,7 @@
             </a:pPr>
             <a:r>
               <a:rPr lang="en-US" dirty="0"/>
-              <a:t>Augmentation is applied to the train set just before training to </a:t>
+              <a:t>The Augmentation is applied to the train set just before training to </a:t>
             </a:r>
             <a:r>
               <a:rPr lang="en-US" sz="1200" kern="1200" dirty="0">
@@ -3718,7 +3684,7 @@
           <a:p>
             <a:r>
               <a:rPr lang="en-US" dirty="0"/>
-              <a:t>These subsequence slides show the overview of the system architecture, uses case and the workflow of the main features</a:t>
+              <a:t>These subsequence slides show the overview of the system architecture, </a:t>
             </a:r>
           </a:p>
         </p:txBody>
@@ -4553,7 +4519,7 @@
             <a:fld id="{D86B3AB3-BDCC-41BF-8781-963E853753C3}" type="datetime1">
               <a:rPr lang="en-US" smtClean="0"/>
               <a:pPr/>
-              <a:t>17-Dec-25</a:t>
+              <a:t>18-Dec-25</a:t>
             </a:fld>
             <a:endParaRPr lang="en-US"/>
           </a:p>
@@ -5826,7 +5792,7 @@
             <a:fld id="{D86B3AB3-BDCC-41BF-8781-963E853753C3}" type="datetime1">
               <a:rPr lang="en-US" smtClean="0"/>
               <a:pPr/>
-              <a:t>17-Dec-25</a:t>
+              <a:t>18-Dec-25</a:t>
             </a:fld>
             <a:endParaRPr lang="en-US"/>
           </a:p>
@@ -6923,7 +6889,7 @@
             <a:fld id="{D86B3AB3-BDCC-41BF-8781-963E853753C3}" type="datetime1">
               <a:rPr lang="en-US" smtClean="0"/>
               <a:pPr/>
-              <a:t>17-Dec-25</a:t>
+              <a:t>18-Dec-25</a:t>
             </a:fld>
             <a:endParaRPr lang="en-US"/>
           </a:p>
@@ -8048,7 +8014,7 @@
             <a:fld id="{D86B3AB3-BDCC-41BF-8781-963E853753C3}" type="datetime1">
               <a:rPr lang="en-US" smtClean="0"/>
               <a:pPr/>
-              <a:t>17-Dec-25</a:t>
+              <a:t>18-Dec-25</a:t>
             </a:fld>
             <a:endParaRPr lang="en-US"/>
           </a:p>
@@ -9031,7 +8997,7 @@
             <a:fld id="{D86B3AB3-BDCC-41BF-8781-963E853753C3}" type="datetime1">
               <a:rPr lang="en-US" smtClean="0"/>
               <a:pPr/>
-              <a:t>17-Dec-25</a:t>
+              <a:t>18-Dec-25</a:t>
             </a:fld>
             <a:endParaRPr lang="en-US"/>
           </a:p>
@@ -10014,7 +9980,7 @@
             <a:fld id="{D86B3AB3-BDCC-41BF-8781-963E853753C3}" type="datetime1">
               <a:rPr lang="en-US" smtClean="0"/>
               <a:pPr/>
-              <a:t>17-Dec-25</a:t>
+              <a:t>18-Dec-25</a:t>
             </a:fld>
             <a:endParaRPr lang="en-US"/>
           </a:p>
@@ -11018,7 +10984,7 @@
             <a:fld id="{D86B3AB3-BDCC-41BF-8781-963E853753C3}" type="datetime1">
               <a:rPr lang="en-US" smtClean="0"/>
               <a:pPr/>
-              <a:t>17-Dec-25</a:t>
+              <a:t>18-Dec-25</a:t>
             </a:fld>
             <a:endParaRPr lang="en-US"/>
           </a:p>
@@ -12107,7 +12073,7 @@
             <a:fld id="{D86B3AB3-BDCC-41BF-8781-963E853753C3}" type="datetime1">
               <a:rPr lang="en-US" smtClean="0"/>
               <a:pPr/>
-              <a:t>17-Dec-25</a:t>
+              <a:t>18-Dec-25</a:t>
             </a:fld>
             <a:endParaRPr lang="en-US"/>
           </a:p>
@@ -13017,7 +12983,7 @@
             <a:fld id="{D86B3AB3-BDCC-41BF-8781-963E853753C3}" type="datetime1">
               <a:rPr lang="en-US" smtClean="0"/>
               <a:pPr/>
-              <a:t>17-Dec-25</a:t>
+              <a:t>18-Dec-25</a:t>
             </a:fld>
             <a:endParaRPr lang="en-US"/>
           </a:p>
@@ -14464,7 +14430,7 @@
             <a:fld id="{D86B3AB3-BDCC-41BF-8781-963E853753C3}" type="datetime1">
               <a:rPr lang="en-US" smtClean="0"/>
               <a:pPr/>
-              <a:t>17-Dec-25</a:t>
+              <a:t>18-Dec-25</a:t>
             </a:fld>
             <a:endParaRPr lang="en-US"/>
           </a:p>
@@ -15683,7 +15649,7 @@
             <a:fld id="{D86B3AB3-BDCC-41BF-8781-963E853753C3}" type="datetime1">
               <a:rPr lang="en-US" smtClean="0"/>
               <a:pPr/>
-              <a:t>17-Dec-25</a:t>
+              <a:t>18-Dec-25</a:t>
             </a:fld>
             <a:endParaRPr lang="en-US"/>
           </a:p>
@@ -16504,7 +16470,7 @@
             <a:fld id="{D86B3AB3-BDCC-41BF-8781-963E853753C3}" type="datetime1">
               <a:rPr lang="en-US" smtClean="0"/>
               <a:pPr/>
-              <a:t>17-Dec-25</a:t>
+              <a:t>18-Dec-25</a:t>
             </a:fld>
             <a:endParaRPr lang="en-US"/>
           </a:p>
@@ -17714,7 +17680,7 @@
             <a:fld id="{D86B3AB3-BDCC-41BF-8781-963E853753C3}" type="datetime1">
               <a:rPr lang="en-US" smtClean="0"/>
               <a:pPr/>
-              <a:t>17-Dec-25</a:t>
+              <a:t>18-Dec-25</a:t>
             </a:fld>
             <a:endParaRPr lang="en-US"/>
           </a:p>
@@ -18558,7 +18524,7 @@
             <a:fld id="{D86B3AB3-BDCC-41BF-8781-963E853753C3}" type="datetime1">
               <a:rPr lang="en-US" smtClean="0"/>
               <a:pPr/>
-              <a:t>17-Dec-25</a:t>
+              <a:t>18-Dec-25</a:t>
             </a:fld>
             <a:endParaRPr lang="en-US"/>
           </a:p>
@@ -19263,7 +19229,7 @@
             <a:fld id="{D86B3AB3-BDCC-41BF-8781-963E853753C3}" type="datetime1">
               <a:rPr lang="en-US" smtClean="0"/>
               <a:pPr/>
-              <a:t>17-Dec-25</a:t>
+              <a:t>18-Dec-25</a:t>
             </a:fld>
             <a:endParaRPr lang="en-US"/>
           </a:p>
@@ -19989,7 +19955,7 @@
             <a:fld id="{D86B3AB3-BDCC-41BF-8781-963E853753C3}" type="datetime1">
               <a:rPr lang="en-US" smtClean="0"/>
               <a:pPr/>
-              <a:t>17-Dec-25</a:t>
+              <a:t>18-Dec-25</a:t>
             </a:fld>
             <a:endParaRPr lang="en-US"/>
           </a:p>
@@ -20789,7 +20755,7 @@
             <a:fld id="{D86B3AB3-BDCC-41BF-8781-963E853753C3}" type="datetime1">
               <a:rPr lang="en-US" smtClean="0"/>
               <a:pPr/>
-              <a:t>17-Dec-25</a:t>
+              <a:t>18-Dec-25</a:t>
             </a:fld>
             <a:endParaRPr lang="en-US"/>
           </a:p>
@@ -21592,7 +21558,7 @@
             <a:fld id="{D86B3AB3-BDCC-41BF-8781-963E853753C3}" type="datetime1">
               <a:rPr lang="en-US" smtClean="0"/>
               <a:pPr/>
-              <a:t>17-Dec-25</a:t>
+              <a:t>18-Dec-25</a:t>
             </a:fld>
             <a:endParaRPr lang="en-US"/>
           </a:p>
@@ -24566,7 +24532,7 @@
             <a:fld id="{D86B3AB3-BDCC-41BF-8781-963E853753C3}" type="datetime1">
               <a:rPr lang="en-US" smtClean="0"/>
               <a:pPr/>
-              <a:t>17-Dec-25</a:t>
+              <a:t>18-Dec-25</a:t>
             </a:fld>
             <a:endParaRPr lang="en-US"/>
           </a:p>
@@ -27696,7 +27662,7 @@
             <a:fld id="{D86B3AB3-BDCC-41BF-8781-963E853753C3}" type="datetime1">
               <a:rPr lang="en-US" smtClean="0"/>
               <a:pPr/>
-              <a:t>17-Dec-25</a:t>
+              <a:t>18-Dec-25</a:t>
             </a:fld>
             <a:endParaRPr lang="en-US"/>
           </a:p>
@@ -28712,7 +28678,7 @@
             <a:fld id="{D86B3AB3-BDCC-41BF-8781-963E853753C3}" type="datetime1">
               <a:rPr lang="en-US" smtClean="0"/>
               <a:pPr/>
-              <a:t>17-Dec-25</a:t>
+              <a:t>18-Dec-25</a:t>
             </a:fld>
             <a:endParaRPr lang="en-US"/>
           </a:p>
@@ -30814,7 +30780,7 @@
             <a:fld id="{D86B3AB3-BDCC-41BF-8781-963E853753C3}" type="datetime1">
               <a:rPr lang="en-US" smtClean="0"/>
               <a:pPr/>
-              <a:t>17-Dec-25</a:t>
+              <a:t>18-Dec-25</a:t>
             </a:fld>
             <a:endParaRPr lang="en-US"/>
           </a:p>
@@ -33009,7 +32975,7 @@
             <a:fld id="{D86B3AB3-BDCC-41BF-8781-963E853753C3}" type="datetime1">
               <a:rPr lang="en-US" smtClean="0"/>
               <a:pPr/>
-              <a:t>17-Dec-25</a:t>
+              <a:t>18-Dec-25</a:t>
             </a:fld>
             <a:endParaRPr lang="en-US"/>
           </a:p>
@@ -34196,7 +34162,7 @@
             <a:fld id="{D86B3AB3-BDCC-41BF-8781-963E853753C3}" type="datetime1">
               <a:rPr lang="en-US" smtClean="0"/>
               <a:pPr/>
-              <a:t>17-Dec-25</a:t>
+              <a:t>18-Dec-25</a:t>
             </a:fld>
             <a:endParaRPr lang="en-US"/>
           </a:p>
@@ -35276,7 +35242,7 @@
             <a:fld id="{D86B3AB3-BDCC-41BF-8781-963E853753C3}" type="datetime1">
               <a:rPr lang="en-US" smtClean="0"/>
               <a:pPr/>
-              <a:t>17-Dec-25</a:t>
+              <a:t>18-Dec-25</a:t>
             </a:fld>
             <a:endParaRPr lang="en-US"/>
           </a:p>
@@ -36233,7 +36199,7 @@
             <a:fld id="{D86B3AB3-BDCC-41BF-8781-963E853753C3}" type="datetime1">
               <a:rPr lang="en-US" smtClean="0"/>
               <a:pPr/>
-              <a:t>17-Dec-25</a:t>
+              <a:t>18-Dec-25</a:t>
             </a:fld>
             <a:endParaRPr lang="en-US"/>
           </a:p>
@@ -37136,7 +37102,7 @@
             <a:fld id="{D86B3AB3-BDCC-41BF-8781-963E853753C3}" type="datetime1">
               <a:rPr lang="en-US" smtClean="0"/>
               <a:pPr/>
-              <a:t>17-Dec-25</a:t>
+              <a:t>18-Dec-25</a:t>
             </a:fld>
             <a:endParaRPr lang="en-US"/>
           </a:p>
@@ -38071,7 +38037,7 @@
             <a:fld id="{D86B3AB3-BDCC-41BF-8781-963E853753C3}" type="datetime1">
               <a:rPr lang="en-US" smtClean="0"/>
               <a:pPr/>
-              <a:t>17-Dec-25</a:t>
+              <a:t>18-Dec-25</a:t>
             </a:fld>
             <a:endParaRPr lang="en-US"/>
           </a:p>
@@ -39100,7 +39066,7 @@
             <a:fld id="{D86B3AB3-BDCC-41BF-8781-963E853753C3}" type="datetime1">
               <a:rPr lang="en-US" smtClean="0"/>
               <a:pPr/>
-              <a:t>17-Dec-25</a:t>
+              <a:t>18-Dec-25</a:t>
             </a:fld>
             <a:endParaRPr lang="en-US"/>
           </a:p>
@@ -39491,7 +39457,7 @@
             <a:fld id="{00D1CE85-AA59-46D7-98F4-301D80B40614}" type="datetimeFigureOut">
               <a:rPr lang="en-US" smtClean="0"/>
               <a:pPr/>
-              <a:t>17-Dec-25</a:t>
+              <a:t>18-Dec-25</a:t>
             </a:fld>
             <a:endParaRPr lang="en-US"/>
           </a:p>
@@ -40194,7 +40160,7 @@
             </a:r>
             <a:r>
               <a:rPr lang="en-US" dirty="0"/>
-              <a:t>: 80% training, 10% validation, 10% test.</a:t>
+              <a:t>: 80% train, 10% validate and 10% test.</a:t>
             </a:r>
           </a:p>
           <a:p>
@@ -40855,7 +40821,7 @@
           <a:p>
             <a:r>
               <a:rPr lang="en-US" sz="6000" dirty="0"/>
-              <a:t>2.6. Mushroom Identification Workflows</a:t>
+              <a:t>2.6. Mushroom Identification Workflow</a:t>
             </a:r>
           </a:p>
         </p:txBody>
@@ -41034,7 +41000,7 @@
           <a:p>
             <a:r>
               <a:rPr lang="en-US" sz="6000" dirty="0"/>
-              <a:t>2.6. History Workflows</a:t>
+              <a:t>2.6. History Workflow</a:t>
             </a:r>
           </a:p>
         </p:txBody>
@@ -41213,7 +41179,7 @@
           <a:p>
             <a:r>
               <a:rPr lang="en-US" sz="6000" dirty="0"/>
-              <a:t>2.6. Search Workflows</a:t>
+              <a:t>2.6. Search Workflow</a:t>
             </a:r>
           </a:p>
         </p:txBody>
@@ -41392,7 +41358,7 @@
           <a:p>
             <a:r>
               <a:rPr lang="en-US" sz="6000" dirty="0"/>
-              <a:t>2.6. Forage Map Workflows</a:t>
+              <a:t>2.6. Forage Map Workflow</a:t>
             </a:r>
           </a:p>
         </p:txBody>
@@ -42168,21 +42134,7 @@
                           <a:latin typeface="Cambria Math" panose="02040503050406030204" pitchFamily="18" charset="0"/>
                           <a:ea typeface="Cambria Math" panose="02040503050406030204" pitchFamily="18" charset="0"/>
                         </a:rPr>
-                        <m:t>=</m:t>
-                      </m:r>
-                      <m:r>
-                        <a:rPr lang="en-US" i="1">
-                          <a:latin typeface="Cambria Math" panose="02040503050406030204" pitchFamily="18" charset="0"/>
-                          <a:ea typeface="Cambria Math" panose="02040503050406030204" pitchFamily="18" charset="0"/>
-                        </a:rPr>
-                        <m:t>2</m:t>
-                      </m:r>
-                      <m:r>
-                        <a:rPr lang="en-US" i="1">
-                          <a:latin typeface="Cambria Math" panose="02040503050406030204" pitchFamily="18" charset="0"/>
-                          <a:ea typeface="Cambria Math" panose="02040503050406030204" pitchFamily="18" charset="0"/>
-                        </a:rPr>
-                        <m:t>×</m:t>
+                        <m:t>=2×</m:t>
                       </m:r>
                       <m:f>
                         <m:fPr>
@@ -42524,33 +42476,15 @@
                                   </p:childTnLst>
                                 </p:cTn>
                               </p:par>
-                            </p:childTnLst>
-                          </p:cTn>
-                        </p:par>
-                      </p:childTnLst>
-                    </p:cTn>
-                  </p:par>
-                  <p:par>
-                    <p:cTn id="11" fill="hold">
-                      <p:stCondLst>
-                        <p:cond delay="indefinite"/>
-                      </p:stCondLst>
-                      <p:childTnLst>
-                        <p:par>
-                          <p:cTn id="12" fill="hold">
-                            <p:stCondLst>
-                              <p:cond delay="0"/>
-                            </p:stCondLst>
-                            <p:childTnLst>
                               <p:par>
-                                <p:cTn id="13" presetID="10" presetClass="entr" presetSubtype="0" fill="hold" nodeType="clickEffect">
+                                <p:cTn id="11" presetID="10" presetClass="entr" presetSubtype="0" fill="hold" nodeType="withEffect">
                                   <p:stCondLst>
                                     <p:cond delay="0"/>
                                   </p:stCondLst>
                                   <p:childTnLst>
                                     <p:set>
                                       <p:cBhvr>
-                                        <p:cTn id="14" dur="1" fill="hold">
+                                        <p:cTn id="12" dur="1" fill="hold">
                                           <p:stCondLst>
                                             <p:cond delay="0"/>
                                           </p:stCondLst>
@@ -42572,7 +42506,7 @@
                                     </p:set>
                                     <p:animEffect transition="in" filter="fade">
                                       <p:cBhvr>
-                                        <p:cTn id="15" dur="250"/>
+                                        <p:cTn id="13" dur="250"/>
                                         <p:tgtEl>
                                           <p:spTgt spid="8">
                                             <p:txEl>
@@ -42586,14 +42520,14 @@
                                 </p:cTn>
                               </p:par>
                               <p:par>
-                                <p:cTn id="16" presetID="10" presetClass="entr" presetSubtype="0" fill="hold" nodeType="withEffect">
+                                <p:cTn id="14" presetID="10" presetClass="entr" presetSubtype="0" fill="hold" nodeType="withEffect">
                                   <p:stCondLst>
                                     <p:cond delay="0"/>
                                   </p:stCondLst>
                                   <p:childTnLst>
                                     <p:set>
                                       <p:cBhvr>
-                                        <p:cTn id="17" dur="1" fill="hold">
+                                        <p:cTn id="15" dur="1" fill="hold">
                                           <p:stCondLst>
                                             <p:cond delay="0"/>
                                           </p:stCondLst>
@@ -42615,7 +42549,7 @@
                                     </p:set>
                                     <p:animEffect transition="in" filter="fade">
                                       <p:cBhvr>
-                                        <p:cTn id="18" dur="250"/>
+                                        <p:cTn id="16" dur="250"/>
                                         <p:tgtEl>
                                           <p:spTgt spid="8">
                                             <p:txEl>
@@ -42628,33 +42562,15 @@
                                   </p:childTnLst>
                                 </p:cTn>
                               </p:par>
-                            </p:childTnLst>
-                          </p:cTn>
-                        </p:par>
-                      </p:childTnLst>
-                    </p:cTn>
-                  </p:par>
-                  <p:par>
-                    <p:cTn id="19" fill="hold">
-                      <p:stCondLst>
-                        <p:cond delay="indefinite"/>
-                      </p:stCondLst>
-                      <p:childTnLst>
-                        <p:par>
-                          <p:cTn id="20" fill="hold">
-                            <p:stCondLst>
-                              <p:cond delay="0"/>
-                            </p:stCondLst>
-                            <p:childTnLst>
                               <p:par>
-                                <p:cTn id="21" presetID="10" presetClass="entr" presetSubtype="0" fill="hold" nodeType="clickEffect">
+                                <p:cTn id="17" presetID="10" presetClass="entr" presetSubtype="0" fill="hold" nodeType="withEffect">
                                   <p:stCondLst>
                                     <p:cond delay="0"/>
                                   </p:stCondLst>
                                   <p:childTnLst>
                                     <p:set>
                                       <p:cBhvr>
-                                        <p:cTn id="22" dur="1" fill="hold">
+                                        <p:cTn id="18" dur="1" fill="hold">
                                           <p:stCondLst>
                                             <p:cond delay="0"/>
                                           </p:stCondLst>
@@ -42676,7 +42592,7 @@
                                     </p:set>
                                     <p:animEffect transition="in" filter="fade">
                                       <p:cBhvr>
-                                        <p:cTn id="23" dur="250"/>
+                                        <p:cTn id="19" dur="250"/>
                                         <p:tgtEl>
                                           <p:spTgt spid="8">
                                             <p:txEl>
@@ -42690,14 +42606,14 @@
                                 </p:cTn>
                               </p:par>
                               <p:par>
-                                <p:cTn id="24" presetID="10" presetClass="entr" presetSubtype="0" fill="hold" nodeType="withEffect">
+                                <p:cTn id="20" presetID="10" presetClass="entr" presetSubtype="0" fill="hold" nodeType="withEffect">
                                   <p:stCondLst>
                                     <p:cond delay="0"/>
                                   </p:stCondLst>
                                   <p:childTnLst>
                                     <p:set>
                                       <p:cBhvr>
-                                        <p:cTn id="25" dur="1" fill="hold">
+                                        <p:cTn id="21" dur="1" fill="hold">
                                           <p:stCondLst>
                                             <p:cond delay="0"/>
                                           </p:stCondLst>
@@ -42719,7 +42635,7 @@
                                     </p:set>
                                     <p:animEffect transition="in" filter="fade">
                                       <p:cBhvr>
-                                        <p:cTn id="26" dur="250"/>
+                                        <p:cTn id="22" dur="250"/>
                                         <p:tgtEl>
                                           <p:spTgt spid="8">
                                             <p:txEl>
@@ -42967,14 +42883,7 @@
                               <a:latin typeface="Cambria Math" panose="02040503050406030204" pitchFamily="18" charset="0"/>
                               <a:ea typeface="Cambria Math" panose="02040503050406030204" pitchFamily="18" charset="0"/>
                             </a:rPr>
-                            <m:t>=</m:t>
-                          </m:r>
-                          <m:r>
-                            <a:rPr lang="en-US" i="1">
-                              <a:latin typeface="Cambria Math" panose="02040503050406030204" pitchFamily="18" charset="0"/>
-                              <a:ea typeface="Cambria Math" panose="02040503050406030204" pitchFamily="18" charset="0"/>
-                            </a:rPr>
-                            <m:t>1</m:t>
+                            <m:t>=1</m:t>
                           </m:r>
                         </m:sub>
                         <m:sup>
@@ -43133,14 +43042,7 @@
                               <a:latin typeface="Cambria Math" panose="02040503050406030204" pitchFamily="18" charset="0"/>
                               <a:ea typeface="Cambria Math" panose="02040503050406030204" pitchFamily="18" charset="0"/>
                             </a:rPr>
-                            <m:t>=</m:t>
-                          </m:r>
-                          <m:r>
-                            <a:rPr lang="en-US" i="1">
-                              <a:latin typeface="Cambria Math" panose="02040503050406030204" pitchFamily="18" charset="0"/>
-                              <a:ea typeface="Cambria Math" panose="02040503050406030204" pitchFamily="18" charset="0"/>
-                            </a:rPr>
-                            <m:t>1</m:t>
+                            <m:t>=1</m:t>
                           </m:r>
                         </m:sub>
                         <m:sup>
@@ -43309,14 +43211,7 @@
                               <a:latin typeface="Cambria Math" panose="02040503050406030204" pitchFamily="18" charset="0"/>
                               <a:ea typeface="Cambria Math" panose="02040503050406030204" pitchFamily="18" charset="0"/>
                             </a:rPr>
-                            <m:t>=</m:t>
-                          </m:r>
-                          <m:r>
-                            <a:rPr lang="en-US" i="1">
-                              <a:latin typeface="Cambria Math" panose="02040503050406030204" pitchFamily="18" charset="0"/>
-                              <a:ea typeface="Cambria Math" panose="02040503050406030204" pitchFamily="18" charset="0"/>
-                            </a:rPr>
-                            <m:t>1</m:t>
+                            <m:t>=1</m:t>
                           </m:r>
                         </m:sub>
                         <m:sup>
@@ -43747,26 +43642,42 @@
           <a:lstStyle/>
           <a:p>
             <a:r>
-              <a:rPr lang="en-US" dirty="0"/>
-              <a:t>Part 1: Introduction</a:t>
+              <a:rPr lang="en-US" sz="3200" b="1" dirty="0"/>
+              <a:t>Part 1: </a:t>
             </a:r>
-          </a:p>
-          <a:p>
             <a:r>
-              <a:rPr lang="en-US" dirty="0"/>
-              <a:t>Part 2: Theoretical basis &amp; systems analysis</a:t>
+              <a:rPr lang="en-US" sz="3200" dirty="0"/>
+              <a:t>Introduction</a:t>
             </a:r>
           </a:p>
           <a:p>
             <a:r>
-              <a:rPr lang="en-US" dirty="0"/>
-              <a:t>Part 3: Implementation</a:t>
+              <a:rPr lang="en-US" sz="3200" b="1" dirty="0"/>
+              <a:t>Part 2: </a:t>
             </a:r>
-          </a:p>
-          <a:p>
             <a:r>
-              <a:rPr lang="en-US" dirty="0"/>
-              <a:t>Part 4: Conclusion</a:t>
+              <a:rPr lang="en-US" sz="3200" dirty="0"/>
+              <a:t>Theoretical Basis &amp; Systems Analysis</a:t>
+            </a:r>
+          </a:p>
+          <a:p>
+            <a:r>
+              <a:rPr lang="en-US" sz="3200" b="1" dirty="0"/>
+              <a:t>Part 3: </a:t>
+            </a:r>
+            <a:r>
+              <a:rPr lang="en-US" sz="3200" dirty="0"/>
+              <a:t>Implementation</a:t>
+            </a:r>
+          </a:p>
+          <a:p>
+            <a:r>
+              <a:rPr lang="en-US" sz="3200" b="1" dirty="0"/>
+              <a:t>Part 4: </a:t>
+            </a:r>
+            <a:r>
+              <a:rPr lang="en-US" sz="3200" dirty="0"/>
+              <a:t>Conclusion</a:t>
             </a:r>
           </a:p>
         </p:txBody>
@@ -47002,7 +46913,7 @@
           <a:p>
             <a:r>
               <a:rPr lang="en-US" b="1" noProof="0" dirty="0"/>
-              <a:t>CURRENT LIMITATIONS:</a:t>
+              <a:t>LIMITATIONS:</a:t>
             </a:r>
           </a:p>
           <a:p>
@@ -47012,15 +46923,7 @@
             </a:pPr>
             <a:r>
               <a:rPr lang="en-US" noProof="0" dirty="0"/>
-              <a:t>Limited and undiversified training data</a:t>
-            </a:r>
-            <a:r>
-              <a:rPr lang="en-US" dirty="0"/>
-              <a:t>, </a:t>
-            </a:r>
-            <a:r>
-              <a:rPr lang="en-US" noProof="0" dirty="0"/>
-              <a:t>overfitting not fully mitigated.</a:t>
+              <a:t>Limited and undiversified training data.</a:t>
             </a:r>
           </a:p>
           <a:p>
@@ -47029,9 +46932,10 @@
               <a:buChar char="•"/>
             </a:pPr>
             <a:r>
-              <a:rPr lang="en-US" noProof="0" dirty="0"/>
-              <a:t>The current ViT model has yet achieved desired accuracy on all classes</a:t>
+              <a:rPr lang="en-US" dirty="0"/>
+              <a:t>Low accuracy on certain classes</a:t>
             </a:r>
+            <a:endParaRPr lang="en-US" noProof="0" dirty="0"/>
           </a:p>
           <a:p>
             <a:pPr marL="342900" indent="-342900">
@@ -48812,7 +48716,7 @@
             </a:pPr>
             <a:r>
               <a:rPr lang="en-US" dirty="0"/>
-              <a:t>Local SQLite storage and a bundled JSON dataset.</a:t>
+              <a:t>Local SQLite storage and a bundled JSON.</a:t>
             </a:r>
           </a:p>
           <a:p>
@@ -49304,7 +49208,7 @@
           <a:p>
             <a:r>
               <a:rPr lang="en-US" sz="6000" dirty="0"/>
-              <a:t>Part 2: Theoretical basis &amp; systems analysis</a:t>
+              <a:t>Part 2: Theoretical Basis &amp; Systems Analysis</a:t>
             </a:r>
           </a:p>
         </p:txBody>
@@ -49862,16 +49766,6 @@
             </a:r>
           </a:p>
           <a:p>
-            <a:pPr marL="800100" lvl="1" indent="-342900">
-              <a:buFont typeface="Courier New" panose="02070309020205020404" pitchFamily="49" charset="0"/>
-              <a:buChar char="o"/>
-            </a:pPr>
-            <a:r>
-              <a:rPr lang="en-US" dirty="0"/>
-              <a:t>Higher accuracy than ResNet-50, EfficientNet, and MobileNet on the custom dataset</a:t>
-            </a:r>
-          </a:p>
-          <a:p>
             <a:pPr marL="342900" indent="-342900">
               <a:buFont typeface="Arial" panose="020B0604020202020204" pitchFamily="34" charset="0"/>
               <a:buChar char="•"/>
@@ -50031,49 +49925,6 @@
                                           <p:spTgt spid="3">
                                             <p:txEl>
                                               <p:pRg st="2" end="2"/>
-                                            </p:txEl>
-                                          </p:spTgt>
-                                        </p:tgtEl>
-                                      </p:cBhvr>
-                                    </p:animEffect>
-                                  </p:childTnLst>
-                                </p:cTn>
-                              </p:par>
-                              <p:par>
-                                <p:cTn id="14" presetID="10" presetClass="entr" presetSubtype="0" fill="hold" nodeType="withEffect">
-                                  <p:stCondLst>
-                                    <p:cond delay="0"/>
-                                  </p:stCondLst>
-                                  <p:childTnLst>
-                                    <p:set>
-                                      <p:cBhvr>
-                                        <p:cTn id="15" dur="1" fill="hold">
-                                          <p:stCondLst>
-                                            <p:cond delay="0"/>
-                                          </p:stCondLst>
-                                        </p:cTn>
-                                        <p:tgtEl>
-                                          <p:spTgt spid="3">
-                                            <p:txEl>
-                                              <p:pRg st="3" end="3"/>
-                                            </p:txEl>
-                                          </p:spTgt>
-                                        </p:tgtEl>
-                                        <p:attrNameLst>
-                                          <p:attrName>style.visibility</p:attrName>
-                                        </p:attrNameLst>
-                                      </p:cBhvr>
-                                      <p:to>
-                                        <p:strVal val="visible"/>
-                                      </p:to>
-                                    </p:set>
-                                    <p:animEffect transition="in" filter="fade">
-                                      <p:cBhvr>
-                                        <p:cTn id="16" dur="250"/>
-                                        <p:tgtEl>
-                                          <p:spTgt spid="3">
-                                            <p:txEl>
-                                              <p:pRg st="3" end="3"/>
                                             </p:txEl>
                                           </p:spTgt>
                                         </p:tgtEl>

--- a/Báo cáo/GraduationThesis.pptx
+++ b/Báo cáo/GraduationThesis.pptx
@@ -608,6 +608,285 @@
         <p:cNvPr id="1" name="">
           <a:extLst>
             <a:ext uri="{FF2B5EF4-FFF2-40B4-BE49-F238E27FC236}">
+              <a16:creationId xmlns:a16="http://schemas.microsoft.com/office/drawing/2014/main" id="{A10E6DF9-98E7-F510-0D5F-BBCF612DF735}"/>
+            </a:ext>
+          </a:extLst>
+        </p:cNvPr>
+        <p:cNvGrpSpPr/>
+        <p:nvPr/>
+      </p:nvGrpSpPr>
+      <p:grpSpPr>
+        <a:xfrm>
+          <a:off x="0" y="0"/>
+          <a:ext cx="0" cy="0"/>
+          <a:chOff x="0" y="0"/>
+          <a:chExt cx="0" cy="0"/>
+        </a:xfrm>
+      </p:grpSpPr>
+      <p:sp>
+        <p:nvSpPr>
+          <p:cNvPr id="2" name="Slide Image Placeholder 1">
+            <a:extLst>
+              <a:ext uri="{FF2B5EF4-FFF2-40B4-BE49-F238E27FC236}">
+                <a16:creationId xmlns:a16="http://schemas.microsoft.com/office/drawing/2014/main" id="{46CCBDA3-4B0A-DA14-E409-F783E546D1CC}"/>
+              </a:ext>
+            </a:extLst>
+          </p:cNvPr>
+          <p:cNvSpPr>
+            <a:spLocks noGrp="1" noRot="1" noChangeAspect="1"/>
+          </p:cNvSpPr>
+          <p:nvPr>
+            <p:ph type="sldImg"/>
+          </p:nvPr>
+        </p:nvSpPr>
+        <p:spPr/>
+        <p:txBody>
+          <a:bodyPr/>
+          <a:lstStyle/>
+          <a:p>
+            <a:endParaRPr lang="en-US"/>
+          </a:p>
+        </p:txBody>
+      </p:sp>
+      <p:sp>
+        <p:nvSpPr>
+          <p:cNvPr id="3" name="Notes Placeholder 2">
+            <a:extLst>
+              <a:ext uri="{FF2B5EF4-FFF2-40B4-BE49-F238E27FC236}">
+                <a16:creationId xmlns:a16="http://schemas.microsoft.com/office/drawing/2014/main" id="{302DC791-FCFA-4470-DBFE-5DEB6A7CD882}"/>
+              </a:ext>
+            </a:extLst>
+          </p:cNvPr>
+          <p:cNvSpPr>
+            <a:spLocks noGrp="1"/>
+          </p:cNvSpPr>
+          <p:nvPr>
+            <p:ph type="body" idx="1"/>
+          </p:nvPr>
+        </p:nvSpPr>
+        <p:spPr/>
+        <p:txBody>
+          <a:bodyPr/>
+          <a:lstStyle/>
+          <a:p>
+            <a:pPr marL="228600" indent="-228600">
+              <a:buAutoNum type="arabicPeriod"/>
+            </a:pPr>
+            <a:r>
+              <a:rPr lang="en-US" dirty="0"/>
+              <a:t>The dataset consists of 80 classes with exactly 200 samples each </a:t>
+            </a:r>
+          </a:p>
+          <a:p>
+            <a:pPr marL="228600" indent="-228600">
+              <a:buAutoNum type="arabicPeriod"/>
+            </a:pPr>
+            <a:r>
+              <a:rPr lang="en-US" dirty="0"/>
+              <a:t>Sourced mostly from iNaturalist with the rest coming from Kaggle public dataset, WildFoodUK site and various other personal blogs.</a:t>
+            </a:r>
+          </a:p>
+          <a:p>
+            <a:pPr marL="228600" indent="-228600">
+              <a:buAutoNum type="arabicPeriod"/>
+            </a:pPr>
+            <a:r>
+              <a:rPr lang="en-US" dirty="0"/>
+              <a:t>The Dataset is split with the ratio 8:1:1 for the train, validate and test set respectively</a:t>
+            </a:r>
+          </a:p>
+          <a:p>
+            <a:pPr marL="228600" indent="-228600">
+              <a:buAutoNum type="arabicPeriod"/>
+            </a:pPr>
+            <a:r>
+              <a:rPr lang="en-US" dirty="0"/>
+              <a:t>The Augmentation is applied to the train set just before training to </a:t>
+            </a:r>
+            <a:r>
+              <a:rPr lang="en-US" sz="1200" kern="1200" dirty="0">
+                <a:solidFill>
+                  <a:schemeClr val="tx1"/>
+                </a:solidFill>
+                <a:effectLst/>
+                <a:latin typeface="+mn-lt"/>
+                <a:ea typeface="+mn-ea"/>
+                <a:cs typeface="+mn-cs"/>
+              </a:rPr>
+              <a:t>improve generalization</a:t>
+            </a:r>
+            <a:endParaRPr lang="en-US" dirty="0"/>
+          </a:p>
+        </p:txBody>
+      </p:sp>
+      <p:sp>
+        <p:nvSpPr>
+          <p:cNvPr id="4" name="Slide Number Placeholder 3">
+            <a:extLst>
+              <a:ext uri="{FF2B5EF4-FFF2-40B4-BE49-F238E27FC236}">
+                <a16:creationId xmlns:a16="http://schemas.microsoft.com/office/drawing/2014/main" id="{052EA1BE-1AAB-B530-E513-CED8E1AFF0F5}"/>
+              </a:ext>
+            </a:extLst>
+          </p:cNvPr>
+          <p:cNvSpPr>
+            <a:spLocks noGrp="1"/>
+          </p:cNvSpPr>
+          <p:nvPr>
+            <p:ph type="sldNum" sz="quarter" idx="5"/>
+          </p:nvPr>
+        </p:nvSpPr>
+        <p:spPr/>
+        <p:txBody>
+          <a:bodyPr/>
+          <a:lstStyle/>
+          <a:p>
+            <a:fld id="{A67E2EB4-AAAC-4D92-8F4B-6C8B3AB9BD3F}" type="slidenum">
+              <a:rPr lang="vi-VN" smtClean="0"/>
+              <a:t>10</a:t>
+            </a:fld>
+            <a:endParaRPr lang="vi-VN"/>
+          </a:p>
+        </p:txBody>
+      </p:sp>
+    </p:spTree>
+    <p:extLst>
+      <p:ext uri="{BB962C8B-B14F-4D97-AF65-F5344CB8AC3E}">
+        <p14:creationId xmlns:p14="http://schemas.microsoft.com/office/powerpoint/2010/main" val="3954574188"/>
+      </p:ext>
+    </p:extLst>
+  </p:cSld>
+  <p:clrMapOvr>
+    <a:masterClrMapping/>
+  </p:clrMapOvr>
+</p:notes>
+</file>
+
+<file path=ppt/notesSlides/notesSlide11.xml><?xml version="1.0" encoding="utf-8"?>
+<p:notes xmlns:a="http://schemas.openxmlformats.org/drawingml/2006/main" xmlns:r="http://schemas.openxmlformats.org/officeDocument/2006/relationships" xmlns:p="http://schemas.openxmlformats.org/presentationml/2006/main">
+  <p:cSld>
+    <p:spTree>
+      <p:nvGrpSpPr>
+        <p:cNvPr id="1" name="">
+          <a:extLst>
+            <a:ext uri="{FF2B5EF4-FFF2-40B4-BE49-F238E27FC236}">
+              <a16:creationId xmlns:a16="http://schemas.microsoft.com/office/drawing/2014/main" id="{2B871C3B-60FD-F78E-A32E-F4A18C59A47C}"/>
+            </a:ext>
+          </a:extLst>
+        </p:cNvPr>
+        <p:cNvGrpSpPr/>
+        <p:nvPr/>
+      </p:nvGrpSpPr>
+      <p:grpSpPr>
+        <a:xfrm>
+          <a:off x="0" y="0"/>
+          <a:ext cx="0" cy="0"/>
+          <a:chOff x="0" y="0"/>
+          <a:chExt cx="0" cy="0"/>
+        </a:xfrm>
+      </p:grpSpPr>
+      <p:sp>
+        <p:nvSpPr>
+          <p:cNvPr id="2" name="Slide Image Placeholder 1">
+            <a:extLst>
+              <a:ext uri="{FF2B5EF4-FFF2-40B4-BE49-F238E27FC236}">
+                <a16:creationId xmlns:a16="http://schemas.microsoft.com/office/drawing/2014/main" id="{CA15225B-C97F-EFC7-FF19-BD9B5A4EE201}"/>
+              </a:ext>
+            </a:extLst>
+          </p:cNvPr>
+          <p:cNvSpPr>
+            <a:spLocks noGrp="1" noRot="1" noChangeAspect="1"/>
+          </p:cNvSpPr>
+          <p:nvPr>
+            <p:ph type="sldImg"/>
+          </p:nvPr>
+        </p:nvSpPr>
+        <p:spPr/>
+        <p:txBody>
+          <a:bodyPr/>
+          <a:lstStyle/>
+          <a:p>
+            <a:endParaRPr lang="en-US"/>
+          </a:p>
+        </p:txBody>
+      </p:sp>
+      <p:sp>
+        <p:nvSpPr>
+          <p:cNvPr id="3" name="Notes Placeholder 2">
+            <a:extLst>
+              <a:ext uri="{FF2B5EF4-FFF2-40B4-BE49-F238E27FC236}">
+                <a16:creationId xmlns:a16="http://schemas.microsoft.com/office/drawing/2014/main" id="{7300390B-EEB3-B425-B18C-53FA91AFAEAB}"/>
+              </a:ext>
+            </a:extLst>
+          </p:cNvPr>
+          <p:cNvSpPr>
+            <a:spLocks noGrp="1"/>
+          </p:cNvSpPr>
+          <p:nvPr>
+            <p:ph type="body" idx="1"/>
+          </p:nvPr>
+        </p:nvSpPr>
+        <p:spPr/>
+        <p:txBody>
+          <a:bodyPr/>
+          <a:lstStyle/>
+          <a:p>
+            <a:r>
+              <a:rPr lang="en-US" dirty="0"/>
+              <a:t>These subsequence slides show the overview of the system architecture, </a:t>
+            </a:r>
+          </a:p>
+        </p:txBody>
+      </p:sp>
+      <p:sp>
+        <p:nvSpPr>
+          <p:cNvPr id="4" name="Slide Number Placeholder 3">
+            <a:extLst>
+              <a:ext uri="{FF2B5EF4-FFF2-40B4-BE49-F238E27FC236}">
+                <a16:creationId xmlns:a16="http://schemas.microsoft.com/office/drawing/2014/main" id="{63E2C4C8-4964-A2CD-4890-EBE340A1E804}"/>
+              </a:ext>
+            </a:extLst>
+          </p:cNvPr>
+          <p:cNvSpPr>
+            <a:spLocks noGrp="1"/>
+          </p:cNvSpPr>
+          <p:nvPr>
+            <p:ph type="sldNum" sz="quarter" idx="5"/>
+          </p:nvPr>
+        </p:nvSpPr>
+        <p:spPr/>
+        <p:txBody>
+          <a:bodyPr/>
+          <a:lstStyle/>
+          <a:p>
+            <a:fld id="{A67E2EB4-AAAC-4D92-8F4B-6C8B3AB9BD3F}" type="slidenum">
+              <a:rPr lang="vi-VN" smtClean="0"/>
+              <a:t>11</a:t>
+            </a:fld>
+            <a:endParaRPr lang="vi-VN"/>
+          </a:p>
+        </p:txBody>
+      </p:sp>
+    </p:spTree>
+    <p:extLst>
+      <p:ext uri="{BB962C8B-B14F-4D97-AF65-F5344CB8AC3E}">
+        <p14:creationId xmlns:p14="http://schemas.microsoft.com/office/powerpoint/2010/main" val="123363835"/>
+      </p:ext>
+    </p:extLst>
+  </p:cSld>
+  <p:clrMapOvr>
+    <a:masterClrMapping/>
+  </p:clrMapOvr>
+</p:notes>
+</file>
+
+<file path=ppt/notesSlides/notesSlide12.xml><?xml version="1.0" encoding="utf-8"?>
+<p:notes xmlns:a="http://schemas.openxmlformats.org/drawingml/2006/main" xmlns:r="http://schemas.openxmlformats.org/officeDocument/2006/relationships" xmlns:p="http://schemas.openxmlformats.org/presentationml/2006/main">
+  <p:cSld>
+    <p:spTree>
+      <p:nvGrpSpPr>
+        <p:cNvPr id="1" name="">
+          <a:extLst>
+            <a:ext uri="{FF2B5EF4-FFF2-40B4-BE49-F238E27FC236}">
               <a16:creationId xmlns:a16="http://schemas.microsoft.com/office/drawing/2014/main" id="{38D4E520-8007-473F-1EAD-F11A63BDDB6A}"/>
             </a:ext>
           </a:extLst>
@@ -718,7 +997,7 @@
 </p:notes>
 </file>
 
-<file path=ppt/notesSlides/notesSlide11.xml><?xml version="1.0" encoding="utf-8"?>
+<file path=ppt/notesSlides/notesSlide13.xml><?xml version="1.0" encoding="utf-8"?>
 <p:notes xmlns:a="http://schemas.openxmlformats.org/drawingml/2006/main" xmlns:r="http://schemas.openxmlformats.org/officeDocument/2006/relationships" xmlns:p="http://schemas.openxmlformats.org/presentationml/2006/main">
   <p:cSld>
     <p:spTree>
@@ -789,7 +1068,19 @@
           <a:p>
             <a:r>
               <a:rPr lang="en-US" dirty="0"/>
-              <a:t>Mushroom identification feature workflow</a:t>
+              <a:t>Workflow for </a:t>
+            </a:r>
+            <a:r>
+              <a:rPr lang="en-US" sz="1200" kern="1200" dirty="0">
+                <a:solidFill>
+                  <a:schemeClr val="tx1"/>
+                </a:solidFill>
+                <a:effectLst/>
+                <a:latin typeface="+mn-lt"/>
+                <a:ea typeface="+mn-ea"/>
+                <a:cs typeface="+mn-cs"/>
+              </a:rPr>
+              <a:t>Mushroom identification feature </a:t>
             </a:r>
           </a:p>
         </p:txBody>
@@ -836,7 +1127,7 @@
 </p:notes>
 </file>
 
-<file path=ppt/notesSlides/notesSlide12.xml><?xml version="1.0" encoding="utf-8"?>
+<file path=ppt/notesSlides/notesSlide14.xml><?xml version="1.0" encoding="utf-8"?>
 <p:notes xmlns:a="http://schemas.openxmlformats.org/drawingml/2006/main" xmlns:r="http://schemas.openxmlformats.org/officeDocument/2006/relationships" xmlns:p="http://schemas.openxmlformats.org/presentationml/2006/main">
   <p:cSld>
     <p:spTree>
@@ -907,7 +1198,7 @@
           <a:p>
             <a:r>
               <a:rPr lang="en-US" dirty="0"/>
-              <a:t>History feature workflow</a:t>
+              <a:t>Workflow for History feature</a:t>
             </a:r>
           </a:p>
         </p:txBody>
@@ -954,7 +1245,7 @@
 </p:notes>
 </file>
 
-<file path=ppt/notesSlides/notesSlide13.xml><?xml version="1.0" encoding="utf-8"?>
+<file path=ppt/notesSlides/notesSlide15.xml><?xml version="1.0" encoding="utf-8"?>
 <p:notes xmlns:a="http://schemas.openxmlformats.org/drawingml/2006/main" xmlns:r="http://schemas.openxmlformats.org/officeDocument/2006/relationships" xmlns:p="http://schemas.openxmlformats.org/presentationml/2006/main">
   <p:cSld>
     <p:spTree>
@@ -1042,11 +1333,8 @@
             </a:pPr>
             <a:r>
               <a:rPr lang="en-US" dirty="0"/>
-              <a:t>Search feature workflow</a:t>
+              <a:t>Workflow for  Search feature</a:t>
             </a:r>
-          </a:p>
-          <a:p>
-            <a:endParaRPr lang="en-US" dirty="0"/>
           </a:p>
         </p:txBody>
       </p:sp>
@@ -1092,7 +1380,7 @@
 </p:notes>
 </file>
 
-<file path=ppt/notesSlides/notesSlide14.xml><?xml version="1.0" encoding="utf-8"?>
+<file path=ppt/notesSlides/notesSlide16.xml><?xml version="1.0" encoding="utf-8"?>
 <p:notes xmlns:a="http://schemas.openxmlformats.org/drawingml/2006/main" xmlns:r="http://schemas.openxmlformats.org/officeDocument/2006/relationships" xmlns:p="http://schemas.openxmlformats.org/presentationml/2006/main">
   <p:cSld>
     <p:spTree>
@@ -1163,7 +1451,7 @@
           <a:p>
             <a:r>
               <a:rPr lang="en-US" dirty="0"/>
-              <a:t>Forage map feature workflow</a:t>
+              <a:t>Workflow for  Forage map feature</a:t>
             </a:r>
           </a:p>
         </p:txBody>
@@ -1201,197 +1489,6 @@
     <p:extLst>
       <p:ext uri="{BB962C8B-B14F-4D97-AF65-F5344CB8AC3E}">
         <p14:creationId xmlns:p14="http://schemas.microsoft.com/office/powerpoint/2010/main" val="2772146794"/>
-      </p:ext>
-    </p:extLst>
-  </p:cSld>
-  <p:clrMapOvr>
-    <a:masterClrMapping/>
-  </p:clrMapOvr>
-</p:notes>
-</file>
-
-<file path=ppt/notesSlides/notesSlide15.xml><?xml version="1.0" encoding="utf-8"?>
-<p:notes xmlns:a="http://schemas.openxmlformats.org/drawingml/2006/main" xmlns:r="http://schemas.openxmlformats.org/officeDocument/2006/relationships" xmlns:p="http://schemas.openxmlformats.org/presentationml/2006/main">
-  <p:cSld>
-    <p:spTree>
-      <p:nvGrpSpPr>
-        <p:cNvPr id="1" name=""/>
-        <p:cNvGrpSpPr/>
-        <p:nvPr/>
-      </p:nvGrpSpPr>
-      <p:grpSpPr>
-        <a:xfrm>
-          <a:off x="0" y="0"/>
-          <a:ext cx="0" cy="0"/>
-          <a:chOff x="0" y="0"/>
-          <a:chExt cx="0" cy="0"/>
-        </a:xfrm>
-      </p:grpSpPr>
-      <p:sp>
-        <p:nvSpPr>
-          <p:cNvPr id="2" name="Slide Image Placeholder 1"/>
-          <p:cNvSpPr>
-            <a:spLocks noGrp="1" noRot="1" noChangeAspect="1"/>
-          </p:cNvSpPr>
-          <p:nvPr>
-            <p:ph type="sldImg"/>
-          </p:nvPr>
-        </p:nvSpPr>
-        <p:spPr/>
-      </p:sp>
-      <p:sp>
-        <p:nvSpPr>
-          <p:cNvPr id="3" name="Notes Placeholder 2"/>
-          <p:cNvSpPr>
-            <a:spLocks noGrp="1"/>
-          </p:cNvSpPr>
-          <p:nvPr>
-            <p:ph type="body" idx="1"/>
-          </p:nvPr>
-        </p:nvSpPr>
-        <p:spPr/>
-        <p:txBody>
-          <a:bodyPr/>
-          <a:lstStyle/>
-          <a:p>
-            <a:pPr marL="0" marR="0" lvl="0" indent="0" algn="l" defTabSz="914400" rtl="0" eaLnBrk="1" fontAlgn="auto" latinLnBrk="0" hangingPunct="1">
-              <a:lnSpc>
-                <a:spcPct val="100000"/>
-              </a:lnSpc>
-              <a:spcBef>
-                <a:spcPts val="0"/>
-              </a:spcBef>
-              <a:spcAft>
-                <a:spcPts val="0"/>
-              </a:spcAft>
-              <a:buClrTx/>
-              <a:buSzTx/>
-              <a:buFontTx/>
-              <a:buNone/>
-              <a:tabLst/>
-              <a:defRPr/>
-            </a:pPr>
-            <a:r>
-              <a:rPr lang="en-US" dirty="0"/>
-              <a:t>The Model is evaluated on the metric of precision, recall and F1 score for each of the 80 classes</a:t>
-            </a:r>
-          </a:p>
-        </p:txBody>
-      </p:sp>
-      <p:sp>
-        <p:nvSpPr>
-          <p:cNvPr id="4" name="Slide Number Placeholder 3"/>
-          <p:cNvSpPr>
-            <a:spLocks noGrp="1"/>
-          </p:cNvSpPr>
-          <p:nvPr>
-            <p:ph type="sldNum" sz="quarter" idx="5"/>
-          </p:nvPr>
-        </p:nvSpPr>
-        <p:spPr/>
-        <p:txBody>
-          <a:bodyPr/>
-          <a:lstStyle/>
-          <a:p>
-            <a:fld id="{A67E2EB4-AAAC-4D92-8F4B-6C8B3AB9BD3F}" type="slidenum">
-              <a:rPr lang="vi-VN" smtClean="0"/>
-              <a:t>18</a:t>
-            </a:fld>
-            <a:endParaRPr lang="vi-VN"/>
-          </a:p>
-        </p:txBody>
-      </p:sp>
-    </p:spTree>
-    <p:extLst>
-      <p:ext uri="{BB962C8B-B14F-4D97-AF65-F5344CB8AC3E}">
-        <p14:creationId xmlns:p14="http://schemas.microsoft.com/office/powerpoint/2010/main" val="788247010"/>
-      </p:ext>
-    </p:extLst>
-  </p:cSld>
-  <p:clrMapOvr>
-    <a:masterClrMapping/>
-  </p:clrMapOvr>
-</p:notes>
-</file>
-
-<file path=ppt/notesSlides/notesSlide16.xml><?xml version="1.0" encoding="utf-8"?>
-<p:notes xmlns:a="http://schemas.openxmlformats.org/drawingml/2006/main" xmlns:r="http://schemas.openxmlformats.org/officeDocument/2006/relationships" xmlns:p="http://schemas.openxmlformats.org/presentationml/2006/main">
-  <p:cSld>
-    <p:spTree>
-      <p:nvGrpSpPr>
-        <p:cNvPr id="1" name=""/>
-        <p:cNvGrpSpPr/>
-        <p:nvPr/>
-      </p:nvGrpSpPr>
-      <p:grpSpPr>
-        <a:xfrm>
-          <a:off x="0" y="0"/>
-          <a:ext cx="0" cy="0"/>
-          <a:chOff x="0" y="0"/>
-          <a:chExt cx="0" cy="0"/>
-        </a:xfrm>
-      </p:grpSpPr>
-      <p:sp>
-        <p:nvSpPr>
-          <p:cNvPr id="2" name="Slide Image Placeholder 1"/>
-          <p:cNvSpPr>
-            <a:spLocks noGrp="1" noRot="1" noChangeAspect="1"/>
-          </p:cNvSpPr>
-          <p:nvPr>
-            <p:ph type="sldImg"/>
-          </p:nvPr>
-        </p:nvSpPr>
-        <p:spPr/>
-      </p:sp>
-      <p:sp>
-        <p:nvSpPr>
-          <p:cNvPr id="3" name="Notes Placeholder 2"/>
-          <p:cNvSpPr>
-            <a:spLocks noGrp="1"/>
-          </p:cNvSpPr>
-          <p:nvPr>
-            <p:ph type="body" idx="1"/>
-          </p:nvPr>
-        </p:nvSpPr>
-        <p:spPr/>
-        <p:txBody>
-          <a:bodyPr/>
-          <a:lstStyle/>
-          <a:p>
-            <a:r>
-              <a:rPr lang="en-US" dirty="0"/>
-              <a:t>then the average is calculated across all classes to ensure equal class contribution</a:t>
-            </a:r>
-          </a:p>
-        </p:txBody>
-      </p:sp>
-      <p:sp>
-        <p:nvSpPr>
-          <p:cNvPr id="4" name="Slide Number Placeholder 3"/>
-          <p:cNvSpPr>
-            <a:spLocks noGrp="1"/>
-          </p:cNvSpPr>
-          <p:nvPr>
-            <p:ph type="sldNum" sz="quarter" idx="5"/>
-          </p:nvPr>
-        </p:nvSpPr>
-        <p:spPr/>
-        <p:txBody>
-          <a:bodyPr/>
-          <a:lstStyle/>
-          <a:p>
-            <a:fld id="{A67E2EB4-AAAC-4D92-8F4B-6C8B3AB9BD3F}" type="slidenum">
-              <a:rPr lang="vi-VN" smtClean="0"/>
-              <a:t>19</a:t>
-            </a:fld>
-            <a:endParaRPr lang="vi-VN"/>
-          </a:p>
-        </p:txBody>
-      </p:sp>
-    </p:spTree>
-    <p:extLst>
-      <p:ext uri="{BB962C8B-B14F-4D97-AF65-F5344CB8AC3E}">
-        <p14:creationId xmlns:p14="http://schemas.microsoft.com/office/powerpoint/2010/main" val="3834063656"/>
       </p:ext>
     </p:extLst>
   </p:cSld>
@@ -1446,9 +1543,10 @@
           <a:lstStyle/>
           <a:p>
             <a:r>
-              <a:rPr lang="en-US" dirty="0"/>
-              <a:t>The AUC value also follows the same macro-averaging approach across all classes</a:t>
+              <a:rPr lang="en-US" sz="1200" dirty="0"/>
+              <a:t>Part 3: Implementation</a:t>
             </a:r>
+            <a:endParaRPr lang="en-US" dirty="0"/>
           </a:p>
         </p:txBody>
       </p:sp>
@@ -1469,7 +1567,7 @@
           <a:p>
             <a:fld id="{A67E2EB4-AAAC-4D92-8F4B-6C8B3AB9BD3F}" type="slidenum">
               <a:rPr lang="vi-VN" smtClean="0"/>
-              <a:t>20</a:t>
+              <a:t>17</a:t>
             </a:fld>
             <a:endParaRPr lang="vi-VN"/>
           </a:p>
@@ -1478,7 +1576,7 @@
     </p:spTree>
     <p:extLst>
       <p:ext uri="{BB962C8B-B14F-4D97-AF65-F5344CB8AC3E}">
-        <p14:creationId xmlns:p14="http://schemas.microsoft.com/office/powerpoint/2010/main" val="2308930790"/>
+        <p14:creationId xmlns:p14="http://schemas.microsoft.com/office/powerpoint/2010/main" val="1870285652"/>
       </p:ext>
     </p:extLst>
   </p:cSld>
@@ -1532,9 +1630,26 @@
           <a:bodyPr/>
           <a:lstStyle/>
           <a:p>
+            <a:pPr marL="0" marR="0" lvl="0" indent="0" algn="l" defTabSz="914400" rtl="0" eaLnBrk="1" fontAlgn="auto" latinLnBrk="0" hangingPunct="1">
+              <a:lnSpc>
+                <a:spcPct val="100000"/>
+              </a:lnSpc>
+              <a:spcBef>
+                <a:spcPts val="0"/>
+              </a:spcBef>
+              <a:spcAft>
+                <a:spcPts val="0"/>
+              </a:spcAft>
+              <a:buClrTx/>
+              <a:buSzTx/>
+              <a:buFontTx/>
+              <a:buNone/>
+              <a:tabLst/>
+              <a:defRPr/>
+            </a:pPr>
             <a:r>
               <a:rPr lang="en-US" dirty="0"/>
-              <a:t>The result of the implementation has the ViT model achieved consistently higher scores, than all baseline models on the custom dataset</a:t>
+              <a:t>The Model is evaluated on the metric of precision, recall and F1 score for each of the 80 classes</a:t>
             </a:r>
           </a:p>
         </p:txBody>
@@ -1556,7 +1671,7 @@
           <a:p>
             <a:fld id="{A67E2EB4-AAAC-4D92-8F4B-6C8B3AB9BD3F}" type="slidenum">
               <a:rPr lang="vi-VN" smtClean="0"/>
-              <a:t>21</a:t>
+              <a:t>18</a:t>
             </a:fld>
             <a:endParaRPr lang="vi-VN"/>
           </a:p>
@@ -1565,7 +1680,7 @@
     </p:spTree>
     <p:extLst>
       <p:ext uri="{BB962C8B-B14F-4D97-AF65-F5344CB8AC3E}">
-        <p14:creationId xmlns:p14="http://schemas.microsoft.com/office/powerpoint/2010/main" val="1293125216"/>
+        <p14:creationId xmlns:p14="http://schemas.microsoft.com/office/powerpoint/2010/main" val="788247010"/>
       </p:ext>
     </p:extLst>
   </p:cSld>
@@ -1621,7 +1736,7 @@
           <a:p>
             <a:r>
               <a:rPr lang="en-US" dirty="0"/>
-              <a:t>The following slides are result of the UI implementation for the Mushroom identification feature,</a:t>
+              <a:t>then the average is calculated across all classes to ensure equal class contribution</a:t>
             </a:r>
           </a:p>
         </p:txBody>
@@ -1643,7 +1758,7 @@
           <a:p>
             <a:fld id="{A67E2EB4-AAAC-4D92-8F4B-6C8B3AB9BD3F}" type="slidenum">
               <a:rPr lang="vi-VN" smtClean="0"/>
-              <a:t>22</a:t>
+              <a:t>19</a:t>
             </a:fld>
             <a:endParaRPr lang="vi-VN"/>
           </a:p>
@@ -1652,7 +1767,7 @@
     </p:spTree>
     <p:extLst>
       <p:ext uri="{BB962C8B-B14F-4D97-AF65-F5344CB8AC3E}">
-        <p14:creationId xmlns:p14="http://schemas.microsoft.com/office/powerpoint/2010/main" val="663648047"/>
+        <p14:creationId xmlns:p14="http://schemas.microsoft.com/office/powerpoint/2010/main" val="3834063656"/>
       </p:ext>
     </p:extLst>
   </p:cSld>
@@ -1717,7 +1832,7 @@
               <a:rPr lang="en-US" dirty="0">
                 <a:effectLst/>
               </a:rPr>
-              <a:t>The presentation is consists of 4 parts:</a:t>
+              <a:t>The presentation consists of 4 parts:</a:t>
             </a:r>
           </a:p>
           <a:p>
@@ -1741,7 +1856,7 @@
           <a:p>
             <a:r>
               <a:rPr lang="en-US" dirty="0"/>
-              <a:t>4. And finally the Conclusion</a:t>
+              <a:t>4. And finally, the Conclusion</a:t>
             </a:r>
           </a:p>
           <a:p>
@@ -1831,7 +1946,7 @@
           <a:p>
             <a:r>
               <a:rPr lang="en-US" dirty="0"/>
-              <a:t>History feature</a:t>
+              <a:t>The AUC value also follows the same macro-averaging approach across all classes</a:t>
             </a:r>
           </a:p>
         </p:txBody>
@@ -1853,7 +1968,7 @@
           <a:p>
             <a:fld id="{A67E2EB4-AAAC-4D92-8F4B-6C8B3AB9BD3F}" type="slidenum">
               <a:rPr lang="vi-VN" smtClean="0"/>
-              <a:t>23</a:t>
+              <a:t>20</a:t>
             </a:fld>
             <a:endParaRPr lang="vi-VN"/>
           </a:p>
@@ -1862,7 +1977,7 @@
     </p:spTree>
     <p:extLst>
       <p:ext uri="{BB962C8B-B14F-4D97-AF65-F5344CB8AC3E}">
-        <p14:creationId xmlns:p14="http://schemas.microsoft.com/office/powerpoint/2010/main" val="2430927582"/>
+        <p14:creationId xmlns:p14="http://schemas.microsoft.com/office/powerpoint/2010/main" val="2308930790"/>
       </p:ext>
     </p:extLst>
   </p:cSld>
@@ -1918,7 +2033,7 @@
           <a:p>
             <a:r>
               <a:rPr lang="en-US" dirty="0"/>
-              <a:t>Search feature</a:t>
+              <a:t>The result of the implementation has the ViT model perform consistently higher than all baseline models on the custom dataset  </a:t>
             </a:r>
           </a:p>
         </p:txBody>
@@ -1940,7 +2055,7 @@
           <a:p>
             <a:fld id="{A67E2EB4-AAAC-4D92-8F4B-6C8B3AB9BD3F}" type="slidenum">
               <a:rPr lang="vi-VN" smtClean="0"/>
-              <a:t>24</a:t>
+              <a:t>21</a:t>
             </a:fld>
             <a:endParaRPr lang="vi-VN"/>
           </a:p>
@@ -1949,7 +2064,7 @@
     </p:spTree>
     <p:extLst>
       <p:ext uri="{BB962C8B-B14F-4D97-AF65-F5344CB8AC3E}">
-        <p14:creationId xmlns:p14="http://schemas.microsoft.com/office/powerpoint/2010/main" val="3207475728"/>
+        <p14:creationId xmlns:p14="http://schemas.microsoft.com/office/powerpoint/2010/main" val="1293125216"/>
       </p:ext>
     </p:extLst>
   </p:cSld>
@@ -2005,7 +2120,7 @@
           <a:p>
             <a:r>
               <a:rPr lang="en-US" dirty="0"/>
-              <a:t>And finally the forage map feature</a:t>
+              <a:t>The following slides are result of the UI implementation for the Mushroom identification feature,</a:t>
             </a:r>
           </a:p>
         </p:txBody>
@@ -2027,7 +2142,7 @@
           <a:p>
             <a:fld id="{A67E2EB4-AAAC-4D92-8F4B-6C8B3AB9BD3F}" type="slidenum">
               <a:rPr lang="vi-VN" smtClean="0"/>
-              <a:t>25</a:t>
+              <a:t>22</a:t>
             </a:fld>
             <a:endParaRPr lang="vi-VN"/>
           </a:p>
@@ -2036,7 +2151,7 @@
     </p:spTree>
     <p:extLst>
       <p:ext uri="{BB962C8B-B14F-4D97-AF65-F5344CB8AC3E}">
-        <p14:creationId xmlns:p14="http://schemas.microsoft.com/office/powerpoint/2010/main" val="3416150422"/>
+        <p14:creationId xmlns:p14="http://schemas.microsoft.com/office/powerpoint/2010/main" val="663648047"/>
       </p:ext>
     </p:extLst>
   </p:cSld>
@@ -2074,13 +2189,6 @@
           </p:nvPr>
         </p:nvSpPr>
         <p:spPr/>
-        <p:txBody>
-          <a:bodyPr/>
-          <a:lstStyle/>
-          <a:p>
-            <a:endParaRPr lang="en-US"/>
-          </a:p>
-        </p:txBody>
       </p:sp>
       <p:sp>
         <p:nvSpPr>
@@ -2097,234 +2205,10 @@
           <a:bodyPr/>
           <a:lstStyle/>
           <a:p>
-            <a:pPr marL="0" marR="0" lvl="0" indent="0" algn="l" defTabSz="914400" rtl="0" eaLnBrk="1" fontAlgn="auto" latinLnBrk="0" hangingPunct="1">
-              <a:lnSpc>
-                <a:spcPct val="100000"/>
-              </a:lnSpc>
-              <a:spcBef>
-                <a:spcPts val="0"/>
-              </a:spcBef>
-              <a:spcAft>
-                <a:spcPts val="0"/>
-              </a:spcAft>
-              <a:buClrTx/>
-              <a:buSzTx/>
-              <a:buFontTx/>
-              <a:buNone/>
-              <a:tabLst/>
-              <a:defRPr/>
-            </a:pPr>
             <a:r>
               <a:rPr lang="en-US" dirty="0"/>
-              <a:t>ACHIVED:</a:t>
+              <a:t>History feature</a:t>
             </a:r>
-          </a:p>
-          <a:p>
-            <a:pPr marL="0" marR="0" lvl="0" indent="0" algn="l" defTabSz="914400" rtl="0" eaLnBrk="1" fontAlgn="auto" latinLnBrk="0" hangingPunct="1">
-              <a:lnSpc>
-                <a:spcPct val="100000"/>
-              </a:lnSpc>
-              <a:spcBef>
-                <a:spcPts val="0"/>
-              </a:spcBef>
-              <a:spcAft>
-                <a:spcPts val="0"/>
-              </a:spcAft>
-              <a:buClrTx/>
-              <a:buSzTx/>
-              <a:buFontTx/>
-              <a:buNone/>
-              <a:tabLst/>
-              <a:defRPr/>
-            </a:pPr>
-            <a:r>
-              <a:rPr lang="en-US" dirty="0"/>
-              <a:t>In the end, the thesis </a:t>
-            </a:r>
-            <a:r>
-              <a:rPr lang="en-US" dirty="0">
-                <a:effectLst/>
-              </a:rPr>
-              <a:t>successfully delivered a beginner-friendly Android application that features:</a:t>
-            </a:r>
-            <a:br>
-              <a:rPr lang="en-US" dirty="0">
-                <a:effectLst/>
-              </a:rPr>
-            </a:br>
-            <a:r>
-              <a:rPr lang="en-US" dirty="0">
-                <a:effectLst/>
-              </a:rPr>
-              <a:t>1. Real-time image recognition with local result storage, </a:t>
-            </a:r>
-          </a:p>
-          <a:p>
-            <a:pPr marL="0" marR="0" lvl="0" indent="0" algn="l" defTabSz="914400" rtl="0" eaLnBrk="1" fontAlgn="auto" latinLnBrk="0" hangingPunct="1">
-              <a:lnSpc>
-                <a:spcPct val="100000"/>
-              </a:lnSpc>
-              <a:spcBef>
-                <a:spcPts val="0"/>
-              </a:spcBef>
-              <a:spcAft>
-                <a:spcPts val="0"/>
-              </a:spcAft>
-              <a:buClrTx/>
-              <a:buSzTx/>
-              <a:buFontTx/>
-              <a:buNone/>
-              <a:tabLst/>
-              <a:defRPr/>
-            </a:pPr>
-            <a:r>
-              <a:rPr lang="en-US" dirty="0">
-                <a:effectLst/>
-              </a:rPr>
-              <a:t>2. A Keyword-searchable mushroom feature</a:t>
-            </a:r>
-          </a:p>
-          <a:p>
-            <a:pPr marL="0" marR="0" lvl="0" indent="0" algn="l" defTabSz="914400" rtl="0" eaLnBrk="1" fontAlgn="auto" latinLnBrk="0" hangingPunct="1">
-              <a:lnSpc>
-                <a:spcPct val="100000"/>
-              </a:lnSpc>
-              <a:spcBef>
-                <a:spcPts val="0"/>
-              </a:spcBef>
-              <a:spcAft>
-                <a:spcPts val="0"/>
-              </a:spcAft>
-              <a:buClrTx/>
-              <a:buSzTx/>
-              <a:buFontTx/>
-              <a:buNone/>
-              <a:tabLst/>
-              <a:defRPr/>
-            </a:pPr>
-            <a:r>
-              <a:rPr lang="en-US" dirty="0">
-                <a:effectLst/>
-              </a:rPr>
-              <a:t>3. And an interactive map integrated with iNaturalist API.</a:t>
-            </a:r>
-          </a:p>
-          <a:p>
-            <a:endParaRPr lang="en-US" dirty="0"/>
-          </a:p>
-          <a:p>
-            <a:pPr marL="0" marR="0" lvl="0" indent="0" algn="l" defTabSz="914400" rtl="0" eaLnBrk="1" fontAlgn="auto" latinLnBrk="0" hangingPunct="1">
-              <a:lnSpc>
-                <a:spcPct val="100000"/>
-              </a:lnSpc>
-              <a:spcBef>
-                <a:spcPts val="0"/>
-              </a:spcBef>
-              <a:spcAft>
-                <a:spcPts val="0"/>
-              </a:spcAft>
-              <a:buClrTx/>
-              <a:buSzTx/>
-              <a:buFontTx/>
-              <a:buNone/>
-              <a:tabLst/>
-              <a:defRPr/>
-            </a:pPr>
-            <a:r>
-              <a:rPr lang="en-US" dirty="0"/>
-              <a:t>LIMITATIONS:</a:t>
-            </a:r>
-            <a:br>
-              <a:rPr lang="en-US" dirty="0"/>
-            </a:br>
-            <a:r>
-              <a:rPr lang="en-US" dirty="0"/>
-              <a:t>As for the </a:t>
-            </a:r>
-            <a:r>
-              <a:rPr lang="en-US" dirty="0">
-                <a:effectLst/>
-              </a:rPr>
-              <a:t>limitations which include:</a:t>
-            </a:r>
-          </a:p>
-          <a:p>
-            <a:pPr marL="228600" marR="0" lvl="0" indent="-228600" algn="l" defTabSz="914400" rtl="0" eaLnBrk="1" fontAlgn="auto" latinLnBrk="0" hangingPunct="1">
-              <a:lnSpc>
-                <a:spcPct val="100000"/>
-              </a:lnSpc>
-              <a:spcBef>
-                <a:spcPts val="0"/>
-              </a:spcBef>
-              <a:spcAft>
-                <a:spcPts val="0"/>
-              </a:spcAft>
-              <a:buClrTx/>
-              <a:buSzTx/>
-              <a:buFontTx/>
-              <a:buAutoNum type="arabicPeriod"/>
-              <a:tabLst/>
-              <a:defRPr/>
-            </a:pPr>
-            <a:r>
-              <a:rPr lang="en-US" dirty="0">
-                <a:effectLst/>
-              </a:rPr>
-              <a:t>A relatively constrained dataset, </a:t>
-            </a:r>
-          </a:p>
-          <a:p>
-            <a:pPr marL="228600" marR="0" lvl="0" indent="-228600" algn="l" defTabSz="914400" rtl="0" eaLnBrk="1" fontAlgn="auto" latinLnBrk="0" hangingPunct="1">
-              <a:lnSpc>
-                <a:spcPct val="100000"/>
-              </a:lnSpc>
-              <a:spcBef>
-                <a:spcPts val="0"/>
-              </a:spcBef>
-              <a:spcAft>
-                <a:spcPts val="0"/>
-              </a:spcAft>
-              <a:buClrTx/>
-              <a:buSzTx/>
-              <a:buFontTx/>
-              <a:buAutoNum type="arabicPeriod"/>
-              <a:tabLst/>
-              <a:defRPr/>
-            </a:pPr>
-            <a:r>
-              <a:rPr lang="en-US" dirty="0">
-                <a:effectLst/>
-              </a:rPr>
-              <a:t>Low accuracy on certain classes,</a:t>
-            </a:r>
-          </a:p>
-          <a:p>
-            <a:pPr marL="228600" marR="0" lvl="0" indent="-228600" algn="l" defTabSz="914400" rtl="0" eaLnBrk="1" fontAlgn="auto" latinLnBrk="0" hangingPunct="1">
-              <a:lnSpc>
-                <a:spcPct val="100000"/>
-              </a:lnSpc>
-              <a:spcBef>
-                <a:spcPts val="0"/>
-              </a:spcBef>
-              <a:spcAft>
-                <a:spcPts val="0"/>
-              </a:spcAft>
-              <a:buClrTx/>
-              <a:buSzTx/>
-              <a:buFontTx/>
-              <a:buAutoNum type="arabicPeriod"/>
-              <a:tabLst/>
-              <a:defRPr/>
-            </a:pPr>
-            <a:r>
-              <a:rPr lang="en-US" dirty="0">
-                <a:effectLst/>
-              </a:rPr>
-              <a:t>And some features remain underdeveloped.</a:t>
-            </a:r>
-          </a:p>
-          <a:p>
-            <a:endParaRPr lang="vi-VN" dirty="0"/>
           </a:p>
         </p:txBody>
       </p:sp>
@@ -2345,7 +2229,7 @@
           <a:p>
             <a:fld id="{A67E2EB4-AAAC-4D92-8F4B-6C8B3AB9BD3F}" type="slidenum">
               <a:rPr lang="vi-VN" smtClean="0"/>
-              <a:t>27</a:t>
+              <a:t>23</a:t>
             </a:fld>
             <a:endParaRPr lang="vi-VN"/>
           </a:p>
@@ -2354,7 +2238,7 @@
     </p:spTree>
     <p:extLst>
       <p:ext uri="{BB962C8B-B14F-4D97-AF65-F5344CB8AC3E}">
-        <p14:creationId xmlns:p14="http://schemas.microsoft.com/office/powerpoint/2010/main" val="2167281020"/>
+        <p14:creationId xmlns:p14="http://schemas.microsoft.com/office/powerpoint/2010/main" val="2430927582"/>
       </p:ext>
     </p:extLst>
   </p:cSld>
@@ -2392,13 +2276,6 @@
           </p:nvPr>
         </p:nvSpPr>
         <p:spPr/>
-        <p:txBody>
-          <a:bodyPr/>
-          <a:lstStyle/>
-          <a:p>
-            <a:endParaRPr lang="en-US"/>
-          </a:p>
-        </p:txBody>
       </p:sp>
       <p:sp>
         <p:nvSpPr>
@@ -2416,73 +2293,9 @@
           <a:lstStyle/>
           <a:p>
             <a:r>
-              <a:rPr lang="en-US" dirty="0">
-                <a:effectLst/>
-              </a:rPr>
-              <a:t>For future improvements, I plan to:</a:t>
+              <a:rPr lang="en-US" dirty="0"/>
+              <a:t>Search feature</a:t>
             </a:r>
-          </a:p>
-          <a:p>
-            <a:endParaRPr lang="en-US" dirty="0">
-              <a:effectLst/>
-            </a:endParaRPr>
-          </a:p>
-          <a:p>
-            <a:pPr marL="0" indent="0">
-              <a:buFont typeface="Arial" panose="020B0604020202020204" pitchFamily="34" charset="0"/>
-              <a:buNone/>
-            </a:pPr>
-            <a:r>
-              <a:rPr lang="en-US" sz="1200" noProof="0" dirty="0"/>
-              <a:t>1. Expand recognition feature other wild edibles.</a:t>
-            </a:r>
-            <a:endParaRPr lang="en-US" sz="1200" dirty="0"/>
-          </a:p>
-          <a:p>
-            <a:pPr marL="0" indent="0">
-              <a:buFont typeface="Arial" panose="020B0604020202020204" pitchFamily="34" charset="0"/>
-              <a:buNone/>
-            </a:pPr>
-            <a:r>
-              <a:rPr lang="en-US" sz="1200" dirty="0"/>
-              <a:t>2. Use larger ViT variants for better performance.</a:t>
-            </a:r>
-          </a:p>
-          <a:p>
-            <a:pPr marL="0" indent="0">
-              <a:buFont typeface="Arial" panose="020B0604020202020204" pitchFamily="34" charset="0"/>
-              <a:buNone/>
-            </a:pPr>
-            <a:r>
-              <a:rPr lang="en-US" sz="1200" dirty="0"/>
-              <a:t>3. Improve the dataset and augmentation strategy to reduce overfitting.</a:t>
-            </a:r>
-          </a:p>
-          <a:p>
-            <a:pPr marL="0" indent="0">
-              <a:buFont typeface="Arial" panose="020B0604020202020204" pitchFamily="34" charset="0"/>
-              <a:buNone/>
-            </a:pPr>
-            <a:r>
-              <a:rPr lang="en-US" sz="1200" dirty="0"/>
-              <a:t>4. Upgrade keyword search feature to a chatbot.</a:t>
-            </a:r>
-          </a:p>
-          <a:p>
-            <a:pPr marL="0" indent="0">
-              <a:buFont typeface="Arial" panose="020B0604020202020204" pitchFamily="34" charset="0"/>
-              <a:buNone/>
-            </a:pPr>
-            <a:r>
-              <a:rPr lang="en-US" sz="1200" dirty="0"/>
-              <a:t>5. Add a user-submitted observation to iNaturalist feature to the forage map.</a:t>
-            </a:r>
-          </a:p>
-          <a:p>
-            <a:pPr marL="0" indent="0">
-              <a:buNone/>
-            </a:pPr>
-            <a:endParaRPr lang="en-US" dirty="0"/>
           </a:p>
         </p:txBody>
       </p:sp>
@@ -2503,7 +2316,7 @@
           <a:p>
             <a:fld id="{A67E2EB4-AAAC-4D92-8F4B-6C8B3AB9BD3F}" type="slidenum">
               <a:rPr lang="vi-VN" smtClean="0"/>
-              <a:t>28</a:t>
+              <a:t>24</a:t>
             </a:fld>
             <a:endParaRPr lang="vi-VN"/>
           </a:p>
@@ -2512,7 +2325,7 @@
     </p:spTree>
     <p:extLst>
       <p:ext uri="{BB962C8B-B14F-4D97-AF65-F5344CB8AC3E}">
-        <p14:creationId xmlns:p14="http://schemas.microsoft.com/office/powerpoint/2010/main" val="2855441045"/>
+        <p14:creationId xmlns:p14="http://schemas.microsoft.com/office/powerpoint/2010/main" val="3207475728"/>
       </p:ext>
     </p:extLst>
   </p:cSld>
@@ -2567,19 +2380,8 @@
           <a:lstStyle/>
           <a:p>
             <a:r>
-              <a:rPr lang="en-US" dirty="0">
-                <a:effectLst/>
-              </a:rPr>
-              <a:t>This concludes my presentation.</a:t>
-            </a:r>
-          </a:p>
-          <a:p>
-            <a:endParaRPr lang="en-US" dirty="0"/>
-          </a:p>
-          <a:p>
-            <a:r>
               <a:rPr lang="en-US" dirty="0"/>
-              <a:t>Thank you for listening</a:t>
+              <a:t>And finally, the forage map feature</a:t>
             </a:r>
           </a:p>
         </p:txBody>
@@ -2601,6 +2403,668 @@
           <a:p>
             <a:fld id="{A67E2EB4-AAAC-4D92-8F4B-6C8B3AB9BD3F}" type="slidenum">
               <a:rPr lang="vi-VN" smtClean="0"/>
+              <a:t>25</a:t>
+            </a:fld>
+            <a:endParaRPr lang="vi-VN"/>
+          </a:p>
+        </p:txBody>
+      </p:sp>
+    </p:spTree>
+    <p:extLst>
+      <p:ext uri="{BB962C8B-B14F-4D97-AF65-F5344CB8AC3E}">
+        <p14:creationId xmlns:p14="http://schemas.microsoft.com/office/powerpoint/2010/main" val="3416150422"/>
+      </p:ext>
+    </p:extLst>
+  </p:cSld>
+  <p:clrMapOvr>
+    <a:masterClrMapping/>
+  </p:clrMapOvr>
+</p:notes>
+</file>
+
+<file path=ppt/notesSlides/notesSlide26.xml><?xml version="1.0" encoding="utf-8"?>
+<p:notes xmlns:a="http://schemas.openxmlformats.org/drawingml/2006/main" xmlns:r="http://schemas.openxmlformats.org/officeDocument/2006/relationships" xmlns:p="http://schemas.openxmlformats.org/presentationml/2006/main">
+  <p:cSld>
+    <p:spTree>
+      <p:nvGrpSpPr>
+        <p:cNvPr id="1" name=""/>
+        <p:cNvGrpSpPr/>
+        <p:nvPr/>
+      </p:nvGrpSpPr>
+      <p:grpSpPr>
+        <a:xfrm>
+          <a:off x="0" y="0"/>
+          <a:ext cx="0" cy="0"/>
+          <a:chOff x="0" y="0"/>
+          <a:chExt cx="0" cy="0"/>
+        </a:xfrm>
+      </p:grpSpPr>
+      <p:sp>
+        <p:nvSpPr>
+          <p:cNvPr id="2" name="Slide Image Placeholder 1"/>
+          <p:cNvSpPr>
+            <a:spLocks noGrp="1" noRot="1" noChangeAspect="1"/>
+          </p:cNvSpPr>
+          <p:nvPr>
+            <p:ph type="sldImg"/>
+          </p:nvPr>
+        </p:nvSpPr>
+        <p:spPr/>
+      </p:sp>
+      <p:sp>
+        <p:nvSpPr>
+          <p:cNvPr id="3" name="Notes Placeholder 2"/>
+          <p:cNvSpPr>
+            <a:spLocks noGrp="1"/>
+          </p:cNvSpPr>
+          <p:nvPr>
+            <p:ph type="body" idx="1"/>
+          </p:nvPr>
+        </p:nvSpPr>
+        <p:spPr/>
+        <p:txBody>
+          <a:bodyPr/>
+          <a:lstStyle/>
+          <a:p>
+            <a:r>
+              <a:rPr lang="en-US" sz="1200" dirty="0"/>
+              <a:t>Part 4: Conclusion</a:t>
+            </a:r>
+            <a:endParaRPr lang="en-US" dirty="0"/>
+          </a:p>
+        </p:txBody>
+      </p:sp>
+      <p:sp>
+        <p:nvSpPr>
+          <p:cNvPr id="4" name="Slide Number Placeholder 3"/>
+          <p:cNvSpPr>
+            <a:spLocks noGrp="1"/>
+          </p:cNvSpPr>
+          <p:nvPr>
+            <p:ph type="sldNum" sz="quarter" idx="5"/>
+          </p:nvPr>
+        </p:nvSpPr>
+        <p:spPr/>
+        <p:txBody>
+          <a:bodyPr/>
+          <a:lstStyle/>
+          <a:p>
+            <a:fld id="{A67E2EB4-AAAC-4D92-8F4B-6C8B3AB9BD3F}" type="slidenum">
+              <a:rPr lang="vi-VN" smtClean="0"/>
+              <a:t>26</a:t>
+            </a:fld>
+            <a:endParaRPr lang="vi-VN"/>
+          </a:p>
+        </p:txBody>
+      </p:sp>
+    </p:spTree>
+    <p:extLst>
+      <p:ext uri="{BB962C8B-B14F-4D97-AF65-F5344CB8AC3E}">
+        <p14:creationId xmlns:p14="http://schemas.microsoft.com/office/powerpoint/2010/main" val="396751532"/>
+      </p:ext>
+    </p:extLst>
+  </p:cSld>
+  <p:clrMapOvr>
+    <a:masterClrMapping/>
+  </p:clrMapOvr>
+</p:notes>
+</file>
+
+<file path=ppt/notesSlides/notesSlide27.xml><?xml version="1.0" encoding="utf-8"?>
+<p:notes xmlns:a="http://schemas.openxmlformats.org/drawingml/2006/main" xmlns:r="http://schemas.openxmlformats.org/officeDocument/2006/relationships" xmlns:p="http://schemas.openxmlformats.org/presentationml/2006/main">
+  <p:cSld>
+    <p:spTree>
+      <p:nvGrpSpPr>
+        <p:cNvPr id="1" name=""/>
+        <p:cNvGrpSpPr/>
+        <p:nvPr/>
+      </p:nvGrpSpPr>
+      <p:grpSpPr>
+        <a:xfrm>
+          <a:off x="0" y="0"/>
+          <a:ext cx="0" cy="0"/>
+          <a:chOff x="0" y="0"/>
+          <a:chExt cx="0" cy="0"/>
+        </a:xfrm>
+      </p:grpSpPr>
+      <p:sp>
+        <p:nvSpPr>
+          <p:cNvPr id="2" name="Slide Image Placeholder 1"/>
+          <p:cNvSpPr>
+            <a:spLocks noGrp="1" noRot="1" noChangeAspect="1"/>
+          </p:cNvSpPr>
+          <p:nvPr>
+            <p:ph type="sldImg"/>
+          </p:nvPr>
+        </p:nvSpPr>
+        <p:spPr/>
+        <p:txBody>
+          <a:bodyPr/>
+          <a:lstStyle/>
+          <a:p>
+            <a:endParaRPr lang="en-US"/>
+          </a:p>
+        </p:txBody>
+      </p:sp>
+      <p:sp>
+        <p:nvSpPr>
+          <p:cNvPr id="3" name="Notes Placeholder 2"/>
+          <p:cNvSpPr>
+            <a:spLocks noGrp="1"/>
+          </p:cNvSpPr>
+          <p:nvPr>
+            <p:ph type="body" idx="1"/>
+          </p:nvPr>
+        </p:nvSpPr>
+        <p:spPr/>
+        <p:txBody>
+          <a:bodyPr/>
+          <a:lstStyle/>
+          <a:p>
+            <a:pPr marL="0" marR="0" lvl="0" indent="0" algn="l" defTabSz="914400" rtl="0" eaLnBrk="1" fontAlgn="auto" latinLnBrk="0" hangingPunct="1">
+              <a:lnSpc>
+                <a:spcPct val="100000"/>
+              </a:lnSpc>
+              <a:spcBef>
+                <a:spcPts val="0"/>
+              </a:spcBef>
+              <a:spcAft>
+                <a:spcPts val="0"/>
+              </a:spcAft>
+              <a:buClrTx/>
+              <a:buSzTx/>
+              <a:buFontTx/>
+              <a:buNone/>
+              <a:tabLst/>
+              <a:defRPr/>
+            </a:pPr>
+            <a:r>
+              <a:rPr lang="en-US" dirty="0"/>
+              <a:t>ACHIVED:</a:t>
+            </a:r>
+          </a:p>
+          <a:p>
+            <a:pPr marL="0" marR="0" lvl="0" indent="0" algn="l" defTabSz="914400" rtl="0" eaLnBrk="1" fontAlgn="auto" latinLnBrk="0" hangingPunct="1">
+              <a:lnSpc>
+                <a:spcPct val="100000"/>
+              </a:lnSpc>
+              <a:spcBef>
+                <a:spcPts val="0"/>
+              </a:spcBef>
+              <a:spcAft>
+                <a:spcPts val="0"/>
+              </a:spcAft>
+              <a:buClrTx/>
+              <a:buSzTx/>
+              <a:buFontTx/>
+              <a:buNone/>
+              <a:tabLst/>
+              <a:defRPr/>
+            </a:pPr>
+            <a:r>
+              <a:rPr lang="en-US" dirty="0"/>
+              <a:t>In the end, the thesis </a:t>
+            </a:r>
+            <a:r>
+              <a:rPr lang="en-US" dirty="0">
+                <a:effectLst/>
+              </a:rPr>
+              <a:t>successfully delivered a beginner-friendly Android application that features:</a:t>
+            </a:r>
+            <a:br>
+              <a:rPr lang="en-US" dirty="0">
+                <a:effectLst/>
+              </a:rPr>
+            </a:br>
+            <a:r>
+              <a:rPr lang="en-US" dirty="0">
+                <a:effectLst/>
+              </a:rPr>
+              <a:t>1. A real-time image recognition with local storage, </a:t>
+            </a:r>
+          </a:p>
+          <a:p>
+            <a:pPr marL="0" marR="0" lvl="0" indent="0" algn="l" defTabSz="914400" rtl="0" eaLnBrk="1" fontAlgn="auto" latinLnBrk="0" hangingPunct="1">
+              <a:lnSpc>
+                <a:spcPct val="100000"/>
+              </a:lnSpc>
+              <a:spcBef>
+                <a:spcPts val="0"/>
+              </a:spcBef>
+              <a:spcAft>
+                <a:spcPts val="0"/>
+              </a:spcAft>
+              <a:buClrTx/>
+              <a:buSzTx/>
+              <a:buFontTx/>
+              <a:buNone/>
+              <a:tabLst/>
+              <a:defRPr/>
+            </a:pPr>
+            <a:r>
+              <a:rPr lang="en-US" dirty="0">
+                <a:effectLst/>
+              </a:rPr>
+              <a:t>2. A Keyword-searchable mushroom feature</a:t>
+            </a:r>
+          </a:p>
+          <a:p>
+            <a:pPr marL="0" marR="0" lvl="0" indent="0" algn="l" defTabSz="914400" rtl="0" eaLnBrk="1" fontAlgn="auto" latinLnBrk="0" hangingPunct="1">
+              <a:lnSpc>
+                <a:spcPct val="100000"/>
+              </a:lnSpc>
+              <a:spcBef>
+                <a:spcPts val="0"/>
+              </a:spcBef>
+              <a:spcAft>
+                <a:spcPts val="0"/>
+              </a:spcAft>
+              <a:buClrTx/>
+              <a:buSzTx/>
+              <a:buFontTx/>
+              <a:buNone/>
+              <a:tabLst/>
+              <a:defRPr/>
+            </a:pPr>
+            <a:r>
+              <a:rPr lang="en-US" dirty="0">
+                <a:effectLst/>
+              </a:rPr>
+              <a:t>3. And an interactive map integrated with iNaturalist API.</a:t>
+            </a:r>
+          </a:p>
+          <a:p>
+            <a:endParaRPr lang="en-US" dirty="0"/>
+          </a:p>
+          <a:p>
+            <a:pPr marL="0" marR="0" lvl="0" indent="0" algn="l" defTabSz="914400" rtl="0" eaLnBrk="1" fontAlgn="auto" latinLnBrk="0" hangingPunct="1">
+              <a:lnSpc>
+                <a:spcPct val="100000"/>
+              </a:lnSpc>
+              <a:spcBef>
+                <a:spcPts val="0"/>
+              </a:spcBef>
+              <a:spcAft>
+                <a:spcPts val="0"/>
+              </a:spcAft>
+              <a:buClrTx/>
+              <a:buSzTx/>
+              <a:buFontTx/>
+              <a:buNone/>
+              <a:tabLst/>
+              <a:defRPr/>
+            </a:pPr>
+            <a:r>
+              <a:rPr lang="en-US" dirty="0"/>
+              <a:t>LIMITATIONS:</a:t>
+            </a:r>
+            <a:br>
+              <a:rPr lang="en-US" dirty="0"/>
+            </a:br>
+            <a:r>
+              <a:rPr lang="en-US" dirty="0"/>
+              <a:t>As for the </a:t>
+            </a:r>
+            <a:r>
+              <a:rPr lang="en-US" dirty="0">
+                <a:effectLst/>
+              </a:rPr>
+              <a:t>limitations which include:</a:t>
+            </a:r>
+          </a:p>
+          <a:p>
+            <a:pPr marL="228600" marR="0" lvl="0" indent="-228600" algn="l" defTabSz="914400" rtl="0" eaLnBrk="1" fontAlgn="auto" latinLnBrk="0" hangingPunct="1">
+              <a:lnSpc>
+                <a:spcPct val="100000"/>
+              </a:lnSpc>
+              <a:spcBef>
+                <a:spcPts val="0"/>
+              </a:spcBef>
+              <a:spcAft>
+                <a:spcPts val="0"/>
+              </a:spcAft>
+              <a:buClrTx/>
+              <a:buSzTx/>
+              <a:buFontTx/>
+              <a:buAutoNum type="arabicPeriod"/>
+              <a:tabLst/>
+              <a:defRPr/>
+            </a:pPr>
+            <a:r>
+              <a:rPr lang="en-US" dirty="0">
+                <a:effectLst/>
+              </a:rPr>
+              <a:t>A relatively constrained dataset, </a:t>
+            </a:r>
+          </a:p>
+          <a:p>
+            <a:pPr marL="228600" marR="0" lvl="0" indent="-228600" algn="l" defTabSz="914400" rtl="0" eaLnBrk="1" fontAlgn="auto" latinLnBrk="0" hangingPunct="1">
+              <a:lnSpc>
+                <a:spcPct val="100000"/>
+              </a:lnSpc>
+              <a:spcBef>
+                <a:spcPts val="0"/>
+              </a:spcBef>
+              <a:spcAft>
+                <a:spcPts val="0"/>
+              </a:spcAft>
+              <a:buClrTx/>
+              <a:buSzTx/>
+              <a:buFontTx/>
+              <a:buAutoNum type="arabicPeriod"/>
+              <a:tabLst/>
+              <a:defRPr/>
+            </a:pPr>
+            <a:r>
+              <a:rPr lang="en-US" dirty="0">
+                <a:effectLst/>
+              </a:rPr>
+              <a:t>Low accuracy in several classes,</a:t>
+            </a:r>
+          </a:p>
+          <a:p>
+            <a:pPr marL="228600" marR="0" lvl="0" indent="-228600" algn="l" defTabSz="914400" rtl="0" eaLnBrk="1" fontAlgn="auto" latinLnBrk="0" hangingPunct="1">
+              <a:lnSpc>
+                <a:spcPct val="100000"/>
+              </a:lnSpc>
+              <a:spcBef>
+                <a:spcPts val="0"/>
+              </a:spcBef>
+              <a:spcAft>
+                <a:spcPts val="0"/>
+              </a:spcAft>
+              <a:buClrTx/>
+              <a:buSzTx/>
+              <a:buFontTx/>
+              <a:buAutoNum type="arabicPeriod"/>
+              <a:tabLst/>
+              <a:defRPr/>
+            </a:pPr>
+            <a:r>
+              <a:rPr lang="en-US" dirty="0">
+                <a:effectLst/>
+              </a:rPr>
+              <a:t>And some features remain  underdeveloped.</a:t>
+            </a:r>
+          </a:p>
+          <a:p>
+            <a:endParaRPr lang="vi-VN" dirty="0"/>
+          </a:p>
+        </p:txBody>
+      </p:sp>
+      <p:sp>
+        <p:nvSpPr>
+          <p:cNvPr id="4" name="Slide Number Placeholder 3"/>
+          <p:cNvSpPr>
+            <a:spLocks noGrp="1"/>
+          </p:cNvSpPr>
+          <p:nvPr>
+            <p:ph type="sldNum" sz="quarter" idx="5"/>
+          </p:nvPr>
+        </p:nvSpPr>
+        <p:spPr/>
+        <p:txBody>
+          <a:bodyPr/>
+          <a:lstStyle/>
+          <a:p>
+            <a:fld id="{A67E2EB4-AAAC-4D92-8F4B-6C8B3AB9BD3F}" type="slidenum">
+              <a:rPr lang="vi-VN" smtClean="0"/>
+              <a:t>27</a:t>
+            </a:fld>
+            <a:endParaRPr lang="vi-VN"/>
+          </a:p>
+        </p:txBody>
+      </p:sp>
+    </p:spTree>
+    <p:extLst>
+      <p:ext uri="{BB962C8B-B14F-4D97-AF65-F5344CB8AC3E}">
+        <p14:creationId xmlns:p14="http://schemas.microsoft.com/office/powerpoint/2010/main" val="2167281020"/>
+      </p:ext>
+    </p:extLst>
+  </p:cSld>
+  <p:clrMapOvr>
+    <a:masterClrMapping/>
+  </p:clrMapOvr>
+</p:notes>
+</file>
+
+<file path=ppt/notesSlides/notesSlide28.xml><?xml version="1.0" encoding="utf-8"?>
+<p:notes xmlns:a="http://schemas.openxmlformats.org/drawingml/2006/main" xmlns:r="http://schemas.openxmlformats.org/officeDocument/2006/relationships" xmlns:p="http://schemas.openxmlformats.org/presentationml/2006/main">
+  <p:cSld>
+    <p:spTree>
+      <p:nvGrpSpPr>
+        <p:cNvPr id="1" name=""/>
+        <p:cNvGrpSpPr/>
+        <p:nvPr/>
+      </p:nvGrpSpPr>
+      <p:grpSpPr>
+        <a:xfrm>
+          <a:off x="0" y="0"/>
+          <a:ext cx="0" cy="0"/>
+          <a:chOff x="0" y="0"/>
+          <a:chExt cx="0" cy="0"/>
+        </a:xfrm>
+      </p:grpSpPr>
+      <p:sp>
+        <p:nvSpPr>
+          <p:cNvPr id="2" name="Slide Image Placeholder 1"/>
+          <p:cNvSpPr>
+            <a:spLocks noGrp="1" noRot="1" noChangeAspect="1"/>
+          </p:cNvSpPr>
+          <p:nvPr>
+            <p:ph type="sldImg"/>
+          </p:nvPr>
+        </p:nvSpPr>
+        <p:spPr/>
+        <p:txBody>
+          <a:bodyPr/>
+          <a:lstStyle/>
+          <a:p>
+            <a:endParaRPr lang="en-US"/>
+          </a:p>
+        </p:txBody>
+      </p:sp>
+      <p:sp>
+        <p:nvSpPr>
+          <p:cNvPr id="3" name="Notes Placeholder 2"/>
+          <p:cNvSpPr>
+            <a:spLocks noGrp="1"/>
+          </p:cNvSpPr>
+          <p:nvPr>
+            <p:ph type="body" idx="1"/>
+          </p:nvPr>
+        </p:nvSpPr>
+        <p:spPr/>
+        <p:txBody>
+          <a:bodyPr/>
+          <a:lstStyle/>
+          <a:p>
+            <a:r>
+              <a:rPr lang="en-US" dirty="0">
+                <a:effectLst/>
+              </a:rPr>
+              <a:t>For future improvements, I plan to:</a:t>
+            </a:r>
+          </a:p>
+          <a:p>
+            <a:endParaRPr lang="en-US" dirty="0">
+              <a:effectLst/>
+            </a:endParaRPr>
+          </a:p>
+          <a:p>
+            <a:pPr marL="0" indent="0">
+              <a:buFont typeface="Arial" panose="020B0604020202020204" pitchFamily="34" charset="0"/>
+              <a:buNone/>
+            </a:pPr>
+            <a:r>
+              <a:rPr lang="en-US" sz="1200" noProof="0" dirty="0"/>
+              <a:t>1. Expand the recognition feature to other wild edibles.</a:t>
+            </a:r>
+            <a:endParaRPr lang="en-US" sz="1200" dirty="0"/>
+          </a:p>
+          <a:p>
+            <a:pPr marL="0" indent="0">
+              <a:buFont typeface="Arial" panose="020B0604020202020204" pitchFamily="34" charset="0"/>
+              <a:buNone/>
+            </a:pPr>
+            <a:r>
+              <a:rPr lang="en-US" sz="1200" dirty="0"/>
+              <a:t>2. Use a larger ViT variant for better performance.</a:t>
+            </a:r>
+          </a:p>
+          <a:p>
+            <a:pPr marL="0" indent="0">
+              <a:buFont typeface="Arial" panose="020B0604020202020204" pitchFamily="34" charset="0"/>
+              <a:buNone/>
+            </a:pPr>
+            <a:r>
+              <a:rPr lang="en-US" sz="1200" dirty="0"/>
+              <a:t>3. Improve the dataset and augmentation strategy to reduce overfitting.</a:t>
+            </a:r>
+          </a:p>
+          <a:p>
+            <a:pPr marL="0" indent="0">
+              <a:buFont typeface="Arial" panose="020B0604020202020204" pitchFamily="34" charset="0"/>
+              <a:buNone/>
+            </a:pPr>
+            <a:r>
+              <a:rPr lang="en-US" sz="1200" dirty="0"/>
+              <a:t>4. Upgrade the keyword search feature to a chatbot.</a:t>
+            </a:r>
+          </a:p>
+          <a:p>
+            <a:pPr marL="0" indent="0">
+              <a:buFont typeface="Arial" panose="020B0604020202020204" pitchFamily="34" charset="0"/>
+              <a:buNone/>
+            </a:pPr>
+            <a:r>
+              <a:rPr lang="en-US" sz="1200" dirty="0"/>
+              <a:t>5. Add a feature where user can submit observation to iNaturalist website to the forage map.</a:t>
+            </a:r>
+          </a:p>
+          <a:p>
+            <a:pPr marL="0" indent="0">
+              <a:buNone/>
+            </a:pPr>
+            <a:endParaRPr lang="en-US" dirty="0"/>
+          </a:p>
+        </p:txBody>
+      </p:sp>
+      <p:sp>
+        <p:nvSpPr>
+          <p:cNvPr id="4" name="Slide Number Placeholder 3"/>
+          <p:cNvSpPr>
+            <a:spLocks noGrp="1"/>
+          </p:cNvSpPr>
+          <p:nvPr>
+            <p:ph type="sldNum" sz="quarter" idx="5"/>
+          </p:nvPr>
+        </p:nvSpPr>
+        <p:spPr/>
+        <p:txBody>
+          <a:bodyPr/>
+          <a:lstStyle/>
+          <a:p>
+            <a:fld id="{A67E2EB4-AAAC-4D92-8F4B-6C8B3AB9BD3F}" type="slidenum">
+              <a:rPr lang="vi-VN" smtClean="0"/>
+              <a:t>28</a:t>
+            </a:fld>
+            <a:endParaRPr lang="vi-VN"/>
+          </a:p>
+        </p:txBody>
+      </p:sp>
+    </p:spTree>
+    <p:extLst>
+      <p:ext uri="{BB962C8B-B14F-4D97-AF65-F5344CB8AC3E}">
+        <p14:creationId xmlns:p14="http://schemas.microsoft.com/office/powerpoint/2010/main" val="2855441045"/>
+      </p:ext>
+    </p:extLst>
+  </p:cSld>
+  <p:clrMapOvr>
+    <a:masterClrMapping/>
+  </p:clrMapOvr>
+</p:notes>
+</file>
+
+<file path=ppt/notesSlides/notesSlide29.xml><?xml version="1.0" encoding="utf-8"?>
+<p:notes xmlns:a="http://schemas.openxmlformats.org/drawingml/2006/main" xmlns:r="http://schemas.openxmlformats.org/officeDocument/2006/relationships" xmlns:p="http://schemas.openxmlformats.org/presentationml/2006/main">
+  <p:cSld>
+    <p:spTree>
+      <p:nvGrpSpPr>
+        <p:cNvPr id="1" name=""/>
+        <p:cNvGrpSpPr/>
+        <p:nvPr/>
+      </p:nvGrpSpPr>
+      <p:grpSpPr>
+        <a:xfrm>
+          <a:off x="0" y="0"/>
+          <a:ext cx="0" cy="0"/>
+          <a:chOff x="0" y="0"/>
+          <a:chExt cx="0" cy="0"/>
+        </a:xfrm>
+      </p:grpSpPr>
+      <p:sp>
+        <p:nvSpPr>
+          <p:cNvPr id="2" name="Slide Image Placeholder 1"/>
+          <p:cNvSpPr>
+            <a:spLocks noGrp="1" noRot="1" noChangeAspect="1"/>
+          </p:cNvSpPr>
+          <p:nvPr>
+            <p:ph type="sldImg"/>
+          </p:nvPr>
+        </p:nvSpPr>
+        <p:spPr/>
+      </p:sp>
+      <p:sp>
+        <p:nvSpPr>
+          <p:cNvPr id="3" name="Notes Placeholder 2"/>
+          <p:cNvSpPr>
+            <a:spLocks noGrp="1"/>
+          </p:cNvSpPr>
+          <p:nvPr>
+            <p:ph type="body" idx="1"/>
+          </p:nvPr>
+        </p:nvSpPr>
+        <p:spPr/>
+        <p:txBody>
+          <a:bodyPr/>
+          <a:lstStyle/>
+          <a:p>
+            <a:r>
+              <a:rPr lang="en-US" dirty="0">
+                <a:effectLst/>
+              </a:rPr>
+              <a:t>This concludes my presentation.</a:t>
+            </a:r>
+          </a:p>
+          <a:p>
+            <a:endParaRPr lang="en-US" dirty="0"/>
+          </a:p>
+          <a:p>
+            <a:r>
+              <a:rPr lang="en-US" dirty="0"/>
+              <a:t>Thank you for listening</a:t>
+            </a:r>
+          </a:p>
+        </p:txBody>
+      </p:sp>
+      <p:sp>
+        <p:nvSpPr>
+          <p:cNvPr id="4" name="Slide Number Placeholder 3"/>
+          <p:cNvSpPr>
+            <a:spLocks noGrp="1"/>
+          </p:cNvSpPr>
+          <p:nvPr>
+            <p:ph type="sldNum" sz="quarter" idx="5"/>
+          </p:nvPr>
+        </p:nvSpPr>
+        <p:spPr/>
+        <p:txBody>
+          <a:bodyPr/>
+          <a:lstStyle/>
+          <a:p>
+            <a:fld id="{A67E2EB4-AAAC-4D92-8F4B-6C8B3AB9BD3F}" type="slidenum">
+              <a:rPr lang="vi-VN" smtClean="0"/>
               <a:t>29</a:t>
             </a:fld>
             <a:endParaRPr lang="vi-VN"/>
@@ -2621,6 +3085,121 @@
 </file>
 
 <file path=ppt/notesSlides/notesSlide3.xml><?xml version="1.0" encoding="utf-8"?>
+<p:notes xmlns:a="http://schemas.openxmlformats.org/drawingml/2006/main" xmlns:r="http://schemas.openxmlformats.org/officeDocument/2006/relationships" xmlns:p="http://schemas.openxmlformats.org/presentationml/2006/main">
+  <p:cSld>
+    <p:spTree>
+      <p:nvGrpSpPr>
+        <p:cNvPr id="1" name=""/>
+        <p:cNvGrpSpPr/>
+        <p:nvPr/>
+      </p:nvGrpSpPr>
+      <p:grpSpPr>
+        <a:xfrm>
+          <a:off x="0" y="0"/>
+          <a:ext cx="0" cy="0"/>
+          <a:chOff x="0" y="0"/>
+          <a:chExt cx="0" cy="0"/>
+        </a:xfrm>
+      </p:grpSpPr>
+      <p:sp>
+        <p:nvSpPr>
+          <p:cNvPr id="2" name="Slide Image Placeholder 1"/>
+          <p:cNvSpPr>
+            <a:spLocks noGrp="1" noRot="1" noChangeAspect="1"/>
+          </p:cNvSpPr>
+          <p:nvPr>
+            <p:ph type="sldImg"/>
+          </p:nvPr>
+        </p:nvSpPr>
+        <p:spPr/>
+      </p:sp>
+      <p:sp>
+        <p:nvSpPr>
+          <p:cNvPr id="3" name="Notes Placeholder 2"/>
+          <p:cNvSpPr>
+            <a:spLocks noGrp="1"/>
+          </p:cNvSpPr>
+          <p:nvPr>
+            <p:ph type="body" idx="1"/>
+          </p:nvPr>
+        </p:nvSpPr>
+        <p:spPr/>
+        <p:txBody>
+          <a:bodyPr/>
+          <a:lstStyle/>
+          <a:p>
+            <a:pPr marL="0" marR="0" lvl="0" indent="0" algn="l" defTabSz="914400" rtl="0" eaLnBrk="1" fontAlgn="auto" latinLnBrk="0" hangingPunct="1">
+              <a:lnSpc>
+                <a:spcPct val="100000"/>
+              </a:lnSpc>
+              <a:spcBef>
+                <a:spcPts val="0"/>
+              </a:spcBef>
+              <a:spcAft>
+                <a:spcPts val="0"/>
+              </a:spcAft>
+              <a:buClrTx/>
+              <a:buSzTx/>
+              <a:buFontTx/>
+              <a:buNone/>
+              <a:tabLst/>
+              <a:defRPr/>
+            </a:pPr>
+            <a:r>
+              <a:rPr lang="en-US" sz="1200" kern="1200" dirty="0">
+                <a:solidFill>
+                  <a:schemeClr val="tx1"/>
+                </a:solidFill>
+                <a:effectLst/>
+                <a:latin typeface="+mn-lt"/>
+                <a:ea typeface="+mn-ea"/>
+                <a:cs typeface="+mn-cs"/>
+              </a:rPr>
+              <a:t>Part 1: Introduction</a:t>
+            </a:r>
+          </a:p>
+          <a:p>
+            <a:endParaRPr lang="en-US" dirty="0"/>
+          </a:p>
+        </p:txBody>
+      </p:sp>
+      <p:sp>
+        <p:nvSpPr>
+          <p:cNvPr id="4" name="Slide Number Placeholder 3"/>
+          <p:cNvSpPr>
+            <a:spLocks noGrp="1"/>
+          </p:cNvSpPr>
+          <p:nvPr>
+            <p:ph type="sldNum" sz="quarter" idx="5"/>
+          </p:nvPr>
+        </p:nvSpPr>
+        <p:spPr/>
+        <p:txBody>
+          <a:bodyPr/>
+          <a:lstStyle/>
+          <a:p>
+            <a:fld id="{A67E2EB4-AAAC-4D92-8F4B-6C8B3AB9BD3F}" type="slidenum">
+              <a:rPr lang="vi-VN" smtClean="0"/>
+              <a:t>3</a:t>
+            </a:fld>
+            <a:endParaRPr lang="vi-VN"/>
+          </a:p>
+        </p:txBody>
+      </p:sp>
+    </p:spTree>
+    <p:extLst>
+      <p:ext uri="{BB962C8B-B14F-4D97-AF65-F5344CB8AC3E}">
+        <p14:creationId xmlns:p14="http://schemas.microsoft.com/office/powerpoint/2010/main" val="2919962264"/>
+      </p:ext>
+    </p:extLst>
+  </p:cSld>
+  <p:clrMapOvr>
+    <a:masterClrMapping/>
+  </p:clrMapOvr>
+</p:notes>
+</file>
+
+<file path=ppt/notesSlides/notesSlide4.xml><?xml version="1.0" encoding="utf-8"?>
 <p:notes xmlns:a="http://schemas.openxmlformats.org/drawingml/2006/main" xmlns:r="http://schemas.openxmlformats.org/officeDocument/2006/relationships" xmlns:p="http://schemas.openxmlformats.org/presentationml/2006/main">
   <p:cSld>
     <p:spTree>
@@ -2693,7 +3272,7 @@
               <a:rPr lang="en-US" dirty="0">
                 <a:effectLst/>
               </a:rPr>
-              <a:t>Mushroom identification is known to be a difficult task for beginners - due how similar most species look, which can lead to possibly lethal errors EVEN with prior knowledge.</a:t>
+              <a:t>It is known that Mushroom identification is a difficult task for beginners - due to how similar most species look, which can lead to possibly lethal errors EVEN with prior knowledge.</a:t>
             </a:r>
           </a:p>
           <a:p>
@@ -2702,7 +3281,7 @@
           <a:p>
             <a:r>
               <a:rPr lang="en-US" dirty="0"/>
-              <a:t>And with the increase in interest for foraging hobby, there has been demand for an accessible and beginner-friendly tool</a:t>
+              <a:t>And with the increase in interest in foraging hobby, there has been demand for an accessible and beginner-friendly tool</a:t>
             </a:r>
           </a:p>
           <a:p>
@@ -2761,7 +3340,7 @@
 </p:notes>
 </file>
 
-<file path=ppt/notesSlides/notesSlide4.xml><?xml version="1.0" encoding="utf-8"?>
+<file path=ppt/notesSlides/notesSlide5.xml><?xml version="1.0" encoding="utf-8"?>
 <p:notes xmlns:a="http://schemas.openxmlformats.org/drawingml/2006/main" xmlns:r="http://schemas.openxmlformats.org/officeDocument/2006/relationships" xmlns:p="http://schemas.openxmlformats.org/presentationml/2006/main">
   <p:cSld>
     <p:spTree>
@@ -2851,7 +3430,7 @@
               <a:rPr lang="en-US" dirty="0">
                 <a:effectLst/>
               </a:rPr>
-              <a:t>And thus spawn this thesis which aims to develop a beginner-friendly Android application </a:t>
+              <a:t>And thus spawn this thesis which aims to develop a beginner-friendly application </a:t>
             </a:r>
           </a:p>
           <a:p>
@@ -2901,7 +3480,7 @@
               <a:rPr lang="en-US" dirty="0">
                 <a:effectLst/>
               </a:rPr>
-              <a:t>that supports mushroom identification and also promotes safe foraging practices, and self-learning for the hobby.</a:t>
+              <a:t>that supports mushroom identification as well as promotes safe foraging practices, and self-learning.</a:t>
             </a:r>
           </a:p>
           <a:p>
@@ -2951,7 +3530,7 @@
 </p:notes>
 </file>
 
-<file path=ppt/notesSlides/notesSlide5.xml><?xml version="1.0" encoding="utf-8"?>
+<file path=ppt/notesSlides/notesSlide6.xml><?xml version="1.0" encoding="utf-8"?>
 <p:notes xmlns:a="http://schemas.openxmlformats.org/drawingml/2006/main" xmlns:r="http://schemas.openxmlformats.org/officeDocument/2006/relationships" xmlns:p="http://schemas.openxmlformats.org/presentationml/2006/main">
   <p:cSld>
     <p:spTree>
@@ -3029,13 +3608,13 @@
             </a:br>
             <a:r>
               <a:rPr lang="en-US" dirty="0"/>
-              <a:t>1. Build an app that combine AI-based image identification that stored results locally </a:t>
+              <a:t>1. Build an app that combine AI-based image identification with local storage</a:t>
             </a:r>
           </a:p>
           <a:p>
             <a:r>
               <a:rPr lang="en-US" dirty="0"/>
-              <a:t>2. with a search feature and interactable forage map DELIVERED with a fast client-server architecture and intuitive UI/UX</a:t>
+              <a:t>2.  a search feature and interactable forage map DELIVERED with a fast client-server architecture and intuitive UI/UX</a:t>
             </a:r>
           </a:p>
           <a:p>
@@ -3133,7 +3712,95 @@
 </p:notes>
 </file>
 
-<file path=ppt/notesSlides/notesSlide6.xml><?xml version="1.0" encoding="utf-8"?>
+<file path=ppt/notesSlides/notesSlide7.xml><?xml version="1.0" encoding="utf-8"?>
+<p:notes xmlns:a="http://schemas.openxmlformats.org/drawingml/2006/main" xmlns:r="http://schemas.openxmlformats.org/officeDocument/2006/relationships" xmlns:p="http://schemas.openxmlformats.org/presentationml/2006/main">
+  <p:cSld>
+    <p:spTree>
+      <p:nvGrpSpPr>
+        <p:cNvPr id="1" name=""/>
+        <p:cNvGrpSpPr/>
+        <p:nvPr/>
+      </p:nvGrpSpPr>
+      <p:grpSpPr>
+        <a:xfrm>
+          <a:off x="0" y="0"/>
+          <a:ext cx="0" cy="0"/>
+          <a:chOff x="0" y="0"/>
+          <a:chExt cx="0" cy="0"/>
+        </a:xfrm>
+      </p:grpSpPr>
+      <p:sp>
+        <p:nvSpPr>
+          <p:cNvPr id="2" name="Slide Image Placeholder 1"/>
+          <p:cNvSpPr>
+            <a:spLocks noGrp="1" noRot="1" noChangeAspect="1"/>
+          </p:cNvSpPr>
+          <p:nvPr>
+            <p:ph type="sldImg"/>
+          </p:nvPr>
+        </p:nvSpPr>
+        <p:spPr/>
+      </p:sp>
+      <p:sp>
+        <p:nvSpPr>
+          <p:cNvPr id="3" name="Notes Placeholder 2"/>
+          <p:cNvSpPr>
+            <a:spLocks noGrp="1"/>
+          </p:cNvSpPr>
+          <p:nvPr>
+            <p:ph type="body" idx="1"/>
+          </p:nvPr>
+        </p:nvSpPr>
+        <p:spPr/>
+        <p:txBody>
+          <a:bodyPr/>
+          <a:lstStyle/>
+          <a:p>
+            <a:r>
+              <a:rPr lang="en-US" sz="1200" dirty="0"/>
+              <a:t>Part 2: Theoretical Basis &amp; Systems Analysis</a:t>
+            </a:r>
+            <a:endParaRPr lang="en-US" dirty="0"/>
+          </a:p>
+        </p:txBody>
+      </p:sp>
+      <p:sp>
+        <p:nvSpPr>
+          <p:cNvPr id="4" name="Slide Number Placeholder 3"/>
+          <p:cNvSpPr>
+            <a:spLocks noGrp="1"/>
+          </p:cNvSpPr>
+          <p:nvPr>
+            <p:ph type="sldNum" sz="quarter" idx="5"/>
+          </p:nvPr>
+        </p:nvSpPr>
+        <p:spPr/>
+        <p:txBody>
+          <a:bodyPr/>
+          <a:lstStyle/>
+          <a:p>
+            <a:fld id="{A67E2EB4-AAAC-4D92-8F4B-6C8B3AB9BD3F}" type="slidenum">
+              <a:rPr lang="vi-VN" smtClean="0"/>
+              <a:t>7</a:t>
+            </a:fld>
+            <a:endParaRPr lang="vi-VN"/>
+          </a:p>
+        </p:txBody>
+      </p:sp>
+    </p:spTree>
+    <p:extLst>
+      <p:ext uri="{BB962C8B-B14F-4D97-AF65-F5344CB8AC3E}">
+        <p14:creationId xmlns:p14="http://schemas.microsoft.com/office/powerpoint/2010/main" val="443732873"/>
+      </p:ext>
+    </p:extLst>
+  </p:cSld>
+  <p:clrMapOvr>
+    <a:masterClrMapping/>
+  </p:clrMapOvr>
+</p:notes>
+</file>
+
+<file path=ppt/notesSlides/notesSlide8.xml><?xml version="1.0" encoding="utf-8"?>
 <p:notes xmlns:a="http://schemas.openxmlformats.org/drawingml/2006/main" xmlns:r="http://schemas.openxmlformats.org/officeDocument/2006/relationships" xmlns:p="http://schemas.openxmlformats.org/presentationml/2006/main">
   <p:cSld>
     <p:spTree>
@@ -3316,7 +3983,7 @@
 </p:notes>
 </file>
 
-<file path=ppt/notesSlides/notesSlide7.xml><?xml version="1.0" encoding="utf-8"?>
+<file path=ppt/notesSlides/notesSlide9.xml><?xml version="1.0" encoding="utf-8"?>
 <p:notes xmlns:a="http://schemas.openxmlformats.org/drawingml/2006/main" xmlns:r="http://schemas.openxmlformats.org/officeDocument/2006/relationships" xmlns:p="http://schemas.openxmlformats.org/presentationml/2006/main">
   <p:cSld>
     <p:spTree>
@@ -3443,285 +4110,6 @@
     <p:extLst>
       <p:ext uri="{BB962C8B-B14F-4D97-AF65-F5344CB8AC3E}">
         <p14:creationId xmlns:p14="http://schemas.microsoft.com/office/powerpoint/2010/main" val="1375273524"/>
-      </p:ext>
-    </p:extLst>
-  </p:cSld>
-  <p:clrMapOvr>
-    <a:masterClrMapping/>
-  </p:clrMapOvr>
-</p:notes>
-</file>
-
-<file path=ppt/notesSlides/notesSlide8.xml><?xml version="1.0" encoding="utf-8"?>
-<p:notes xmlns:a="http://schemas.openxmlformats.org/drawingml/2006/main" xmlns:r="http://schemas.openxmlformats.org/officeDocument/2006/relationships" xmlns:p="http://schemas.openxmlformats.org/presentationml/2006/main">
-  <p:cSld>
-    <p:spTree>
-      <p:nvGrpSpPr>
-        <p:cNvPr id="1" name="">
-          <a:extLst>
-            <a:ext uri="{FF2B5EF4-FFF2-40B4-BE49-F238E27FC236}">
-              <a16:creationId xmlns:a16="http://schemas.microsoft.com/office/drawing/2014/main" id="{A10E6DF9-98E7-F510-0D5F-BBCF612DF735}"/>
-            </a:ext>
-          </a:extLst>
-        </p:cNvPr>
-        <p:cNvGrpSpPr/>
-        <p:nvPr/>
-      </p:nvGrpSpPr>
-      <p:grpSpPr>
-        <a:xfrm>
-          <a:off x="0" y="0"/>
-          <a:ext cx="0" cy="0"/>
-          <a:chOff x="0" y="0"/>
-          <a:chExt cx="0" cy="0"/>
-        </a:xfrm>
-      </p:grpSpPr>
-      <p:sp>
-        <p:nvSpPr>
-          <p:cNvPr id="2" name="Slide Image Placeholder 1">
-            <a:extLst>
-              <a:ext uri="{FF2B5EF4-FFF2-40B4-BE49-F238E27FC236}">
-                <a16:creationId xmlns:a16="http://schemas.microsoft.com/office/drawing/2014/main" id="{46CCBDA3-4B0A-DA14-E409-F783E546D1CC}"/>
-              </a:ext>
-            </a:extLst>
-          </p:cNvPr>
-          <p:cNvSpPr>
-            <a:spLocks noGrp="1" noRot="1" noChangeAspect="1"/>
-          </p:cNvSpPr>
-          <p:nvPr>
-            <p:ph type="sldImg"/>
-          </p:nvPr>
-        </p:nvSpPr>
-        <p:spPr/>
-        <p:txBody>
-          <a:bodyPr/>
-          <a:lstStyle/>
-          <a:p>
-            <a:endParaRPr lang="en-US"/>
-          </a:p>
-        </p:txBody>
-      </p:sp>
-      <p:sp>
-        <p:nvSpPr>
-          <p:cNvPr id="3" name="Notes Placeholder 2">
-            <a:extLst>
-              <a:ext uri="{FF2B5EF4-FFF2-40B4-BE49-F238E27FC236}">
-                <a16:creationId xmlns:a16="http://schemas.microsoft.com/office/drawing/2014/main" id="{302DC791-FCFA-4470-DBFE-5DEB6A7CD882}"/>
-              </a:ext>
-            </a:extLst>
-          </p:cNvPr>
-          <p:cNvSpPr>
-            <a:spLocks noGrp="1"/>
-          </p:cNvSpPr>
-          <p:nvPr>
-            <p:ph type="body" idx="1"/>
-          </p:nvPr>
-        </p:nvSpPr>
-        <p:spPr/>
-        <p:txBody>
-          <a:bodyPr/>
-          <a:lstStyle/>
-          <a:p>
-            <a:pPr marL="228600" indent="-228600">
-              <a:buAutoNum type="arabicPeriod"/>
-            </a:pPr>
-            <a:r>
-              <a:rPr lang="en-US" dirty="0"/>
-              <a:t>The dataset consists of 80 classes with 200 samples each resulting in exactly 16,000 samples total</a:t>
-            </a:r>
-          </a:p>
-          <a:p>
-            <a:pPr marL="228600" indent="-228600">
-              <a:buAutoNum type="arabicPeriod"/>
-            </a:pPr>
-            <a:r>
-              <a:rPr lang="en-US" dirty="0"/>
-              <a:t>Sourced mostly from iNaturalist with the rest coming from Kaggle public dataset, WildFoodUK site and various other personal blogs.</a:t>
-            </a:r>
-          </a:p>
-          <a:p>
-            <a:pPr marL="228600" indent="-228600">
-              <a:buAutoNum type="arabicPeriod"/>
-            </a:pPr>
-            <a:r>
-              <a:rPr lang="en-US" dirty="0"/>
-              <a:t>The Dataset is split with the ratio 8:1:1 for the train, validate and test set respectively</a:t>
-            </a:r>
-          </a:p>
-          <a:p>
-            <a:pPr marL="228600" indent="-228600">
-              <a:buAutoNum type="arabicPeriod"/>
-            </a:pPr>
-            <a:r>
-              <a:rPr lang="en-US" dirty="0"/>
-              <a:t>The Augmentation is applied to the train set just before training to </a:t>
-            </a:r>
-            <a:r>
-              <a:rPr lang="en-US" sz="1200" kern="1200" dirty="0">
-                <a:solidFill>
-                  <a:schemeClr val="tx1"/>
-                </a:solidFill>
-                <a:effectLst/>
-                <a:latin typeface="+mn-lt"/>
-                <a:ea typeface="+mn-ea"/>
-                <a:cs typeface="+mn-cs"/>
-              </a:rPr>
-              <a:t>improve generalization</a:t>
-            </a:r>
-            <a:endParaRPr lang="en-US" dirty="0"/>
-          </a:p>
-        </p:txBody>
-      </p:sp>
-      <p:sp>
-        <p:nvSpPr>
-          <p:cNvPr id="4" name="Slide Number Placeholder 3">
-            <a:extLst>
-              <a:ext uri="{FF2B5EF4-FFF2-40B4-BE49-F238E27FC236}">
-                <a16:creationId xmlns:a16="http://schemas.microsoft.com/office/drawing/2014/main" id="{052EA1BE-1AAB-B530-E513-CED8E1AFF0F5}"/>
-              </a:ext>
-            </a:extLst>
-          </p:cNvPr>
-          <p:cNvSpPr>
-            <a:spLocks noGrp="1"/>
-          </p:cNvSpPr>
-          <p:nvPr>
-            <p:ph type="sldNum" sz="quarter" idx="5"/>
-          </p:nvPr>
-        </p:nvSpPr>
-        <p:spPr/>
-        <p:txBody>
-          <a:bodyPr/>
-          <a:lstStyle/>
-          <a:p>
-            <a:fld id="{A67E2EB4-AAAC-4D92-8F4B-6C8B3AB9BD3F}" type="slidenum">
-              <a:rPr lang="vi-VN" smtClean="0"/>
-              <a:t>10</a:t>
-            </a:fld>
-            <a:endParaRPr lang="vi-VN"/>
-          </a:p>
-        </p:txBody>
-      </p:sp>
-    </p:spTree>
-    <p:extLst>
-      <p:ext uri="{BB962C8B-B14F-4D97-AF65-F5344CB8AC3E}">
-        <p14:creationId xmlns:p14="http://schemas.microsoft.com/office/powerpoint/2010/main" val="3954574188"/>
-      </p:ext>
-    </p:extLst>
-  </p:cSld>
-  <p:clrMapOvr>
-    <a:masterClrMapping/>
-  </p:clrMapOvr>
-</p:notes>
-</file>
-
-<file path=ppt/notesSlides/notesSlide9.xml><?xml version="1.0" encoding="utf-8"?>
-<p:notes xmlns:a="http://schemas.openxmlformats.org/drawingml/2006/main" xmlns:r="http://schemas.openxmlformats.org/officeDocument/2006/relationships" xmlns:p="http://schemas.openxmlformats.org/presentationml/2006/main">
-  <p:cSld>
-    <p:spTree>
-      <p:nvGrpSpPr>
-        <p:cNvPr id="1" name="">
-          <a:extLst>
-            <a:ext uri="{FF2B5EF4-FFF2-40B4-BE49-F238E27FC236}">
-              <a16:creationId xmlns:a16="http://schemas.microsoft.com/office/drawing/2014/main" id="{2B871C3B-60FD-F78E-A32E-F4A18C59A47C}"/>
-            </a:ext>
-          </a:extLst>
-        </p:cNvPr>
-        <p:cNvGrpSpPr/>
-        <p:nvPr/>
-      </p:nvGrpSpPr>
-      <p:grpSpPr>
-        <a:xfrm>
-          <a:off x="0" y="0"/>
-          <a:ext cx="0" cy="0"/>
-          <a:chOff x="0" y="0"/>
-          <a:chExt cx="0" cy="0"/>
-        </a:xfrm>
-      </p:grpSpPr>
-      <p:sp>
-        <p:nvSpPr>
-          <p:cNvPr id="2" name="Slide Image Placeholder 1">
-            <a:extLst>
-              <a:ext uri="{FF2B5EF4-FFF2-40B4-BE49-F238E27FC236}">
-                <a16:creationId xmlns:a16="http://schemas.microsoft.com/office/drawing/2014/main" id="{CA15225B-C97F-EFC7-FF19-BD9B5A4EE201}"/>
-              </a:ext>
-            </a:extLst>
-          </p:cNvPr>
-          <p:cNvSpPr>
-            <a:spLocks noGrp="1" noRot="1" noChangeAspect="1"/>
-          </p:cNvSpPr>
-          <p:nvPr>
-            <p:ph type="sldImg"/>
-          </p:nvPr>
-        </p:nvSpPr>
-        <p:spPr/>
-        <p:txBody>
-          <a:bodyPr/>
-          <a:lstStyle/>
-          <a:p>
-            <a:endParaRPr lang="en-US"/>
-          </a:p>
-        </p:txBody>
-      </p:sp>
-      <p:sp>
-        <p:nvSpPr>
-          <p:cNvPr id="3" name="Notes Placeholder 2">
-            <a:extLst>
-              <a:ext uri="{FF2B5EF4-FFF2-40B4-BE49-F238E27FC236}">
-                <a16:creationId xmlns:a16="http://schemas.microsoft.com/office/drawing/2014/main" id="{7300390B-EEB3-B425-B18C-53FA91AFAEAB}"/>
-              </a:ext>
-            </a:extLst>
-          </p:cNvPr>
-          <p:cNvSpPr>
-            <a:spLocks noGrp="1"/>
-          </p:cNvSpPr>
-          <p:nvPr>
-            <p:ph type="body" idx="1"/>
-          </p:nvPr>
-        </p:nvSpPr>
-        <p:spPr/>
-        <p:txBody>
-          <a:bodyPr/>
-          <a:lstStyle/>
-          <a:p>
-            <a:r>
-              <a:rPr lang="en-US" dirty="0"/>
-              <a:t>These subsequence slides show the overview of the system architecture, </a:t>
-            </a:r>
-          </a:p>
-        </p:txBody>
-      </p:sp>
-      <p:sp>
-        <p:nvSpPr>
-          <p:cNvPr id="4" name="Slide Number Placeholder 3">
-            <a:extLst>
-              <a:ext uri="{FF2B5EF4-FFF2-40B4-BE49-F238E27FC236}">
-                <a16:creationId xmlns:a16="http://schemas.microsoft.com/office/drawing/2014/main" id="{63E2C4C8-4964-A2CD-4890-EBE340A1E804}"/>
-              </a:ext>
-            </a:extLst>
-          </p:cNvPr>
-          <p:cNvSpPr>
-            <a:spLocks noGrp="1"/>
-          </p:cNvSpPr>
-          <p:nvPr>
-            <p:ph type="sldNum" sz="quarter" idx="5"/>
-          </p:nvPr>
-        </p:nvSpPr>
-        <p:spPr/>
-        <p:txBody>
-          <a:bodyPr/>
-          <a:lstStyle/>
-          <a:p>
-            <a:fld id="{A67E2EB4-AAAC-4D92-8F4B-6C8B3AB9BD3F}" type="slidenum">
-              <a:rPr lang="vi-VN" smtClean="0"/>
-              <a:t>11</a:t>
-            </a:fld>
-            <a:endParaRPr lang="vi-VN"/>
-          </a:p>
-        </p:txBody>
-      </p:sp>
-    </p:spTree>
-    <p:extLst>
-      <p:ext uri="{BB962C8B-B14F-4D97-AF65-F5344CB8AC3E}">
-        <p14:creationId xmlns:p14="http://schemas.microsoft.com/office/powerpoint/2010/main" val="123363835"/>
       </p:ext>
     </p:extLst>
   </p:cSld>
@@ -46933,7 +47321,15 @@
             </a:pPr>
             <a:r>
               <a:rPr lang="en-US" dirty="0"/>
-              <a:t>Low accuracy on certain classes</a:t>
+              <a:t>Low accuracy in </a:t>
+            </a:r>
+            <a:r>
+              <a:rPr lang="en-US" dirty="0" err="1"/>
+              <a:t>serveral</a:t>
+            </a:r>
+            <a:r>
+              <a:rPr lang="en-US" dirty="0"/>
+              <a:t> classes</a:t>
             </a:r>
             <a:endParaRPr lang="en-US" noProof="0" dirty="0"/>
           </a:p>
@@ -46944,7 +47340,7 @@
             </a:pPr>
             <a:r>
               <a:rPr lang="en-US" noProof="0" dirty="0"/>
-              <a:t>Some features remain incomplete or underdeveloped</a:t>
+              <a:t>Some features remain underdeveloped</a:t>
             </a:r>
             <a:endParaRPr lang="en-US" b="1" noProof="0" dirty="0"/>
           </a:p>
@@ -47501,7 +47897,7 @@
             </a:pPr>
             <a:r>
               <a:rPr lang="en-US" sz="2200" noProof="0" dirty="0"/>
-              <a:t>Expand recognition to other wild forageable.</a:t>
+              <a:t>Expand recognition feature to other wild forageables.</a:t>
             </a:r>
           </a:p>
           <a:p>
@@ -47541,8 +47937,11 @@
             </a:pPr>
             <a:r>
               <a:rPr lang="en-US" sz="2200" dirty="0"/>
-              <a:t>Add user-submitted observation to iNaturalist feature to the forage map.</a:t>
+              <a:t>Add a feature where user can submit observation to iNaturalist website to the forage map.</a:t>
             </a:r>
+          </a:p>
+          <a:p>
+            <a:endParaRPr lang="en-US" sz="2200" dirty="0"/>
           </a:p>
         </p:txBody>
       </p:sp>
